--- a/getfame.pptx
+++ b/getfame.pptx
@@ -19,6 +19,7 @@
     <p:sldId id="265" r:id="rId13"/>
     <p:sldId id="262" r:id="rId14"/>
     <p:sldId id="270" r:id="rId15"/>
+    <p:sldId id="274" r:id="rId16"/>
   </p:sldIdLst>
   <p:sldSz cx="12192000" cy="6858000"/>
   <p:notesSz cx="6858000" cy="9144000"/>
@@ -272,7 +273,7 @@
           <a:p>
             <a:fld id="{C848B3AD-CA34-42F6-B8F0-ED1DEB1CD510}" type="datetimeFigureOut">
               <a:rPr lang="nb-NO" smtClean="0"/>
-              <a:t>05.06.2025</a:t>
+              <a:t>24.06.2025</a:t>
             </a:fld>
             <a:endParaRPr lang="nb-NO"/>
           </a:p>
@@ -470,7 +471,7 @@
           <a:p>
             <a:fld id="{C848B3AD-CA34-42F6-B8F0-ED1DEB1CD510}" type="datetimeFigureOut">
               <a:rPr lang="nb-NO" smtClean="0"/>
-              <a:t>05.06.2025</a:t>
+              <a:t>24.06.2025</a:t>
             </a:fld>
             <a:endParaRPr lang="nb-NO"/>
           </a:p>
@@ -678,7 +679,7 @@
           <a:p>
             <a:fld id="{C848B3AD-CA34-42F6-B8F0-ED1DEB1CD510}" type="datetimeFigureOut">
               <a:rPr lang="nb-NO" smtClean="0"/>
-              <a:t>05.06.2025</a:t>
+              <a:t>24.06.2025</a:t>
             </a:fld>
             <a:endParaRPr lang="nb-NO"/>
           </a:p>
@@ -876,7 +877,7 @@
           <a:p>
             <a:fld id="{C848B3AD-CA34-42F6-B8F0-ED1DEB1CD510}" type="datetimeFigureOut">
               <a:rPr lang="nb-NO" smtClean="0"/>
-              <a:t>05.06.2025</a:t>
+              <a:t>24.06.2025</a:t>
             </a:fld>
             <a:endParaRPr lang="nb-NO"/>
           </a:p>
@@ -1151,7 +1152,7 @@
           <a:p>
             <a:fld id="{C848B3AD-CA34-42F6-B8F0-ED1DEB1CD510}" type="datetimeFigureOut">
               <a:rPr lang="nb-NO" smtClean="0"/>
-              <a:t>05.06.2025</a:t>
+              <a:t>24.06.2025</a:t>
             </a:fld>
             <a:endParaRPr lang="nb-NO"/>
           </a:p>
@@ -1416,7 +1417,7 @@
           <a:p>
             <a:fld id="{C848B3AD-CA34-42F6-B8F0-ED1DEB1CD510}" type="datetimeFigureOut">
               <a:rPr lang="nb-NO" smtClean="0"/>
-              <a:t>05.06.2025</a:t>
+              <a:t>24.06.2025</a:t>
             </a:fld>
             <a:endParaRPr lang="nb-NO"/>
           </a:p>
@@ -1828,7 +1829,7 @@
           <a:p>
             <a:fld id="{C848B3AD-CA34-42F6-B8F0-ED1DEB1CD510}" type="datetimeFigureOut">
               <a:rPr lang="nb-NO" smtClean="0"/>
-              <a:t>05.06.2025</a:t>
+              <a:t>24.06.2025</a:t>
             </a:fld>
             <a:endParaRPr lang="nb-NO"/>
           </a:p>
@@ -1969,7 +1970,7 @@
           <a:p>
             <a:fld id="{C848B3AD-CA34-42F6-B8F0-ED1DEB1CD510}" type="datetimeFigureOut">
               <a:rPr lang="nb-NO" smtClean="0"/>
-              <a:t>05.06.2025</a:t>
+              <a:t>24.06.2025</a:t>
             </a:fld>
             <a:endParaRPr lang="nb-NO"/>
           </a:p>
@@ -2082,7 +2083,7 @@
           <a:p>
             <a:fld id="{C848B3AD-CA34-42F6-B8F0-ED1DEB1CD510}" type="datetimeFigureOut">
               <a:rPr lang="nb-NO" smtClean="0"/>
-              <a:t>05.06.2025</a:t>
+              <a:t>24.06.2025</a:t>
             </a:fld>
             <a:endParaRPr lang="nb-NO"/>
           </a:p>
@@ -2393,7 +2394,7 @@
           <a:p>
             <a:fld id="{C848B3AD-CA34-42F6-B8F0-ED1DEB1CD510}" type="datetimeFigureOut">
               <a:rPr lang="nb-NO" smtClean="0"/>
-              <a:t>05.06.2025</a:t>
+              <a:t>24.06.2025</a:t>
             </a:fld>
             <a:endParaRPr lang="nb-NO"/>
           </a:p>
@@ -2681,7 +2682,7 @@
           <a:p>
             <a:fld id="{C848B3AD-CA34-42F6-B8F0-ED1DEB1CD510}" type="datetimeFigureOut">
               <a:rPr lang="nb-NO" smtClean="0"/>
-              <a:t>05.06.2025</a:t>
+              <a:t>24.06.2025</a:t>
             </a:fld>
             <a:endParaRPr lang="nb-NO"/>
           </a:p>
@@ -2922,7 +2923,7 @@
           <a:p>
             <a:fld id="{C848B3AD-CA34-42F6-B8F0-ED1DEB1CD510}" type="datetimeFigureOut">
               <a:rPr lang="nb-NO" smtClean="0"/>
-              <a:t>05.06.2025</a:t>
+              <a:t>24.06.2025</a:t>
             </a:fld>
             <a:endParaRPr lang="nb-NO"/>
           </a:p>
@@ -3477,7 +3478,15 @@
             </a:r>
             <a:r>
               <a:rPr lang="nb-NO" sz="1200" dirty="0"/>
-              <a:t> 2024 / 2025</a:t>
+              <a:t> 2024 / </a:t>
+            </a:r>
+            <a:r>
+              <a:rPr lang="nb-NO" sz="1200" dirty="0" err="1"/>
+              <a:t>june</a:t>
+            </a:r>
+            <a:r>
+              <a:rPr lang="nb-NO" sz="1200" dirty="0"/>
+              <a:t> 2025</a:t>
             </a:r>
           </a:p>
           <a:p>
@@ -3798,13 +3807,13 @@
         </p:nvSpPr>
         <p:spPr>
           <a:xfrm>
-            <a:off x="838200" y="519598"/>
-            <a:ext cx="2932134" cy="5990007"/>
+            <a:off x="838199" y="519598"/>
+            <a:ext cx="3209693" cy="6300775"/>
           </a:xfrm>
         </p:spPr>
         <p:txBody>
           <a:bodyPr>
-            <a:normAutofit/>
+            <a:normAutofit fontScale="90000"/>
           </a:bodyPr>
           <a:lstStyle/>
           <a:p>
@@ -3878,16 +3887,38 @@
               <a:rPr lang="nb-NO" dirty="0" err="1"/>
               <a:t>Jupiterlab</a:t>
             </a:r>
-            <a:endParaRPr lang="nb-NO" dirty="0"/>
+            <a:br>
+              <a:rPr lang="nb-NO" dirty="0"/>
+            </a:br>
+            <a:br>
+              <a:rPr lang="nb-NO" dirty="0"/>
+            </a:br>
+            <a:r>
+              <a:rPr lang="nb-NO" sz="3600" i="1" dirty="0"/>
+              <a:t>list </a:t>
+            </a:r>
+            <a:r>
+              <a:rPr lang="nb-NO" sz="3600" i="1" dirty="0" err="1"/>
+              <a:t>of</a:t>
+            </a:r>
+            <a:r>
+              <a:rPr lang="nb-NO" sz="3600" i="1" dirty="0"/>
+              <a:t> </a:t>
+            </a:r>
+            <a:r>
+              <a:rPr lang="nb-NO" sz="3600" i="1" dirty="0" err="1"/>
+              <a:t>expressions</a:t>
+            </a:r>
+            <a:endParaRPr lang="nb-NO" sz="3600" i="1" dirty="0"/>
           </a:p>
         </p:txBody>
       </p:sp>
       <p:pic>
         <p:nvPicPr>
-          <p:cNvPr id="4" name="Bilde 3">
-            <a:extLst>
-              <a:ext uri="{FF2B5EF4-FFF2-40B4-BE49-F238E27FC236}">
-                <a16:creationId xmlns:a16="http://schemas.microsoft.com/office/drawing/2014/main" id="{91CF210B-13B1-02A6-761B-4941B2A8F1CD}"/>
+          <p:cNvPr id="5" name="Bilde 4">
+            <a:extLst>
+              <a:ext uri="{FF2B5EF4-FFF2-40B4-BE49-F238E27FC236}">
+                <a16:creationId xmlns:a16="http://schemas.microsoft.com/office/drawing/2014/main" id="{A70C60E9-6F5E-D953-B107-6015EBC6FA32}"/>
               </a:ext>
             </a:extLst>
           </p:cNvPr>
@@ -3904,8 +3935,8 @@
         </p:blipFill>
         <p:spPr>
           <a:xfrm>
-            <a:off x="4080399" y="519598"/>
-            <a:ext cx="7763958" cy="6144482"/>
+            <a:off x="0" y="0"/>
+            <a:ext cx="12192000" cy="480665"/>
           </a:xfrm>
           <a:prstGeom prst="rect">
             <a:avLst/>
@@ -3914,10 +3945,10 @@
       </p:pic>
       <p:pic>
         <p:nvPicPr>
-          <p:cNvPr id="5" name="Bilde 4">
-            <a:extLst>
-              <a:ext uri="{FF2B5EF4-FFF2-40B4-BE49-F238E27FC236}">
-                <a16:creationId xmlns:a16="http://schemas.microsoft.com/office/drawing/2014/main" id="{A70C60E9-6F5E-D953-B107-6015EBC6FA32}"/>
+          <p:cNvPr id="6" name="Bilde 5">
+            <a:extLst>
+              <a:ext uri="{FF2B5EF4-FFF2-40B4-BE49-F238E27FC236}">
+                <a16:creationId xmlns:a16="http://schemas.microsoft.com/office/drawing/2014/main" id="{5F1AC894-4689-0086-4597-B91328D83D2A}"/>
               </a:ext>
             </a:extLst>
           </p:cNvPr>
@@ -3934,8 +3965,8 @@
         </p:blipFill>
         <p:spPr>
           <a:xfrm>
-            <a:off x="0" y="0"/>
-            <a:ext cx="12192000" cy="480665"/>
+            <a:off x="4294384" y="480665"/>
+            <a:ext cx="6847240" cy="6339708"/>
           </a:xfrm>
           <a:prstGeom prst="rect">
             <a:avLst/>
@@ -3990,8 +4021,8 @@
         </p:nvSpPr>
         <p:spPr>
           <a:xfrm>
-            <a:off x="838200" y="1189973"/>
-            <a:ext cx="2843690" cy="4835046"/>
+            <a:off x="267629" y="1189973"/>
+            <a:ext cx="3620095" cy="5054710"/>
           </a:xfrm>
         </p:spPr>
         <p:txBody>
@@ -4000,10 +4031,6 @@
           </a:bodyPr>
           <a:lstStyle/>
           <a:p>
-            <a:r>
-              <a:rPr lang="nb-NO" dirty="0"/>
-              <a:t> </a:t>
-            </a:r>
             <a:br>
               <a:rPr lang="nb-NO" dirty="0"/>
             </a:br>
@@ -4021,41 +4048,46 @@
             <a:br>
               <a:rPr lang="nb-NO" b="1" dirty="0"/>
             </a:br>
+            <a:r>
+              <a:rPr lang="nb-NO" dirty="0" err="1"/>
+              <a:t>Result</a:t>
+            </a:r>
+            <a:r>
+              <a:rPr lang="nb-NO" dirty="0"/>
+              <a:t>:</a:t>
+            </a:r>
             <a:br>
               <a:rPr lang="nb-NO" dirty="0"/>
             </a:br>
-            <a:r>
-              <a:rPr lang="nb-NO" dirty="0" err="1"/>
-              <a:t>with</a:t>
-            </a:r>
-            <a:r>
-              <a:rPr lang="nb-NO" dirty="0"/>
-              <a:t> R</a:t>
-            </a:r>
             <a:br>
               <a:rPr lang="nb-NO" dirty="0"/>
             </a:br>
             <a:r>
-              <a:rPr lang="nb-NO" dirty="0"/>
-              <a:t>from </a:t>
-            </a:r>
-            <a:br>
-              <a:rPr lang="nb-NO" dirty="0"/>
-            </a:br>
-            <a:r>
-              <a:rPr lang="nb-NO" dirty="0" err="1"/>
-              <a:t>Jupiterlab</a:t>
-            </a:r>
-            <a:endParaRPr lang="nb-NO" dirty="0"/>
+              <a:rPr lang="nb-NO" sz="3100" i="1" dirty="0"/>
+              <a:t>different series different </a:t>
+            </a:r>
+            <a:r>
+              <a:rPr lang="nb-NO" sz="3100" i="1" dirty="0" err="1"/>
+              <a:t>frequencies</a:t>
+            </a:r>
+            <a:r>
+              <a:rPr lang="nb-NO" sz="3100" i="1" dirty="0"/>
+              <a:t> different </a:t>
+            </a:r>
+            <a:r>
+              <a:rPr lang="nb-NO" sz="3100" i="1" dirty="0" err="1"/>
+              <a:t>expressions</a:t>
+            </a:r>
+            <a:endParaRPr lang="nb-NO" sz="3100" i="1" dirty="0"/>
           </a:p>
         </p:txBody>
       </p:sp>
       <p:pic>
         <p:nvPicPr>
-          <p:cNvPr id="7" name="Bilde 6">
-            <a:extLst>
-              <a:ext uri="{FF2B5EF4-FFF2-40B4-BE49-F238E27FC236}">
-                <a16:creationId xmlns:a16="http://schemas.microsoft.com/office/drawing/2014/main" id="{6549264F-0EB6-CD2A-26BE-D7262EE24940}"/>
+          <p:cNvPr id="3" name="Bilde 2">
+            <a:extLst>
+              <a:ext uri="{FF2B5EF4-FFF2-40B4-BE49-F238E27FC236}">
+                <a16:creationId xmlns:a16="http://schemas.microsoft.com/office/drawing/2014/main" id="{D40BCFF6-6A5A-4D1D-F73A-B91E106EA8B7}"/>
               </a:ext>
             </a:extLst>
           </p:cNvPr>
@@ -4072,8 +4104,8 @@
         </p:blipFill>
         <p:spPr>
           <a:xfrm>
-            <a:off x="3681890" y="231731"/>
-            <a:ext cx="7315962" cy="6593888"/>
+            <a:off x="0" y="0"/>
+            <a:ext cx="12192000" cy="480665"/>
           </a:xfrm>
           <a:prstGeom prst="rect">
             <a:avLst/>
@@ -4082,10 +4114,10 @@
       </p:pic>
       <p:pic>
         <p:nvPicPr>
-          <p:cNvPr id="3" name="Bilde 2">
-            <a:extLst>
-              <a:ext uri="{FF2B5EF4-FFF2-40B4-BE49-F238E27FC236}">
-                <a16:creationId xmlns:a16="http://schemas.microsoft.com/office/drawing/2014/main" id="{D40BCFF6-6A5A-4D1D-F73A-B91E106EA8B7}"/>
+          <p:cNvPr id="5" name="Bilde 4">
+            <a:extLst>
+              <a:ext uri="{FF2B5EF4-FFF2-40B4-BE49-F238E27FC236}">
+                <a16:creationId xmlns:a16="http://schemas.microsoft.com/office/drawing/2014/main" id="{B4C49449-486A-20B8-63A6-4F388AA673C8}"/>
               </a:ext>
             </a:extLst>
           </p:cNvPr>
@@ -4102,8 +4134,8 @@
         </p:blipFill>
         <p:spPr>
           <a:xfrm>
-            <a:off x="0" y="0"/>
-            <a:ext cx="12192000" cy="480665"/>
+            <a:off x="3887725" y="441054"/>
+            <a:ext cx="8304275" cy="5975891"/>
           </a:xfrm>
           <a:prstGeom prst="rect">
             <a:avLst/>
@@ -4178,31 +4210,15 @@
             </a:r>
             <a:r>
               <a:rPr lang="nb-NO" sz="4000" dirty="0"/>
-              <a:t> info, </a:t>
+              <a:t> info </a:t>
             </a:r>
             <a:r>
               <a:rPr lang="nb-NO" sz="4000" dirty="0" err="1"/>
-              <a:t>when</a:t>
+              <a:t>getfame</a:t>
             </a:r>
             <a:r>
               <a:rPr lang="nb-NO" sz="4000" dirty="0"/>
-              <a:t> </a:t>
-            </a:r>
-            <a:r>
-              <a:rPr lang="nb-NO" sz="4000" dirty="0" err="1"/>
-              <a:t>no</a:t>
-            </a:r>
-            <a:r>
-              <a:rPr lang="nb-NO" sz="4000" dirty="0"/>
-              <a:t> arguments </a:t>
-            </a:r>
-            <a:r>
-              <a:rPr lang="nb-NO" sz="4000" dirty="0" err="1"/>
-              <a:t>passed</a:t>
-            </a:r>
-            <a:r>
-              <a:rPr lang="nb-NO" sz="4000" dirty="0"/>
-              <a:t>)</a:t>
+              <a:t> -h</a:t>
             </a:r>
           </a:p>
         </p:txBody>
@@ -4231,7 +4247,7 @@
         </p:spPr>
         <p:txBody>
           <a:bodyPr>
-            <a:normAutofit fontScale="77500" lnSpcReduction="20000"/>
+            <a:normAutofit fontScale="62500" lnSpcReduction="20000"/>
           </a:bodyPr>
           <a:lstStyle/>
           <a:p>
@@ -4239,6 +4255,23 @@
               <a:buNone/>
             </a:pPr>
             <a:r>
+              <a:rPr lang="nb-NO" b="1" dirty="0"/>
+              <a:t>1. </a:t>
+            </a:r>
+            <a:r>
+              <a:rPr lang="nb-NO" b="1" dirty="0" err="1"/>
+              <a:t>getfame</a:t>
+            </a:r>
+            <a:r>
+              <a:rPr lang="nb-NO" b="1" dirty="0"/>
+              <a:t> –n</a:t>
+            </a:r>
+          </a:p>
+          <a:p>
+            <a:pPr marL="0" indent="0">
+              <a:buNone/>
+            </a:pPr>
+            <a:r>
               <a:rPr lang="nb-NO" b="1" dirty="0" err="1"/>
               <a:t>getfamenames</a:t>
             </a:r>
@@ -4292,14 +4325,97 @@
             <a:pPr marL="0" indent="0">
               <a:buNone/>
             </a:pPr>
+            <a:endParaRPr lang="nb-NO" b="1" dirty="0"/>
+          </a:p>
+          <a:p>
+            <a:pPr marL="0" indent="0">
+              <a:buNone/>
+            </a:pPr>
+            <a:endParaRPr lang="nb-NO" dirty="0"/>
+          </a:p>
+          <a:p>
+            <a:pPr marL="0" indent="0">
+              <a:buNone/>
+            </a:pPr>
+            <a:r>
+              <a:rPr lang="nb-NO" b="1" dirty="0"/>
+              <a:t>2. </a:t>
+            </a:r>
             <a:r>
               <a:rPr lang="nb-NO" b="1" dirty="0" err="1"/>
               <a:t>getfame</a:t>
             </a:r>
             <a:r>
               <a:rPr lang="nb-NO" b="1" dirty="0"/>
-              <a:t> –n</a:t>
-            </a:r>
+              <a:t> –s</a:t>
+            </a:r>
+          </a:p>
+          <a:p>
+            <a:pPr marL="0" indent="0">
+              <a:buNone/>
+            </a:pPr>
+            <a:r>
+              <a:rPr lang="nb-NO" b="1" dirty="0" err="1"/>
+              <a:t>getfameseries</a:t>
+            </a:r>
+            <a:r>
+              <a:rPr lang="nb-NO" dirty="0"/>
+              <a:t> (</a:t>
+            </a:r>
+            <a:r>
+              <a:rPr lang="nb-NO" dirty="0" err="1"/>
+              <a:t>gets</a:t>
+            </a:r>
+            <a:r>
+              <a:rPr lang="nb-NO" dirty="0"/>
+              <a:t> </a:t>
+            </a:r>
+            <a:r>
+              <a:rPr lang="nb-NO" dirty="0" err="1"/>
+              <a:t>observations</a:t>
+            </a:r>
+            <a:r>
+              <a:rPr lang="nb-NO" dirty="0"/>
+              <a:t> from </a:t>
+            </a:r>
+            <a:r>
+              <a:rPr lang="nb-NO" dirty="0" err="1"/>
+              <a:t>one</a:t>
+            </a:r>
+            <a:r>
+              <a:rPr lang="nb-NO" dirty="0"/>
+              <a:t> or more series in database(s) given a list </a:t>
+            </a:r>
+            <a:r>
+              <a:rPr lang="nb-NO" dirty="0" err="1"/>
+              <a:t>of</a:t>
+            </a:r>
+            <a:r>
+              <a:rPr lang="nb-NO" dirty="0"/>
+              <a:t> </a:t>
+            </a:r>
+            <a:r>
+              <a:rPr lang="nb-NO" dirty="0" err="1"/>
+              <a:t>serienames</a:t>
+            </a:r>
+            <a:r>
+              <a:rPr lang="nb-NO" dirty="0"/>
+              <a:t> or </a:t>
+            </a:r>
+            <a:r>
+              <a:rPr lang="nb-NO" dirty="0" err="1"/>
+              <a:t>wildcards</a:t>
+            </a:r>
+            <a:r>
+              <a:rPr lang="nb-NO" dirty="0"/>
+              <a:t>)</a:t>
+            </a:r>
+          </a:p>
+          <a:p>
+            <a:pPr marL="0" indent="0">
+              <a:buNone/>
+            </a:pPr>
+            <a:endParaRPr lang="nb-NO" b="1" dirty="0"/>
           </a:p>
           <a:p>
             <a:pPr marL="0" indent="0">
@@ -4312,12 +4428,29 @@
               <a:buNone/>
             </a:pPr>
             <a:r>
+              <a:rPr lang="nb-NO" b="1" dirty="0"/>
+              <a:t>3. </a:t>
+            </a:r>
+            <a:r>
               <a:rPr lang="nb-NO" b="1" dirty="0" err="1"/>
-              <a:t>getfameseries</a:t>
-            </a:r>
-            <a:r>
-              <a:rPr lang="nb-NO" dirty="0"/>
-              <a:t> (</a:t>
+              <a:t>getfame</a:t>
+            </a:r>
+            <a:r>
+              <a:rPr lang="nb-NO" b="1" dirty="0"/>
+              <a:t> -e </a:t>
+            </a:r>
+          </a:p>
+          <a:p>
+            <a:pPr marL="0" indent="0">
+              <a:buNone/>
+            </a:pPr>
+            <a:r>
+              <a:rPr lang="nb-NO" b="1" dirty="0" err="1"/>
+              <a:t>getfameexpr</a:t>
+            </a:r>
+            <a:r>
+              <a:rPr lang="nb-NO" dirty="0"/>
+              <a:t>  (</a:t>
             </a:r>
             <a:r>
               <a:rPr lang="nb-NO" dirty="0" err="1"/>
@@ -4333,70 +4466,6 @@
             </a:r>
             <a:r>
               <a:rPr lang="nb-NO" dirty="0"/>
-              <a:t> from &gt;= 1 series in database(s) given a list </a:t>
-            </a:r>
-            <a:r>
-              <a:rPr lang="nb-NO" dirty="0" err="1"/>
-              <a:t>of</a:t>
-            </a:r>
-            <a:r>
-              <a:rPr lang="nb-NO" dirty="0"/>
-              <a:t> </a:t>
-            </a:r>
-            <a:r>
-              <a:rPr lang="nb-NO" dirty="0" err="1"/>
-              <a:t>wildcards</a:t>
-            </a:r>
-            <a:r>
-              <a:rPr lang="nb-NO" dirty="0"/>
-              <a:t>)</a:t>
-            </a:r>
-          </a:p>
-          <a:p>
-            <a:pPr marL="0" indent="0">
-              <a:buNone/>
-            </a:pPr>
-            <a:r>
-              <a:rPr lang="nb-NO" b="1" dirty="0" err="1"/>
-              <a:t>getfame</a:t>
-            </a:r>
-            <a:r>
-              <a:rPr lang="nb-NO" b="1" dirty="0"/>
-              <a:t> –s</a:t>
-            </a:r>
-          </a:p>
-          <a:p>
-            <a:pPr marL="0" indent="0">
-              <a:buNone/>
-            </a:pPr>
-            <a:endParaRPr lang="nb-NO" dirty="0"/>
-          </a:p>
-          <a:p>
-            <a:pPr marL="0" indent="0">
-              <a:buNone/>
-            </a:pPr>
-            <a:r>
-              <a:rPr lang="nb-NO" b="1" dirty="0" err="1"/>
-              <a:t>getfameexpr</a:t>
-            </a:r>
-            <a:r>
-              <a:rPr lang="nb-NO" dirty="0"/>
-              <a:t>  (</a:t>
-            </a:r>
-            <a:r>
-              <a:rPr lang="nb-NO" dirty="0" err="1"/>
-              <a:t>gets</a:t>
-            </a:r>
-            <a:r>
-              <a:rPr lang="nb-NO" dirty="0"/>
-              <a:t> </a:t>
-            </a:r>
-            <a:r>
-              <a:rPr lang="nb-NO" dirty="0" err="1"/>
-              <a:t>observations</a:t>
-            </a:r>
-            <a:r>
-              <a:rPr lang="nb-NO" dirty="0"/>
               <a:t> given 1 FAME </a:t>
             </a:r>
             <a:r>
@@ -4407,19 +4476,7 @@
               <a:rPr lang="nb-NO" dirty="0"/>
               <a:t>)</a:t>
             </a:r>
-          </a:p>
-          <a:p>
-            <a:pPr marL="0" indent="0">
-              <a:buNone/>
-            </a:pPr>
-            <a:r>
-              <a:rPr lang="nb-NO" b="1" dirty="0" err="1"/>
-              <a:t>getfame</a:t>
-            </a:r>
-            <a:r>
-              <a:rPr lang="nb-NO" b="1" dirty="0"/>
-              <a:t> -e </a:t>
-            </a:r>
+            <a:endParaRPr lang="nb-NO" b="1" dirty="0"/>
           </a:p>
           <a:p>
             <a:pPr marL="514350" indent="-514350">
@@ -4697,7 +4754,15 @@
             </a:r>
             <a:r>
               <a:rPr lang="nb-NO" dirty="0" err="1"/>
-              <a:t>formulas,frequiencies</a:t>
+              <a:t>formulas</a:t>
+            </a:r>
+            <a:r>
+              <a:rPr lang="nb-NO" dirty="0"/>
+              <a:t>, </a:t>
+            </a:r>
+            <a:r>
+              <a:rPr lang="nb-NO" dirty="0" err="1"/>
+              <a:t>frequiencies</a:t>
             </a:r>
             <a:r>
               <a:rPr lang="nb-NO" dirty="0"/>
@@ -4742,11 +4807,19 @@
             </a:r>
             <a:r>
               <a:rPr lang="nb-NO" dirty="0"/>
-              <a:t> loop by </a:t>
+              <a:t> loop </a:t>
             </a:r>
             <a:r>
               <a:rPr lang="nb-NO" dirty="0" err="1"/>
-              <a:t>expression</a:t>
+              <a:t>through</a:t>
+            </a:r>
+            <a:r>
+              <a:rPr lang="nb-NO" dirty="0"/>
+              <a:t> </a:t>
+            </a:r>
+            <a:r>
+              <a:rPr lang="nb-NO" dirty="0" err="1"/>
+              <a:t>expressions</a:t>
             </a:r>
             <a:r>
               <a:rPr lang="nb-NO" dirty="0"/>
@@ -4755,6 +4828,14 @@
             <a:r>
               <a:rPr lang="nb-NO" dirty="0" err="1"/>
               <a:t>add</a:t>
+            </a:r>
+            <a:r>
+              <a:rPr lang="nb-NO" dirty="0"/>
+              <a:t> </a:t>
+            </a:r>
+            <a:r>
+              <a:rPr lang="nb-NO" dirty="0" err="1"/>
+              <a:t>results</a:t>
             </a:r>
             <a:r>
               <a:rPr lang="nb-NO" dirty="0"/>
@@ -4886,6 +4967,470 @@
     <p:extLst>
       <p:ext uri="{BB962C8B-B14F-4D97-AF65-F5344CB8AC3E}">
         <p14:creationId xmlns:p14="http://schemas.microsoft.com/office/powerpoint/2010/main" val="716172797"/>
+      </p:ext>
+    </p:extLst>
+  </p:cSld>
+  <p:clrMapOvr>
+    <a:masterClrMapping/>
+  </p:clrMapOvr>
+</p:sld>
+</file>
+
+<file path=ppt/slides/slide15.xml><?xml version="1.0" encoding="utf-8"?>
+<p:sld xmlns:a="http://schemas.openxmlformats.org/drawingml/2006/main" xmlns:r="http://schemas.openxmlformats.org/officeDocument/2006/relationships" xmlns:p="http://schemas.openxmlformats.org/presentationml/2006/main">
+  <p:cSld>
+    <p:spTree>
+      <p:nvGrpSpPr>
+        <p:cNvPr id="1" name="">
+          <a:extLst>
+            <a:ext uri="{FF2B5EF4-FFF2-40B4-BE49-F238E27FC236}">
+              <a16:creationId xmlns:a16="http://schemas.microsoft.com/office/drawing/2014/main" id="{DC82BE6D-765F-37CF-21DB-CBFC985456DD}"/>
+            </a:ext>
+          </a:extLst>
+        </p:cNvPr>
+        <p:cNvGrpSpPr/>
+        <p:nvPr/>
+      </p:nvGrpSpPr>
+      <p:grpSpPr>
+        <a:xfrm>
+          <a:off x="0" y="0"/>
+          <a:ext cx="0" cy="0"/>
+          <a:chOff x="0" y="0"/>
+          <a:chExt cx="0" cy="0"/>
+        </a:xfrm>
+      </p:grpSpPr>
+      <p:sp>
+        <p:nvSpPr>
+          <p:cNvPr id="2" name="Tittel 1">
+            <a:extLst>
+              <a:ext uri="{FF2B5EF4-FFF2-40B4-BE49-F238E27FC236}">
+                <a16:creationId xmlns:a16="http://schemas.microsoft.com/office/drawing/2014/main" id="{26391806-BB77-0F79-01F1-7BB377FAB9B2}"/>
+              </a:ext>
+            </a:extLst>
+          </p:cNvPr>
+          <p:cNvSpPr>
+            <a:spLocks noGrp="1"/>
+          </p:cNvSpPr>
+          <p:nvPr>
+            <p:ph type="title"/>
+          </p:nvPr>
+        </p:nvSpPr>
+        <p:spPr/>
+        <p:txBody>
+          <a:bodyPr/>
+          <a:lstStyle/>
+          <a:p>
+            <a:r>
+              <a:rPr lang="nb-NO" b="1" dirty="0" err="1"/>
+              <a:t>Observations</a:t>
+            </a:r>
+            <a:r>
+              <a:rPr lang="nb-NO" b="1" dirty="0"/>
+              <a:t> &amp; </a:t>
+            </a:r>
+            <a:r>
+              <a:rPr lang="nb-NO" b="1" dirty="0" err="1"/>
+              <a:t>Comments</a:t>
+            </a:r>
+            <a:endParaRPr lang="nb-NO" b="1" dirty="0"/>
+          </a:p>
+        </p:txBody>
+      </p:sp>
+      <p:sp>
+        <p:nvSpPr>
+          <p:cNvPr id="3" name="Plassholder for innhold 2">
+            <a:extLst>
+              <a:ext uri="{FF2B5EF4-FFF2-40B4-BE49-F238E27FC236}">
+                <a16:creationId xmlns:a16="http://schemas.microsoft.com/office/drawing/2014/main" id="{21A972F6-0EBB-03BB-5116-6494997CC484}"/>
+              </a:ext>
+            </a:extLst>
+          </p:cNvPr>
+          <p:cNvSpPr>
+            <a:spLocks noGrp="1"/>
+          </p:cNvSpPr>
+          <p:nvPr>
+            <p:ph idx="1"/>
+          </p:nvPr>
+        </p:nvSpPr>
+        <p:spPr>
+          <a:xfrm>
+            <a:off x="838199" y="1690688"/>
+            <a:ext cx="10669859" cy="4802187"/>
+          </a:xfrm>
+        </p:spPr>
+        <p:txBody>
+          <a:bodyPr>
+            <a:normAutofit lnSpcReduction="10000"/>
+          </a:bodyPr>
+          <a:lstStyle/>
+          <a:p>
+            <a:r>
+              <a:rPr lang="nb-NO" dirty="0" err="1"/>
+              <a:t>Possible</a:t>
+            </a:r>
+            <a:r>
+              <a:rPr lang="nb-NO" dirty="0"/>
+              <a:t> to introduce </a:t>
+            </a:r>
+            <a:r>
+              <a:rPr lang="nb-NO" dirty="0" err="1"/>
+              <a:t>powerful</a:t>
+            </a:r>
+            <a:r>
+              <a:rPr lang="nb-NO" dirty="0"/>
+              <a:t> and </a:t>
+            </a:r>
+            <a:r>
+              <a:rPr lang="nb-NO" dirty="0" err="1"/>
+              <a:t>modern</a:t>
+            </a:r>
+            <a:r>
+              <a:rPr lang="nb-NO" dirty="0"/>
+              <a:t> </a:t>
+            </a:r>
+            <a:r>
+              <a:rPr lang="nb-NO" dirty="0" err="1"/>
+              <a:t>visualizations</a:t>
+            </a:r>
+            <a:r>
+              <a:rPr lang="nb-NO" dirty="0"/>
+              <a:t> </a:t>
+            </a:r>
+            <a:r>
+              <a:rPr lang="nb-NO" dirty="0" err="1"/>
+              <a:t>tools</a:t>
+            </a:r>
+            <a:r>
+              <a:rPr lang="nb-NO" dirty="0"/>
+              <a:t> like Highcharts.com</a:t>
+            </a:r>
+          </a:p>
+          <a:p>
+            <a:endParaRPr lang="nb-NO" dirty="0"/>
+          </a:p>
+          <a:p>
+            <a:r>
+              <a:rPr lang="nb-NO" dirty="0" err="1"/>
+              <a:t>Reduce</a:t>
+            </a:r>
+            <a:r>
+              <a:rPr lang="nb-NO" dirty="0"/>
+              <a:t> </a:t>
+            </a:r>
+            <a:r>
+              <a:rPr lang="nb-NO" dirty="0" err="1"/>
+              <a:t>the</a:t>
+            </a:r>
+            <a:r>
+              <a:rPr lang="nb-NO" dirty="0"/>
+              <a:t> </a:t>
+            </a:r>
+            <a:r>
+              <a:rPr lang="nb-NO" dirty="0" err="1"/>
+              <a:t>barrier</a:t>
+            </a:r>
+            <a:r>
+              <a:rPr lang="nb-NO" dirty="0"/>
+              <a:t> to </a:t>
+            </a:r>
+            <a:r>
+              <a:rPr lang="nb-NO" dirty="0" err="1"/>
+              <a:t>use</a:t>
+            </a:r>
+            <a:r>
+              <a:rPr lang="nb-NO" dirty="0"/>
+              <a:t> data in FAME, and </a:t>
+            </a:r>
+            <a:r>
+              <a:rPr lang="nb-NO" dirty="0" err="1"/>
+              <a:t>the</a:t>
+            </a:r>
+            <a:r>
+              <a:rPr lang="nb-NO" dirty="0"/>
+              <a:t> </a:t>
+            </a:r>
+            <a:r>
+              <a:rPr lang="nb-NO" dirty="0" err="1"/>
+              <a:t>power</a:t>
+            </a:r>
+            <a:r>
+              <a:rPr lang="nb-NO" dirty="0"/>
+              <a:t> </a:t>
+            </a:r>
+            <a:r>
+              <a:rPr lang="nb-NO" dirty="0" err="1"/>
+              <a:t>of</a:t>
+            </a:r>
+            <a:r>
+              <a:rPr lang="nb-NO" dirty="0"/>
+              <a:t> FAME, </a:t>
+            </a:r>
+            <a:r>
+              <a:rPr lang="nb-NO" dirty="0" err="1"/>
+              <a:t>when</a:t>
+            </a:r>
+            <a:r>
+              <a:rPr lang="nb-NO" dirty="0"/>
+              <a:t> </a:t>
+            </a:r>
+            <a:r>
+              <a:rPr lang="nb-NO" dirty="0" err="1"/>
+              <a:t>simply</a:t>
+            </a:r>
+            <a:r>
+              <a:rPr lang="nb-NO" dirty="0"/>
+              <a:t> calling </a:t>
+            </a:r>
+            <a:r>
+              <a:rPr lang="nb-NO" b="1" dirty="0" err="1"/>
+              <a:t>getfame</a:t>
+            </a:r>
+            <a:r>
+              <a:rPr lang="nb-NO" b="1" dirty="0"/>
+              <a:t> </a:t>
+            </a:r>
+            <a:r>
+              <a:rPr lang="nb-NO" dirty="0"/>
+              <a:t>from Python or R </a:t>
+            </a:r>
+          </a:p>
+          <a:p>
+            <a:endParaRPr lang="nb-NO" dirty="0"/>
+          </a:p>
+          <a:p>
+            <a:r>
+              <a:rPr lang="nb-NO" dirty="0"/>
+              <a:t>With </a:t>
+            </a:r>
+            <a:r>
+              <a:rPr lang="nb-NO" dirty="0" err="1"/>
+              <a:t>the</a:t>
+            </a:r>
+            <a:r>
+              <a:rPr lang="nb-NO" dirty="0"/>
+              <a:t> </a:t>
+            </a:r>
+            <a:r>
+              <a:rPr lang="nb-NO" b="1" dirty="0" err="1"/>
+              <a:t>getfame</a:t>
+            </a:r>
+            <a:r>
+              <a:rPr lang="nb-NO" dirty="0"/>
+              <a:t> </a:t>
+            </a:r>
+            <a:r>
+              <a:rPr lang="nb-NO" dirty="0" err="1"/>
+              <a:t>json</a:t>
+            </a:r>
+            <a:r>
+              <a:rPr lang="nb-NO" dirty="0"/>
+              <a:t> </a:t>
+            </a:r>
+            <a:r>
+              <a:rPr lang="nb-NO" dirty="0" err="1"/>
+              <a:t>api</a:t>
+            </a:r>
+            <a:r>
+              <a:rPr lang="nb-NO" dirty="0"/>
+              <a:t> </a:t>
+            </a:r>
+            <a:r>
+              <a:rPr lang="nb-NO" dirty="0" err="1"/>
+              <a:t>you</a:t>
+            </a:r>
+            <a:r>
+              <a:rPr lang="nb-NO" dirty="0"/>
+              <a:t> have all </a:t>
+            </a:r>
+            <a:r>
+              <a:rPr lang="nb-NO" dirty="0" err="1"/>
+              <a:t>functionality</a:t>
+            </a:r>
+            <a:r>
+              <a:rPr lang="nb-NO" dirty="0"/>
+              <a:t> </a:t>
+            </a:r>
+            <a:r>
+              <a:rPr lang="nb-NO" dirty="0" err="1"/>
+              <a:t>needed</a:t>
+            </a:r>
+            <a:r>
+              <a:rPr lang="nb-NO" dirty="0"/>
+              <a:t> to </a:t>
+            </a:r>
+            <a:r>
+              <a:rPr lang="nb-NO" dirty="0" err="1"/>
+              <a:t>build</a:t>
+            </a:r>
+            <a:r>
+              <a:rPr lang="nb-NO" dirty="0"/>
+              <a:t> a GUI (like </a:t>
+            </a:r>
+            <a:r>
+              <a:rPr lang="nb-NO" dirty="0" err="1"/>
+              <a:t>myfame</a:t>
+            </a:r>
+            <a:r>
+              <a:rPr lang="nb-NO" dirty="0"/>
+              <a:t>)  in DASH, Visual Studio, QT …</a:t>
+            </a:r>
+          </a:p>
+          <a:p>
+            <a:endParaRPr lang="nb-NO" dirty="0"/>
+          </a:p>
+          <a:p>
+            <a:r>
+              <a:rPr lang="nb-NO" b="1" dirty="0" err="1"/>
+              <a:t>getfame</a:t>
+            </a:r>
+            <a:r>
+              <a:rPr lang="nb-NO" dirty="0"/>
+              <a:t> </a:t>
+            </a:r>
+            <a:r>
+              <a:rPr lang="nb-NO" dirty="0" err="1"/>
+              <a:t>can</a:t>
+            </a:r>
+            <a:r>
+              <a:rPr lang="nb-NO" dirty="0"/>
+              <a:t> be run i </a:t>
+            </a:r>
+            <a:r>
+              <a:rPr lang="nb-NO" b="1" dirty="0" err="1"/>
+              <a:t>q</a:t>
+            </a:r>
+            <a:r>
+              <a:rPr lang="nb-NO" dirty="0" err="1"/>
+              <a:t>uiet</a:t>
+            </a:r>
+            <a:r>
+              <a:rPr lang="nb-NO"/>
+              <a:t> (silent) </a:t>
+            </a:r>
+            <a:r>
+              <a:rPr lang="nb-NO" dirty="0"/>
+              <a:t>mode, </a:t>
+            </a:r>
+            <a:r>
+              <a:rPr lang="nb-NO" dirty="0" err="1"/>
+              <a:t>no</a:t>
+            </a:r>
+            <a:r>
+              <a:rPr lang="nb-NO" dirty="0"/>
+              <a:t> output is not </a:t>
+            </a:r>
+            <a:r>
+              <a:rPr lang="nb-NO" dirty="0" err="1"/>
+              <a:t>shown</a:t>
+            </a:r>
+            <a:r>
+              <a:rPr lang="nb-NO" dirty="0"/>
+              <a:t> </a:t>
+            </a:r>
+            <a:r>
+              <a:rPr lang="nb-NO" dirty="0" err="1"/>
+              <a:t>on</a:t>
+            </a:r>
+            <a:r>
+              <a:rPr lang="nb-NO" dirty="0"/>
+              <a:t> </a:t>
+            </a:r>
+            <a:r>
+              <a:rPr lang="nb-NO" dirty="0" err="1"/>
+              <a:t>the</a:t>
+            </a:r>
+            <a:r>
+              <a:rPr lang="nb-NO" dirty="0"/>
+              <a:t> screen:  </a:t>
+            </a:r>
+            <a:r>
+              <a:rPr lang="nb-NO" b="1" dirty="0" err="1"/>
+              <a:t>getfame</a:t>
+            </a:r>
+            <a:r>
+              <a:rPr lang="nb-NO" b="1" dirty="0"/>
+              <a:t> –</a:t>
+            </a:r>
+            <a:r>
+              <a:rPr lang="nb-NO" b="1" dirty="0" err="1"/>
+              <a:t>nq</a:t>
+            </a:r>
+            <a:r>
+              <a:rPr lang="nb-NO" b="1" dirty="0"/>
+              <a:t>    </a:t>
+            </a:r>
+            <a:r>
+              <a:rPr lang="nb-NO" b="1" dirty="0" err="1"/>
+              <a:t>getfame</a:t>
+            </a:r>
+            <a:r>
+              <a:rPr lang="nb-NO" b="1" dirty="0"/>
+              <a:t> –</a:t>
+            </a:r>
+            <a:r>
+              <a:rPr lang="nb-NO" b="1" dirty="0" err="1"/>
+              <a:t>sq</a:t>
+            </a:r>
+            <a:r>
+              <a:rPr lang="nb-NO" b="1" dirty="0"/>
+              <a:t>    </a:t>
+            </a:r>
+            <a:r>
+              <a:rPr lang="nb-NO" b="1" dirty="0" err="1"/>
+              <a:t>getfame</a:t>
+            </a:r>
+            <a:r>
+              <a:rPr lang="nb-NO" b="1" dirty="0"/>
+              <a:t> -</a:t>
+            </a:r>
+            <a:r>
+              <a:rPr lang="nb-NO" b="1" dirty="0" err="1"/>
+              <a:t>eg</a:t>
+            </a:r>
+            <a:r>
+              <a:rPr lang="nb-NO" b="1" dirty="0"/>
+              <a:t> </a:t>
+            </a:r>
+          </a:p>
+          <a:p>
+            <a:endParaRPr lang="nb-NO" dirty="0"/>
+          </a:p>
+        </p:txBody>
+      </p:sp>
+      <p:pic>
+        <p:nvPicPr>
+          <p:cNvPr id="4" name="Bilde 3">
+            <a:extLst>
+              <a:ext uri="{FF2B5EF4-FFF2-40B4-BE49-F238E27FC236}">
+                <a16:creationId xmlns:a16="http://schemas.microsoft.com/office/drawing/2014/main" id="{E84478FF-A73F-5BB5-84A8-76C3123306F8}"/>
+              </a:ext>
+            </a:extLst>
+          </p:cNvPr>
+          <p:cNvPicPr>
+            <a:picLocks noChangeAspect="1"/>
+          </p:cNvPicPr>
+          <p:nvPr/>
+        </p:nvPicPr>
+        <p:blipFill>
+          <a:blip r:embed="rId2"/>
+          <a:stretch>
+            <a:fillRect/>
+          </a:stretch>
+        </p:blipFill>
+        <p:spPr>
+          <a:xfrm>
+            <a:off x="0" y="0"/>
+            <a:ext cx="12192000" cy="480665"/>
+          </a:xfrm>
+          <a:prstGeom prst="rect">
+            <a:avLst/>
+          </a:prstGeom>
+        </p:spPr>
+      </p:pic>
+    </p:spTree>
+    <p:extLst>
+      <p:ext uri="{BB962C8B-B14F-4D97-AF65-F5344CB8AC3E}">
+        <p14:creationId xmlns:p14="http://schemas.microsoft.com/office/powerpoint/2010/main" val="2350609390"/>
       </p:ext>
     </p:extLst>
   </p:cSld>
@@ -5871,7 +6416,7 @@
                   </a:schemeClr>
                 </a:solidFill>
               </a:rPr>
-              <a:t>getfameseries</a:t>
+              <a:t>getfame</a:t>
             </a:r>
             <a:r>
               <a:rPr lang="nb-NO" sz="1600" b="1" dirty="0">
@@ -5882,7 +6427,7 @@
                   </a:schemeClr>
                 </a:solidFill>
               </a:rPr>
-              <a:t>  /</a:t>
+              <a:t> -s  /</a:t>
             </a:r>
             <a:r>
               <a:rPr lang="nb-NO" sz="1600" b="1" dirty="0" err="1">
@@ -5999,7 +6544,7 @@
                   </a:schemeClr>
                 </a:solidFill>
               </a:rPr>
-              <a:t>getfameseries</a:t>
+              <a:t>getfame</a:t>
             </a:r>
             <a:r>
               <a:rPr lang="nb-NO" sz="1600" b="1" dirty="0">
@@ -6010,7 +6555,7 @@
                   </a:schemeClr>
                 </a:solidFill>
               </a:rPr>
-              <a:t>  /</a:t>
+              <a:t> -s  /</a:t>
             </a:r>
             <a:r>
               <a:rPr lang="nb-NO" sz="1600" b="1" dirty="0" err="1">
@@ -6127,7 +6672,7 @@
                   </a:schemeClr>
                 </a:solidFill>
               </a:rPr>
-              <a:t>getfameseries</a:t>
+              <a:t>getfame</a:t>
             </a:r>
             <a:r>
               <a:rPr lang="nb-NO" sz="1600" b="1" dirty="0">
@@ -6138,7 +6683,7 @@
                   </a:schemeClr>
                 </a:solidFill>
               </a:rPr>
-              <a:t>  /</a:t>
+              <a:t> -s  /</a:t>
             </a:r>
             <a:r>
               <a:rPr lang="nb-NO" sz="1600" b="1" dirty="0" err="1">
@@ -6299,7 +6844,7 @@
                   </a:schemeClr>
                 </a:solidFill>
               </a:rPr>
-              <a:t>getfameseries</a:t>
+              <a:t>getfame</a:t>
             </a:r>
             <a:r>
               <a:rPr lang="nb-NO" sz="1600" b="1" dirty="0">
@@ -6310,7 +6855,7 @@
                   </a:schemeClr>
                 </a:solidFill>
               </a:rPr>
-              <a:t>   $REFERTID/data/</a:t>
+              <a:t> -s   $REFERTID/data/</a:t>
             </a:r>
             <a:r>
               <a:rPr lang="nb-NO" sz="1600" b="1" dirty="0" err="1">
@@ -6332,7 +6877,7 @@
                   </a:schemeClr>
                 </a:solidFill>
               </a:rPr>
-              <a:t>  "?ERIK,KRISTIN,JIM?" "date 2010 to 2012 "</a:t>
+              <a:t>  "?ERIK,KRISTIN,JIM? "   "date 2010 to 2012 "</a:t>
             </a:r>
           </a:p>
           <a:p>
@@ -6361,7 +6906,7 @@
                   </a:schemeClr>
                 </a:solidFill>
               </a:rPr>
-              <a:t>getfameseries</a:t>
+              <a:t>getfame</a:t>
             </a:r>
             <a:r>
               <a:rPr lang="nb-NO" sz="1600" b="1" dirty="0">
@@ -6372,7 +6917,7 @@
                   </a:schemeClr>
                 </a:solidFill>
               </a:rPr>
-              <a:t> " /</a:t>
+              <a:t> -s " /</a:t>
             </a:r>
             <a:r>
               <a:rPr lang="nb-NO" sz="1600" b="1" dirty="0" err="1">
@@ -6467,7 +7012,7 @@
                   </a:schemeClr>
                 </a:solidFill>
               </a:rPr>
-              <a:t>getfameseries</a:t>
+              <a:t>getfame</a:t>
             </a:r>
             <a:r>
               <a:rPr lang="nb-NO" sz="1600" b="1" dirty="0">
@@ -6478,7 +7023,7 @@
                   </a:schemeClr>
                 </a:solidFill>
               </a:rPr>
-              <a:t> " /</a:t>
+              <a:t> -s " /</a:t>
             </a:r>
             <a:r>
               <a:rPr lang="nb-NO" sz="1600" b="1" dirty="0" err="1">
@@ -6595,7 +7140,7 @@
                   </a:schemeClr>
                 </a:solidFill>
               </a:rPr>
-              <a:t>getfameseries</a:t>
+              <a:t>getfame</a:t>
             </a:r>
             <a:r>
               <a:rPr lang="nb-NO" sz="1600" b="1" dirty="0">
@@ -6606,7 +7151,7 @@
                   </a:schemeClr>
                 </a:solidFill>
               </a:rPr>
-              <a:t>  "</a:t>
+              <a:t> -s  "</a:t>
             </a:r>
             <a:r>
               <a:rPr lang="nb-NO" sz="1600" b="1" dirty="0" err="1">
@@ -6701,7 +7246,7 @@
                   </a:schemeClr>
                 </a:solidFill>
               </a:rPr>
-              <a:t>getfameseries</a:t>
+              <a:t>getfame</a:t>
             </a:r>
             <a:r>
               <a:rPr lang="nb-NO" sz="1600" b="1" dirty="0">
@@ -6712,7 +7257,7 @@
                   </a:schemeClr>
                 </a:solidFill>
               </a:rPr>
-              <a:t>  "pi1.db, cpi2.db,cpi_form.db"  "</a:t>
+              <a:t> -s  "pi1.db, cpi2.db,cpi_form.db"  "</a:t>
             </a:r>
             <a:r>
               <a:rPr lang="nb-NO" sz="1600" b="1" dirty="0" err="1">
@@ -6835,10 +7380,10 @@
       </p:grpSpPr>
       <p:pic>
         <p:nvPicPr>
-          <p:cNvPr id="5" name="Bilde 4">
-            <a:extLst>
-              <a:ext uri="{FF2B5EF4-FFF2-40B4-BE49-F238E27FC236}">
-                <a16:creationId xmlns:a16="http://schemas.microsoft.com/office/drawing/2014/main" id="{35D353F9-E475-9E2B-2ACF-24DB87119AE5}"/>
+          <p:cNvPr id="8" name="Bilde 7">
+            <a:extLst>
+              <a:ext uri="{FF2B5EF4-FFF2-40B4-BE49-F238E27FC236}">
+                <a16:creationId xmlns:a16="http://schemas.microsoft.com/office/drawing/2014/main" id="{478AF894-65A6-247D-0128-5D808F635C3D}"/>
               </a:ext>
             </a:extLst>
           </p:cNvPr>
@@ -6849,36 +7394,6 @@
         </p:nvPicPr>
         <p:blipFill>
           <a:blip r:embed="rId2"/>
-          <a:stretch>
-            <a:fillRect/>
-          </a:stretch>
-        </p:blipFill>
-        <p:spPr>
-          <a:xfrm>
-            <a:off x="2333011" y="578067"/>
-            <a:ext cx="9638272" cy="6023149"/>
-          </a:xfrm>
-          <a:prstGeom prst="rect">
-            <a:avLst/>
-          </a:prstGeom>
-        </p:spPr>
-      </p:pic>
-      <p:pic>
-        <p:nvPicPr>
-          <p:cNvPr id="8" name="Bilde 7">
-            <a:extLst>
-              <a:ext uri="{FF2B5EF4-FFF2-40B4-BE49-F238E27FC236}">
-                <a16:creationId xmlns:a16="http://schemas.microsoft.com/office/drawing/2014/main" id="{478AF894-65A6-247D-0128-5D808F635C3D}"/>
-              </a:ext>
-            </a:extLst>
-          </p:cNvPr>
-          <p:cNvPicPr>
-            <a:picLocks noChangeAspect="1"/>
-          </p:cNvPicPr>
-          <p:nvPr/>
-        </p:nvPicPr>
-        <p:blipFill>
-          <a:blip r:embed="rId3"/>
           <a:stretch>
             <a:fillRect/>
           </a:stretch>
@@ -6911,8 +7426,8 @@
         </p:nvSpPr>
         <p:spPr>
           <a:xfrm>
-            <a:off x="0" y="365124"/>
-            <a:ext cx="2642992" cy="6023149"/>
+            <a:off x="178420" y="634458"/>
+            <a:ext cx="11418848" cy="669074"/>
           </a:xfrm>
         </p:spPr>
         <p:txBody>
@@ -6927,47 +7442,61 @@
             </a:r>
             <a:r>
               <a:rPr lang="nb-NO" sz="4000" b="1" dirty="0"/>
-              <a:t> -s</a:t>
-            </a:r>
-            <a:br>
+              <a:t> –s      </a:t>
+            </a:r>
+            <a:r>
               <a:rPr lang="nb-NO" sz="4000" dirty="0"/>
-            </a:br>
-            <a:br>
-              <a:rPr lang="nb-NO" sz="4000" dirty="0"/>
-            </a:br>
-            <a:r>
-              <a:rPr lang="nb-NO" sz="4000" dirty="0"/>
-              <a:t>From </a:t>
+              <a:t>used from om </a:t>
             </a:r>
             <a:r>
               <a:rPr lang="nb-NO" sz="4000" dirty="0" err="1"/>
-              <a:t>jupyter</a:t>
+              <a:t>JupyterLab</a:t>
             </a:r>
             <a:r>
               <a:rPr lang="nb-NO" sz="4000" dirty="0"/>
               <a:t> </a:t>
             </a:r>
-            <a:br>
-              <a:rPr lang="nb-NO" sz="4000" dirty="0"/>
-            </a:br>
             <a:r>
               <a:rPr lang="nb-NO" sz="4000" dirty="0" err="1"/>
               <a:t>with</a:t>
             </a:r>
-            <a:br>
+            <a:r>
               <a:rPr lang="nb-NO" sz="4000" dirty="0"/>
-            </a:br>
-            <a:r>
-              <a:rPr lang="nb-NO" sz="4000" dirty="0" err="1"/>
-              <a:t>py</a:t>
-            </a:r>
-            <a:r>
-              <a:rPr lang="nb-NO" sz="4000" dirty="0"/>
-              <a:t>:</a:t>
+              <a:t> Python3:</a:t>
             </a:r>
           </a:p>
         </p:txBody>
       </p:sp>
+      <p:pic>
+        <p:nvPicPr>
+          <p:cNvPr id="4" name="Bilde 3">
+            <a:extLst>
+              <a:ext uri="{FF2B5EF4-FFF2-40B4-BE49-F238E27FC236}">
+                <a16:creationId xmlns:a16="http://schemas.microsoft.com/office/drawing/2014/main" id="{1010BAAF-5858-FBD1-837B-F8969328F551}"/>
+              </a:ext>
+            </a:extLst>
+          </p:cNvPr>
+          <p:cNvPicPr>
+            <a:picLocks noChangeAspect="1"/>
+          </p:cNvPicPr>
+          <p:nvPr/>
+        </p:nvPicPr>
+        <p:blipFill>
+          <a:blip r:embed="rId3"/>
+          <a:stretch>
+            <a:fillRect/>
+          </a:stretch>
+        </p:blipFill>
+        <p:spPr>
+          <a:xfrm>
+            <a:off x="624469" y="1554977"/>
+            <a:ext cx="9846790" cy="4377472"/>
+          </a:xfrm>
+          <a:prstGeom prst="rect">
+            <a:avLst/>
+          </a:prstGeom>
+        </p:spPr>
+      </p:pic>
     </p:spTree>
     <p:extLst>
       <p:ext uri="{BB962C8B-B14F-4D97-AF65-F5344CB8AC3E}">

--- a/getfame.pptx
+++ b/getfame.pptx
@@ -18,8 +18,9 @@
     <p:sldId id="269" r:id="rId12"/>
     <p:sldId id="265" r:id="rId13"/>
     <p:sldId id="262" r:id="rId14"/>
-    <p:sldId id="270" r:id="rId15"/>
-    <p:sldId id="274" r:id="rId16"/>
+    <p:sldId id="275" r:id="rId15"/>
+    <p:sldId id="270" r:id="rId16"/>
+    <p:sldId id="274" r:id="rId17"/>
   </p:sldIdLst>
   <p:sldSz cx="12192000" cy="6858000"/>
   <p:notesSz cx="6858000" cy="9144000"/>
@@ -273,7 +274,7 @@
           <a:p>
             <a:fld id="{C848B3AD-CA34-42F6-B8F0-ED1DEB1CD510}" type="datetimeFigureOut">
               <a:rPr lang="nb-NO" smtClean="0"/>
-              <a:t>24.06.2025</a:t>
+              <a:t>06.09.2025</a:t>
             </a:fld>
             <a:endParaRPr lang="nb-NO"/>
           </a:p>
@@ -471,7 +472,7 @@
           <a:p>
             <a:fld id="{C848B3AD-CA34-42F6-B8F0-ED1DEB1CD510}" type="datetimeFigureOut">
               <a:rPr lang="nb-NO" smtClean="0"/>
-              <a:t>24.06.2025</a:t>
+              <a:t>06.09.2025</a:t>
             </a:fld>
             <a:endParaRPr lang="nb-NO"/>
           </a:p>
@@ -679,7 +680,7 @@
           <a:p>
             <a:fld id="{C848B3AD-CA34-42F6-B8F0-ED1DEB1CD510}" type="datetimeFigureOut">
               <a:rPr lang="nb-NO" smtClean="0"/>
-              <a:t>24.06.2025</a:t>
+              <a:t>06.09.2025</a:t>
             </a:fld>
             <a:endParaRPr lang="nb-NO"/>
           </a:p>
@@ -877,7 +878,7 @@
           <a:p>
             <a:fld id="{C848B3AD-CA34-42F6-B8F0-ED1DEB1CD510}" type="datetimeFigureOut">
               <a:rPr lang="nb-NO" smtClean="0"/>
-              <a:t>24.06.2025</a:t>
+              <a:t>06.09.2025</a:t>
             </a:fld>
             <a:endParaRPr lang="nb-NO"/>
           </a:p>
@@ -1152,7 +1153,7 @@
           <a:p>
             <a:fld id="{C848B3AD-CA34-42F6-B8F0-ED1DEB1CD510}" type="datetimeFigureOut">
               <a:rPr lang="nb-NO" smtClean="0"/>
-              <a:t>24.06.2025</a:t>
+              <a:t>06.09.2025</a:t>
             </a:fld>
             <a:endParaRPr lang="nb-NO"/>
           </a:p>
@@ -1417,7 +1418,7 @@
           <a:p>
             <a:fld id="{C848B3AD-CA34-42F6-B8F0-ED1DEB1CD510}" type="datetimeFigureOut">
               <a:rPr lang="nb-NO" smtClean="0"/>
-              <a:t>24.06.2025</a:t>
+              <a:t>06.09.2025</a:t>
             </a:fld>
             <a:endParaRPr lang="nb-NO"/>
           </a:p>
@@ -1829,7 +1830,7 @@
           <a:p>
             <a:fld id="{C848B3AD-CA34-42F6-B8F0-ED1DEB1CD510}" type="datetimeFigureOut">
               <a:rPr lang="nb-NO" smtClean="0"/>
-              <a:t>24.06.2025</a:t>
+              <a:t>06.09.2025</a:t>
             </a:fld>
             <a:endParaRPr lang="nb-NO"/>
           </a:p>
@@ -1970,7 +1971,7 @@
           <a:p>
             <a:fld id="{C848B3AD-CA34-42F6-B8F0-ED1DEB1CD510}" type="datetimeFigureOut">
               <a:rPr lang="nb-NO" smtClean="0"/>
-              <a:t>24.06.2025</a:t>
+              <a:t>06.09.2025</a:t>
             </a:fld>
             <a:endParaRPr lang="nb-NO"/>
           </a:p>
@@ -2083,7 +2084,7 @@
           <a:p>
             <a:fld id="{C848B3AD-CA34-42F6-B8F0-ED1DEB1CD510}" type="datetimeFigureOut">
               <a:rPr lang="nb-NO" smtClean="0"/>
-              <a:t>24.06.2025</a:t>
+              <a:t>06.09.2025</a:t>
             </a:fld>
             <a:endParaRPr lang="nb-NO"/>
           </a:p>
@@ -2394,7 +2395,7 @@
           <a:p>
             <a:fld id="{C848B3AD-CA34-42F6-B8F0-ED1DEB1CD510}" type="datetimeFigureOut">
               <a:rPr lang="nb-NO" smtClean="0"/>
-              <a:t>24.06.2025</a:t>
+              <a:t>06.09.2025</a:t>
             </a:fld>
             <a:endParaRPr lang="nb-NO"/>
           </a:p>
@@ -2682,7 +2683,7 @@
           <a:p>
             <a:fld id="{C848B3AD-CA34-42F6-B8F0-ED1DEB1CD510}" type="datetimeFigureOut">
               <a:rPr lang="nb-NO" smtClean="0"/>
-              <a:t>24.06.2025</a:t>
+              <a:t>06.09.2025</a:t>
             </a:fld>
             <a:endParaRPr lang="nb-NO"/>
           </a:p>
@@ -2923,7 +2924,7 @@
           <a:p>
             <a:fld id="{C848B3AD-CA34-42F6-B8F0-ED1DEB1CD510}" type="datetimeFigureOut">
               <a:rPr lang="nb-NO" smtClean="0"/>
-              <a:t>24.06.2025</a:t>
+              <a:t>06.09.2025</a:t>
             </a:fld>
             <a:endParaRPr lang="nb-NO"/>
           </a:p>
@@ -3457,8 +3458,12 @@
           <a:lstStyle/>
           <a:p>
             <a:r>
+              <a:rPr lang="nb-NO" sz="1200" dirty="0"/>
+              <a:t>A FAME </a:t>
+            </a:r>
+            <a:r>
               <a:rPr lang="nb-NO" sz="1200" dirty="0" err="1"/>
-              <a:t>getfame</a:t>
+              <a:t>Json</a:t>
             </a:r>
             <a:r>
               <a:rPr lang="nb-NO" sz="1200" dirty="0"/>
@@ -3466,27 +3471,11 @@
             </a:r>
             <a:r>
               <a:rPr lang="nb-NO" sz="1200" dirty="0" err="1"/>
-              <a:t>Json</a:t>
+              <a:t>api</a:t>
             </a:r>
             <a:r>
               <a:rPr lang="nb-NO" sz="1200" dirty="0"/>
-              <a:t> </a:t>
-            </a:r>
-            <a:r>
-              <a:rPr lang="nb-NO" sz="1200" dirty="0" err="1"/>
-              <a:t>api</a:t>
-            </a:r>
-            <a:r>
-              <a:rPr lang="nb-NO" sz="1200" dirty="0"/>
-              <a:t> 2024 / </a:t>
-            </a:r>
-            <a:r>
-              <a:rPr lang="nb-NO" sz="1200" dirty="0" err="1"/>
-              <a:t>june</a:t>
-            </a:r>
-            <a:r>
-              <a:rPr lang="nb-NO" sz="1200" dirty="0"/>
-              <a:t> 2025</a:t>
+              <a:t>  2025</a:t>
             </a:r>
           </a:p>
           <a:p>
@@ -3705,21 +3694,8 @@
             </a:r>
             <a:r>
               <a:rPr lang="nb-NO" sz="2800" dirty="0"/>
-              <a:t> databases in case u have </a:t>
-            </a:r>
-            <a:r>
-              <a:rPr lang="nb-NO" sz="2800" dirty="0" err="1"/>
-              <a:t>formulas</a:t>
-            </a:r>
-            <a:r>
-              <a:rPr lang="nb-NO" sz="2800" dirty="0"/>
-              <a:t> </a:t>
-            </a:r>
-            <a:r>
-              <a:rPr lang="nb-NO" sz="2800" dirty="0" err="1"/>
-              <a:t>elsewhere</a:t>
-            </a:r>
-            <a:endParaRPr lang="nb-NO" sz="2800" dirty="0"/>
+              <a:t>  different databases</a:t>
+            </a:r>
           </a:p>
         </p:txBody>
       </p:sp>
@@ -4201,24 +4177,299 @@
           <a:lstStyle/>
           <a:p>
             <a:r>
+              <a:rPr lang="nb-NO" sz="4000" b="1" dirty="0" err="1"/>
+              <a:t>Highchart</a:t>
+            </a:r>
+            <a:r>
+              <a:rPr lang="nb-NO" sz="4000" b="1" dirty="0"/>
+              <a:t> to </a:t>
+            </a:r>
+            <a:r>
+              <a:rPr lang="nb-NO" sz="4000" b="1" dirty="0" err="1"/>
+              <a:t>view</a:t>
+            </a:r>
+            <a:r>
+              <a:rPr lang="nb-NO" sz="4000" b="1" dirty="0"/>
+              <a:t> </a:t>
+            </a:r>
+            <a:r>
+              <a:rPr lang="nb-NO" sz="4000" b="1" dirty="0" err="1"/>
+              <a:t>the</a:t>
+            </a:r>
+            <a:r>
+              <a:rPr lang="nb-NO" sz="4000" b="1" dirty="0"/>
+              <a:t> </a:t>
+            </a:r>
+            <a:r>
+              <a:rPr lang="nb-NO" sz="4000" b="1" dirty="0" err="1"/>
+              <a:t>result</a:t>
+            </a:r>
+            <a:r>
+              <a:rPr lang="nb-NO" sz="4000" b="1" dirty="0"/>
+              <a:t> in a </a:t>
+            </a:r>
+            <a:r>
+              <a:rPr lang="nb-NO" sz="4000" b="1" dirty="0" err="1"/>
+              <a:t>browser</a:t>
+            </a:r>
+            <a:endParaRPr lang="nb-NO" sz="2800" dirty="0"/>
+          </a:p>
+        </p:txBody>
+      </p:sp>
+      <p:pic>
+        <p:nvPicPr>
+          <p:cNvPr id="4" name="Bilde 3">
+            <a:extLst>
+              <a:ext uri="{FF2B5EF4-FFF2-40B4-BE49-F238E27FC236}">
+                <a16:creationId xmlns:a16="http://schemas.microsoft.com/office/drawing/2014/main" id="{5EB1A2FF-39EE-3B30-BC3C-0E79C4A09CD7}"/>
+              </a:ext>
+            </a:extLst>
+          </p:cNvPr>
+          <p:cNvPicPr>
+            <a:picLocks noChangeAspect="1"/>
+          </p:cNvPicPr>
+          <p:nvPr/>
+        </p:nvPicPr>
+        <p:blipFill>
+          <a:blip r:embed="rId2"/>
+          <a:stretch>
+            <a:fillRect/>
+          </a:stretch>
+        </p:blipFill>
+        <p:spPr>
+          <a:xfrm>
+            <a:off x="0" y="0"/>
+            <a:ext cx="12192000" cy="480665"/>
+          </a:xfrm>
+          <a:prstGeom prst="rect">
+            <a:avLst/>
+          </a:prstGeom>
+        </p:spPr>
+      </p:pic>
+      <p:sp>
+        <p:nvSpPr>
+          <p:cNvPr id="9" name="TekstSylinder 8">
+            <a:extLst>
+              <a:ext uri="{FF2B5EF4-FFF2-40B4-BE49-F238E27FC236}">
+                <a16:creationId xmlns:a16="http://schemas.microsoft.com/office/drawing/2014/main" id="{28018692-1B90-60B3-5E43-8CD5B4B0DC77}"/>
+              </a:ext>
+            </a:extLst>
+          </p:cNvPr>
+          <p:cNvSpPr txBox="1"/>
+          <p:nvPr/>
+        </p:nvSpPr>
+        <p:spPr>
+          <a:xfrm>
+            <a:off x="0" y="6374122"/>
+            <a:ext cx="11839699" cy="369332"/>
+          </a:xfrm>
+          <a:prstGeom prst="rect">
+            <a:avLst/>
+          </a:prstGeom>
+          <a:noFill/>
+        </p:spPr>
+        <p:txBody>
+          <a:bodyPr wrap="square" rtlCol="0">
+            <a:spAutoFit/>
+          </a:bodyPr>
+          <a:lstStyle/>
+          <a:p>
+            <a:r>
+              <a:rPr lang="nb-NO" dirty="0" err="1"/>
+              <a:t>Zoomable</a:t>
+            </a:r>
+            <a:r>
+              <a:rPr lang="nb-NO" dirty="0"/>
+              <a:t> </a:t>
+            </a:r>
+            <a:r>
+              <a:rPr lang="nb-NO" dirty="0" err="1"/>
+              <a:t>Xaxis</a:t>
+            </a:r>
+            <a:r>
+              <a:rPr lang="nb-NO" dirty="0"/>
+              <a:t> </a:t>
+            </a:r>
+            <a:r>
+              <a:rPr lang="nb-NO" dirty="0" err="1"/>
+              <a:t>using</a:t>
+            </a:r>
+            <a:r>
+              <a:rPr lang="nb-NO" dirty="0"/>
+              <a:t>  </a:t>
+            </a:r>
+            <a:r>
+              <a:rPr lang="nb-NO" dirty="0" err="1"/>
+              <a:t>getfame</a:t>
+            </a:r>
+            <a:r>
+              <a:rPr lang="nb-NO" dirty="0"/>
+              <a:t> </a:t>
+            </a:r>
+            <a:r>
+              <a:rPr lang="nb-NO" dirty="0" err="1"/>
+              <a:t>Epoch</a:t>
+            </a:r>
+            <a:r>
+              <a:rPr lang="nb-NO" dirty="0"/>
+              <a:t> </a:t>
+            </a:r>
+            <a:r>
+              <a:rPr lang="nb-NO" dirty="0" err="1"/>
+              <a:t>datetime</a:t>
+            </a:r>
+            <a:r>
+              <a:rPr lang="nb-NO" dirty="0"/>
+              <a:t>, </a:t>
+            </a:r>
+            <a:r>
+              <a:rPr lang="nb-NO" dirty="0" err="1"/>
+              <a:t>tooltip</a:t>
+            </a:r>
+            <a:r>
+              <a:rPr lang="nb-NO" dirty="0"/>
+              <a:t>, save as </a:t>
+            </a:r>
+            <a:r>
+              <a:rPr lang="nb-NO" dirty="0" err="1"/>
+              <a:t>csv</a:t>
+            </a:r>
+            <a:r>
+              <a:rPr lang="nb-NO" dirty="0"/>
+              <a:t>, </a:t>
+            </a:r>
+            <a:r>
+              <a:rPr lang="nb-NO" dirty="0" err="1"/>
+              <a:t>customizable</a:t>
+            </a:r>
+            <a:r>
+              <a:rPr lang="nb-NO" dirty="0"/>
+              <a:t>, more samples  at www.eriksberg.no</a:t>
+            </a:r>
+          </a:p>
+        </p:txBody>
+      </p:sp>
+      <p:pic>
+        <p:nvPicPr>
+          <p:cNvPr id="13" name="Bilde 12">
+            <a:extLst>
+              <a:ext uri="{FF2B5EF4-FFF2-40B4-BE49-F238E27FC236}">
+                <a16:creationId xmlns:a16="http://schemas.microsoft.com/office/drawing/2014/main" id="{ED1AD611-DD16-67AE-7283-06BC007B1A8D}"/>
+              </a:ext>
+            </a:extLst>
+          </p:cNvPr>
+          <p:cNvPicPr>
+            <a:picLocks noChangeAspect="1"/>
+          </p:cNvPicPr>
+          <p:nvPr/>
+        </p:nvPicPr>
+        <p:blipFill>
+          <a:blip r:embed="rId3"/>
+          <a:stretch>
+            <a:fillRect/>
+          </a:stretch>
+        </p:blipFill>
+        <p:spPr>
+          <a:xfrm>
+            <a:off x="170623" y="1342734"/>
+            <a:ext cx="11850754" cy="4172532"/>
+          </a:xfrm>
+          <a:prstGeom prst="rect">
+            <a:avLst/>
+          </a:prstGeom>
+        </p:spPr>
+      </p:pic>
+    </p:spTree>
+    <p:extLst>
+      <p:ext uri="{BB962C8B-B14F-4D97-AF65-F5344CB8AC3E}">
+        <p14:creationId xmlns:p14="http://schemas.microsoft.com/office/powerpoint/2010/main" val="2857806471"/>
+      </p:ext>
+    </p:extLst>
+  </p:cSld>
+  <p:clrMapOvr>
+    <a:masterClrMapping/>
+  </p:clrMapOvr>
+</p:sld>
+</file>
+
+<file path=ppt/slides/slide14.xml><?xml version="1.0" encoding="utf-8"?>
+<p:sld xmlns:a="http://schemas.openxmlformats.org/drawingml/2006/main" xmlns:r="http://schemas.openxmlformats.org/officeDocument/2006/relationships" xmlns:p="http://schemas.openxmlformats.org/presentationml/2006/main">
+  <p:cSld>
+    <p:spTree>
+      <p:nvGrpSpPr>
+        <p:cNvPr id="1" name="">
+          <a:extLst>
+            <a:ext uri="{FF2B5EF4-FFF2-40B4-BE49-F238E27FC236}">
+              <a16:creationId xmlns:a16="http://schemas.microsoft.com/office/drawing/2014/main" id="{1725A395-60F6-8226-1C44-03C0B845FEA7}"/>
+            </a:ext>
+          </a:extLst>
+        </p:cNvPr>
+        <p:cNvGrpSpPr/>
+        <p:nvPr/>
+      </p:nvGrpSpPr>
+      <p:grpSpPr>
+        <a:xfrm>
+          <a:off x="0" y="0"/>
+          <a:ext cx="0" cy="0"/>
+          <a:chOff x="0" y="0"/>
+          <a:chExt cx="0" cy="0"/>
+        </a:xfrm>
+      </p:grpSpPr>
+      <p:sp>
+        <p:nvSpPr>
+          <p:cNvPr id="2" name="Tittel 1">
+            <a:extLst>
+              <a:ext uri="{FF2B5EF4-FFF2-40B4-BE49-F238E27FC236}">
+                <a16:creationId xmlns:a16="http://schemas.microsoft.com/office/drawing/2014/main" id="{B61EA78D-C10A-C521-3DCE-D3A7BE8233DD}"/>
+              </a:ext>
+            </a:extLst>
+          </p:cNvPr>
+          <p:cNvSpPr>
+            <a:spLocks noGrp="1"/>
+          </p:cNvSpPr>
+          <p:nvPr>
+            <p:ph type="title"/>
+          </p:nvPr>
+        </p:nvSpPr>
+        <p:spPr>
+          <a:xfrm>
+            <a:off x="467139" y="365125"/>
+            <a:ext cx="11579087" cy="1325563"/>
+          </a:xfrm>
+        </p:spPr>
+        <p:txBody>
+          <a:bodyPr>
+            <a:normAutofit/>
+          </a:bodyPr>
+          <a:lstStyle/>
+          <a:p>
+            <a:r>
+              <a:rPr lang="nb-NO" sz="4000" b="1" dirty="0"/>
+              <a:t>Help</a:t>
+            </a:r>
+            <a:r>
               <a:rPr lang="nb-NO" sz="4000" dirty="0"/>
-              <a:t>Samples ( shows </a:t>
-            </a:r>
-            <a:r>
-              <a:rPr lang="nb-NO" sz="4000" dirty="0" err="1"/>
-              <a:t>help</a:t>
-            </a:r>
-            <a:r>
-              <a:rPr lang="nb-NO" sz="4000" dirty="0"/>
-              <a:t> info </a:t>
-            </a:r>
-            <a:r>
-              <a:rPr lang="nb-NO" sz="4000" dirty="0" err="1"/>
+              <a:t> : </a:t>
+            </a:r>
+            <a:r>
+              <a:rPr lang="nb-NO" sz="4000" b="1" dirty="0" err="1"/>
               <a:t>getfame</a:t>
             </a:r>
             <a:r>
-              <a:rPr lang="nb-NO" sz="4000" dirty="0"/>
-              <a:t> -h</a:t>
+              <a:rPr lang="nb-NO" sz="4000" b="1" dirty="0"/>
+              <a:t> –h     </a:t>
+            </a:r>
+            <a:r>
+              <a:rPr lang="nb-NO" sz="2800" dirty="0"/>
+              <a:t>or just skip </a:t>
+            </a:r>
+            <a:r>
+              <a:rPr lang="nb-NO" sz="2800" dirty="0" err="1"/>
+              <a:t>the</a:t>
+            </a:r>
+            <a:r>
+              <a:rPr lang="nb-NO" sz="2800" dirty="0"/>
+              <a:t> arguments</a:t>
             </a:r>
           </a:p>
         </p:txBody>
@@ -4228,7 +4479,7 @@
           <p:cNvPr id="3" name="Plassholder for innhold 2">
             <a:extLst>
               <a:ext uri="{FF2B5EF4-FFF2-40B4-BE49-F238E27FC236}">
-                <a16:creationId xmlns:a16="http://schemas.microsoft.com/office/drawing/2014/main" id="{171A3B93-5907-2C24-7D6E-4770BA2E9858}"/>
+                <a16:creationId xmlns:a16="http://schemas.microsoft.com/office/drawing/2014/main" id="{CD2547B4-C669-70FD-4D31-84BCEB481520}"/>
               </a:ext>
             </a:extLst>
           </p:cNvPr>
@@ -4384,7 +4635,7 @@
             </a:r>
             <a:r>
               <a:rPr lang="nb-NO" dirty="0"/>
-              <a:t> or more series in database(s) given a list </a:t>
+              <a:t> or more series from database(s) given a list </a:t>
             </a:r>
             <a:r>
               <a:rPr lang="nb-NO" dirty="0" err="1"/>
@@ -4400,7 +4651,7 @@
             </a:r>
             <a:r>
               <a:rPr lang="nb-NO" dirty="0"/>
-              <a:t> or </a:t>
+              <a:t> or FAME </a:t>
             </a:r>
             <a:r>
               <a:rPr lang="nb-NO" dirty="0" err="1"/>
@@ -4539,7 +4790,7 @@
           <p:cNvPr id="4" name="Bilde 3">
             <a:extLst>
               <a:ext uri="{FF2B5EF4-FFF2-40B4-BE49-F238E27FC236}">
-                <a16:creationId xmlns:a16="http://schemas.microsoft.com/office/drawing/2014/main" id="{5EB1A2FF-39EE-3B30-BC3C-0E79C4A09CD7}"/>
+                <a16:creationId xmlns:a16="http://schemas.microsoft.com/office/drawing/2014/main" id="{2E725378-DC5B-4E11-B79B-84A47A4DF0E4}"/>
               </a:ext>
             </a:extLst>
           </p:cNvPr>
@@ -4567,7 +4818,7 @@
     </p:spTree>
     <p:extLst>
       <p:ext uri="{BB962C8B-B14F-4D97-AF65-F5344CB8AC3E}">
-        <p14:creationId xmlns:p14="http://schemas.microsoft.com/office/powerpoint/2010/main" val="2857806471"/>
+        <p14:creationId xmlns:p14="http://schemas.microsoft.com/office/powerpoint/2010/main" val="1703935066"/>
       </p:ext>
     </p:extLst>
   </p:cSld>
@@ -4577,7 +4828,7 @@
 </p:sld>
 </file>
 
-<file path=ppt/slides/slide14.xml><?xml version="1.0" encoding="utf-8"?>
+<file path=ppt/slides/slide15.xml><?xml version="1.0" encoding="utf-8"?>
 <p:sld xmlns:a="http://schemas.openxmlformats.org/drawingml/2006/main" xmlns:r="http://schemas.openxmlformats.org/officeDocument/2006/relationships" xmlns:p="http://schemas.openxmlformats.org/presentationml/2006/main">
   <p:cSld>
     <p:spTree>
@@ -4976,7 +5227,7 @@
 </p:sld>
 </file>
 
-<file path=ppt/slides/slide15.xml><?xml version="1.0" encoding="utf-8"?>
+<file path=ppt/slides/slide16.xml><?xml version="1.0" encoding="utf-8"?>
 <p:sld xmlns:a="http://schemas.openxmlformats.org/drawingml/2006/main" xmlns:r="http://schemas.openxmlformats.org/officeDocument/2006/relationships" xmlns:p="http://schemas.openxmlformats.org/presentationml/2006/main">
   <p:cSld>
     <p:spTree>
@@ -5102,7 +5353,33 @@
             </a:r>
             <a:r>
               <a:rPr lang="nb-NO" dirty="0"/>
-              <a:t> like Highcharts.com</a:t>
+              <a:t> like </a:t>
+            </a:r>
+            <a:r>
+              <a:rPr lang="nb-NO" dirty="0">
+                <a:hlinkClick r:id="rId2"/>
+              </a:rPr>
+              <a:t>www.highcharts.com</a:t>
+            </a:r>
+            <a:r>
+              <a:rPr lang="nb-NO" dirty="0"/>
+              <a:t> The JSON output is </a:t>
+            </a:r>
+            <a:r>
+              <a:rPr lang="nb-NO" dirty="0" err="1"/>
+              <a:t>designed</a:t>
+            </a:r>
+            <a:r>
+              <a:rPr lang="nb-NO" dirty="0"/>
+              <a:t> for </a:t>
+            </a:r>
+            <a:r>
+              <a:rPr lang="nb-NO" dirty="0" err="1"/>
+              <a:t>highcharts</a:t>
+            </a:r>
+            <a:r>
+              <a:rPr lang="nb-NO" dirty="0"/>
+              <a:t>.</a:t>
             </a:r>
           </a:p>
           <a:p>
@@ -5304,12 +5581,8 @@
               <a:t>uiet</a:t>
             </a:r>
             <a:r>
-              <a:rPr lang="nb-NO"/>
-              <a:t> (silent) </a:t>
-            </a:r>
-            <a:r>
-              <a:rPr lang="nb-NO" dirty="0"/>
-              <a:t>mode, </a:t>
+              <a:rPr lang="nb-NO" dirty="0"/>
+              <a:t> (silent) mode, </a:t>
             </a:r>
             <a:r>
               <a:rPr lang="nb-NO" dirty="0" err="1"/>
@@ -5412,7 +5685,7 @@
           <p:nvPr/>
         </p:nvPicPr>
         <p:blipFill>
-          <a:blip r:embed="rId2"/>
+          <a:blip r:embed="rId3"/>
           <a:stretch>
             <a:fillRect/>
           </a:stretch>
@@ -5502,24 +5775,20 @@
               <a:t>-n   </a:t>
             </a:r>
             <a:r>
-              <a:rPr lang="nb-NO" dirty="0"/>
-              <a:t>= </a:t>
-            </a:r>
-            <a:r>
-              <a:rPr lang="nb-NO" dirty="0" err="1"/>
-              <a:t>getfamenames</a:t>
-            </a:r>
-            <a:r>
-              <a:rPr lang="nb-NO" dirty="0"/>
-              <a:t> </a:t>
-            </a:r>
-            <a:r>
               <a:rPr lang="nb-NO" sz="2200" b="1" dirty="0" err="1"/>
               <a:t>gets</a:t>
             </a:r>
             <a:r>
               <a:rPr lang="nb-NO" sz="2200" b="1" dirty="0"/>
-              <a:t> FAME metadata</a:t>
+              <a:t> FAME </a:t>
+            </a:r>
+            <a:r>
+              <a:rPr lang="nb-NO" sz="2200" b="1" dirty="0" err="1"/>
+              <a:t>names</a:t>
+            </a:r>
+            <a:r>
+              <a:rPr lang="nb-NO" sz="2200" b="1" dirty="0"/>
+              <a:t> and metadata</a:t>
             </a:r>
           </a:p>
         </p:txBody>
@@ -5836,28 +6105,8 @@
               <a:t> -n   </a:t>
             </a:r>
             <a:r>
-              <a:rPr lang="nb-NO" sz="2200" dirty="0"/>
-              <a:t>$REFERTID/system/</a:t>
-            </a:r>
-            <a:r>
-              <a:rPr lang="nb-NO" sz="2200" dirty="0" err="1"/>
-              <a:t>myfame</a:t>
-            </a:r>
-            <a:r>
-              <a:rPr lang="nb-NO" sz="2200" dirty="0"/>
-              <a:t>/</a:t>
-            </a:r>
-            <a:r>
-              <a:rPr lang="nb-NO" sz="2200" dirty="0" err="1"/>
-              <a:t>api</a:t>
-            </a:r>
-            <a:r>
-              <a:rPr lang="nb-NO" sz="2200" dirty="0"/>
-              <a:t>/</a:t>
-            </a:r>
-            <a:r>
               <a:rPr lang="nb-NO" sz="2200" b="1" dirty="0" err="1"/>
-              <a:t>getfamenames</a:t>
+              <a:t>flexibility</a:t>
             </a:r>
             <a:br>
               <a:rPr lang="nb-NO" sz="2200" b="1" dirty="0"/>
@@ -6154,33 +6403,42 @@
               <a:t> -s   </a:t>
             </a:r>
             <a:r>
-              <a:rPr lang="nb-NO" sz="2200" dirty="0"/>
-              <a:t>$REFERTID/system/</a:t>
-            </a:r>
-            <a:r>
-              <a:rPr lang="nb-NO" sz="2200" dirty="0" err="1"/>
-              <a:t>myfame</a:t>
-            </a:r>
-            <a:r>
-              <a:rPr lang="nb-NO" sz="2200" dirty="0"/>
-              <a:t>/</a:t>
-            </a:r>
-            <a:r>
-              <a:rPr lang="nb-NO" sz="2200" dirty="0" err="1"/>
-              <a:t>api</a:t>
-            </a:r>
-            <a:r>
-              <a:rPr lang="nb-NO" sz="2200" dirty="0"/>
-              <a:t>/</a:t>
-            </a:r>
-            <a:r>
               <a:rPr lang="nb-NO" sz="2200" b="1" dirty="0" err="1"/>
-              <a:t>getfameseries</a:t>
+              <a:t>gets</a:t>
+            </a:r>
+            <a:r>
+              <a:rPr lang="nb-NO" sz="2200" b="1" dirty="0"/>
+              <a:t> data </a:t>
+            </a:r>
+            <a:r>
+              <a:rPr lang="nb-NO" sz="2200" b="1" dirty="0" err="1"/>
+              <a:t>observations</a:t>
             </a:r>
             <a:r>
               <a:rPr lang="nb-NO" sz="2200" b="1" dirty="0"/>
               <a:t> </a:t>
             </a:r>
+            <a:r>
+              <a:rPr lang="nb-NO" sz="2200" b="1" dirty="0" err="1"/>
+              <a:t>with</a:t>
+            </a:r>
+            <a:r>
+              <a:rPr lang="nb-NO" sz="2200" b="1" dirty="0"/>
+              <a:t> [</a:t>
+            </a:r>
+            <a:r>
+              <a:rPr lang="nb-NO" sz="2200" b="1" dirty="0" err="1"/>
+              <a:t>time,value</a:t>
+            </a:r>
+            <a:r>
+              <a:rPr lang="nb-NO" sz="2200" b="1" dirty="0"/>
+              <a:t>] </a:t>
+            </a:r>
+            <a:r>
+              <a:rPr lang="nb-NO" sz="2200" b="1" dirty="0" err="1"/>
+              <a:t>touplets</a:t>
+            </a:r>
+            <a:endParaRPr lang="nb-NO" sz="2200" b="1" dirty="0"/>
           </a:p>
         </p:txBody>
       </p:sp>
@@ -6493,7 +6751,7 @@
                   </a:schemeClr>
                 </a:solidFill>
               </a:rPr>
-              <a:t>  "</a:t>
+              <a:t>   "</a:t>
             </a:r>
             <a:r>
               <a:rPr lang="nb-NO" sz="1600" b="1" dirty="0" err="1">
@@ -6643,7 +6901,7 @@
                   </a:schemeClr>
                 </a:solidFill>
               </a:rPr>
-              <a:t>, K0?IPR " "date 2024 "</a:t>
+              <a:t>, K0?IPR "   "date 2024 "</a:t>
             </a:r>
           </a:p>
           <a:p>
@@ -6749,7 +7007,7 @@
                   </a:schemeClr>
                 </a:solidFill>
               </a:rPr>
-              <a:t> "</a:t>
+              <a:t>   </a:t>
             </a:r>
             <a:r>
               <a:rPr lang="nb-NO" sz="1600" b="1" dirty="0" err="1">
@@ -6771,7 +7029,7 @@
                   </a:schemeClr>
                 </a:solidFill>
               </a:rPr>
-              <a:t>"  "</a:t>
+              <a:t>  "</a:t>
             </a:r>
             <a:r>
               <a:rPr lang="nb-NO" sz="1600" b="1" dirty="0" err="1">
@@ -6815,7 +7073,7 @@
                   </a:schemeClr>
                 </a:solidFill>
               </a:rPr>
-              <a:t>(m)-5 to *"</a:t>
+              <a:t>(m)-5 to *  "</a:t>
             </a:r>
           </a:p>
           <a:p>
@@ -6983,7 +7241,7 @@
                   </a:schemeClr>
                 </a:solidFill>
               </a:rPr>
-              <a:t>"   "?JAN?" "date 2000 to 2005 "</a:t>
+              <a:t>"   "?JAN?"      "date 2000 to 2005 "</a:t>
             </a:r>
           </a:p>
           <a:p>
@@ -7195,7 +7453,7 @@
                   </a:schemeClr>
                 </a:solidFill>
               </a:rPr>
-              <a:t>"  "JI? ,MATT?"  "date 2000 to * ; </a:t>
+              <a:t>"    "JI? ,MATT?"  "date 2000 to * ; </a:t>
             </a:r>
             <a:r>
               <a:rPr lang="nb-NO" sz="1600" b="1" dirty="0" err="1">
@@ -7563,28 +7821,8 @@
               <a:t> -e   </a:t>
             </a:r>
             <a:r>
-              <a:rPr lang="nb-NO" sz="2200" dirty="0"/>
-              <a:t>$REFERTID/system/</a:t>
-            </a:r>
-            <a:r>
               <a:rPr lang="nb-NO" sz="2200" dirty="0" err="1"/>
-              <a:t>myfame</a:t>
-            </a:r>
-            <a:r>
-              <a:rPr lang="nb-NO" sz="2200" dirty="0"/>
-              <a:t>/</a:t>
-            </a:r>
-            <a:r>
-              <a:rPr lang="nb-NO" sz="2200" dirty="0" err="1"/>
-              <a:t>api</a:t>
-            </a:r>
-            <a:r>
-              <a:rPr lang="nb-NO" sz="2200" dirty="0"/>
-              <a:t>/</a:t>
-            </a:r>
-            <a:r>
-              <a:rPr lang="nb-NO" sz="2200" dirty="0" err="1"/>
-              <a:t>getfameexpr</a:t>
+              <a:t>getfameexpression</a:t>
             </a:r>
             <a:br>
               <a:rPr lang="nb-NO" sz="2200" dirty="0"/>
@@ -7646,11 +7884,15 @@
             </a:r>
             <a:r>
               <a:rPr lang="nb-NO" sz="2400" dirty="0"/>
-              <a:t>, from FAME database(s) given a </a:t>
+              <a:t>, from FAME database(s) given </a:t>
             </a:r>
             <a:r>
               <a:rPr lang="nb-NO" sz="2400" dirty="0" err="1"/>
-              <a:t>fame-</a:t>
+              <a:t>one</a:t>
+            </a:r>
+            <a:r>
+              <a:rPr lang="nb-NO" sz="2400" dirty="0"/>
+              <a:t> FAME-</a:t>
             </a:r>
             <a:r>
               <a:rPr lang="nb-NO" sz="2400" b="1" dirty="0" err="1"/>
@@ -7736,7 +7978,7 @@
                 </a:solidFill>
                 <a:cs typeface="Courier New" panose="02070309020205020404" pitchFamily="49" charset="0"/>
               </a:rPr>
-              <a:t> "  "mave(ERIK,2)" "date 2000 to 2010"</a:t>
+              <a:t> "  "mave(ERIK,2)"  "date 2000 to 2010"</a:t>
             </a:r>
           </a:p>
           <a:p>

--- a/getfame.pptx
+++ b/getfame.pptx
@@ -4,23 +4,25 @@
   <p:sldMasterIdLst>
     <p:sldMasterId id="2147483648" r:id="rId1"/>
   </p:sldMasterIdLst>
+  <p:notesMasterIdLst>
+    <p:notesMasterId r:id="rId17"/>
+  </p:notesMasterIdLst>
   <p:sldIdLst>
-    <p:sldId id="256" r:id="rId2"/>
-    <p:sldId id="257" r:id="rId3"/>
-    <p:sldId id="271" r:id="rId4"/>
-    <p:sldId id="268" r:id="rId5"/>
-    <p:sldId id="258" r:id="rId6"/>
-    <p:sldId id="263" r:id="rId7"/>
-    <p:sldId id="260" r:id="rId8"/>
-    <p:sldId id="259" r:id="rId9"/>
-    <p:sldId id="261" r:id="rId10"/>
-    <p:sldId id="272" r:id="rId11"/>
+    <p:sldId id="273" r:id="rId2"/>
+    <p:sldId id="256" r:id="rId3"/>
+    <p:sldId id="257" r:id="rId4"/>
+    <p:sldId id="271" r:id="rId5"/>
+    <p:sldId id="268" r:id="rId6"/>
+    <p:sldId id="258" r:id="rId7"/>
+    <p:sldId id="263" r:id="rId8"/>
+    <p:sldId id="260" r:id="rId9"/>
+    <p:sldId id="259" r:id="rId10"/>
+    <p:sldId id="261" r:id="rId11"/>
     <p:sldId id="269" r:id="rId12"/>
     <p:sldId id="265" r:id="rId13"/>
-    <p:sldId id="262" r:id="rId14"/>
-    <p:sldId id="275" r:id="rId15"/>
+    <p:sldId id="272" r:id="rId14"/>
+    <p:sldId id="262" r:id="rId15"/>
     <p:sldId id="270" r:id="rId16"/>
-    <p:sldId id="274" r:id="rId17"/>
   </p:sldIdLst>
   <p:sldSz cx="12192000" cy="6858000"/>
   <p:notesSz cx="6858000" cy="9144000"/>
@@ -127,6 +129,439 @@
 </p:presentation>
 </file>
 
+<file path=ppt/notesMasters/notesMaster1.xml><?xml version="1.0" encoding="utf-8"?>
+<p:notesMaster xmlns:a="http://schemas.openxmlformats.org/drawingml/2006/main" xmlns:r="http://schemas.openxmlformats.org/officeDocument/2006/relationships" xmlns:p="http://schemas.openxmlformats.org/presentationml/2006/main">
+  <p:cSld>
+    <p:bg>
+      <p:bgRef idx="1001">
+        <a:schemeClr val="bg1"/>
+      </p:bgRef>
+    </p:bg>
+    <p:spTree>
+      <p:nvGrpSpPr>
+        <p:cNvPr id="1" name=""/>
+        <p:cNvGrpSpPr/>
+        <p:nvPr/>
+      </p:nvGrpSpPr>
+      <p:grpSpPr>
+        <a:xfrm>
+          <a:off x="0" y="0"/>
+          <a:ext cx="0" cy="0"/>
+          <a:chOff x="0" y="0"/>
+          <a:chExt cx="0" cy="0"/>
+        </a:xfrm>
+      </p:grpSpPr>
+      <p:sp>
+        <p:nvSpPr>
+          <p:cNvPr id="2" name="Plassholder for topptekst 1"/>
+          <p:cNvSpPr>
+            <a:spLocks noGrp="1"/>
+          </p:cNvSpPr>
+          <p:nvPr>
+            <p:ph type="hdr" sz="quarter"/>
+          </p:nvPr>
+        </p:nvSpPr>
+        <p:spPr>
+          <a:xfrm>
+            <a:off x="0" y="0"/>
+            <a:ext cx="2971800" cy="458788"/>
+          </a:xfrm>
+          <a:prstGeom prst="rect">
+            <a:avLst/>
+          </a:prstGeom>
+        </p:spPr>
+        <p:txBody>
+          <a:bodyPr vert="horz" lIns="91440" tIns="45720" rIns="91440" bIns="45720" rtlCol="0"/>
+          <a:lstStyle>
+            <a:lvl1pPr algn="l">
+              <a:defRPr sz="1200"/>
+            </a:lvl1pPr>
+          </a:lstStyle>
+          <a:p>
+            <a:endParaRPr lang="nb-NO"/>
+          </a:p>
+        </p:txBody>
+      </p:sp>
+      <p:sp>
+        <p:nvSpPr>
+          <p:cNvPr id="3" name="Plassholder for dato 2"/>
+          <p:cNvSpPr>
+            <a:spLocks noGrp="1"/>
+          </p:cNvSpPr>
+          <p:nvPr>
+            <p:ph type="dt" idx="1"/>
+          </p:nvPr>
+        </p:nvSpPr>
+        <p:spPr>
+          <a:xfrm>
+            <a:off x="3884613" y="0"/>
+            <a:ext cx="2971800" cy="458788"/>
+          </a:xfrm>
+          <a:prstGeom prst="rect">
+            <a:avLst/>
+          </a:prstGeom>
+        </p:spPr>
+        <p:txBody>
+          <a:bodyPr vert="horz" lIns="91440" tIns="45720" rIns="91440" bIns="45720" rtlCol="0"/>
+          <a:lstStyle>
+            <a:lvl1pPr algn="r">
+              <a:defRPr sz="1200"/>
+            </a:lvl1pPr>
+          </a:lstStyle>
+          <a:p>
+            <a:fld id="{08D77E4E-C4A4-4514-B69C-32E2E1773BDB}" type="datetimeFigureOut">
+              <a:rPr lang="nb-NO" smtClean="0"/>
+              <a:t>20.09.2025</a:t>
+            </a:fld>
+            <a:endParaRPr lang="nb-NO"/>
+          </a:p>
+        </p:txBody>
+      </p:sp>
+      <p:sp>
+        <p:nvSpPr>
+          <p:cNvPr id="4" name="Plassholder for lysbilde 3"/>
+          <p:cNvSpPr>
+            <a:spLocks noGrp="1" noRot="1" noChangeAspect="1"/>
+          </p:cNvSpPr>
+          <p:nvPr>
+            <p:ph type="sldImg" idx="2"/>
+          </p:nvPr>
+        </p:nvSpPr>
+        <p:spPr>
+          <a:xfrm>
+            <a:off x="685800" y="1143000"/>
+            <a:ext cx="5486400" cy="3086100"/>
+          </a:xfrm>
+          <a:prstGeom prst="rect">
+            <a:avLst/>
+          </a:prstGeom>
+          <a:noFill/>
+          <a:ln w="12700">
+            <a:solidFill>
+              <a:prstClr val="black"/>
+            </a:solidFill>
+          </a:ln>
+        </p:spPr>
+        <p:txBody>
+          <a:bodyPr vert="horz" lIns="91440" tIns="45720" rIns="91440" bIns="45720" rtlCol="0" anchor="ctr"/>
+          <a:lstStyle/>
+          <a:p>
+            <a:endParaRPr lang="nb-NO"/>
+          </a:p>
+        </p:txBody>
+      </p:sp>
+      <p:sp>
+        <p:nvSpPr>
+          <p:cNvPr id="5" name="Plassholder for notater 4"/>
+          <p:cNvSpPr>
+            <a:spLocks noGrp="1"/>
+          </p:cNvSpPr>
+          <p:nvPr>
+            <p:ph type="body" sz="quarter" idx="3"/>
+          </p:nvPr>
+        </p:nvSpPr>
+        <p:spPr>
+          <a:xfrm>
+            <a:off x="685800" y="4400550"/>
+            <a:ext cx="5486400" cy="3600450"/>
+          </a:xfrm>
+          <a:prstGeom prst="rect">
+            <a:avLst/>
+          </a:prstGeom>
+        </p:spPr>
+        <p:txBody>
+          <a:bodyPr vert="horz" lIns="91440" tIns="45720" rIns="91440" bIns="45720" rtlCol="0"/>
+          <a:lstStyle/>
+          <a:p>
+            <a:pPr lvl="0"/>
+            <a:r>
+              <a:rPr lang="nb-NO"/>
+              <a:t>Klikk for å redigere tekststiler i malen</a:t>
+            </a:r>
+          </a:p>
+          <a:p>
+            <a:pPr lvl="1"/>
+            <a:r>
+              <a:rPr lang="nb-NO"/>
+              <a:t>Andre nivå</a:t>
+            </a:r>
+          </a:p>
+          <a:p>
+            <a:pPr lvl="2"/>
+            <a:r>
+              <a:rPr lang="nb-NO"/>
+              <a:t>Tredje nivå</a:t>
+            </a:r>
+          </a:p>
+          <a:p>
+            <a:pPr lvl="3"/>
+            <a:r>
+              <a:rPr lang="nb-NO"/>
+              <a:t>Fjerde nivå</a:t>
+            </a:r>
+          </a:p>
+          <a:p>
+            <a:pPr lvl="4"/>
+            <a:r>
+              <a:rPr lang="nb-NO"/>
+              <a:t>Femte nivå</a:t>
+            </a:r>
+          </a:p>
+        </p:txBody>
+      </p:sp>
+      <p:sp>
+        <p:nvSpPr>
+          <p:cNvPr id="6" name="Plassholder for bunntekst 5"/>
+          <p:cNvSpPr>
+            <a:spLocks noGrp="1"/>
+          </p:cNvSpPr>
+          <p:nvPr>
+            <p:ph type="ftr" sz="quarter" idx="4"/>
+          </p:nvPr>
+        </p:nvSpPr>
+        <p:spPr>
+          <a:xfrm>
+            <a:off x="0" y="8685213"/>
+            <a:ext cx="2971800" cy="458787"/>
+          </a:xfrm>
+          <a:prstGeom prst="rect">
+            <a:avLst/>
+          </a:prstGeom>
+        </p:spPr>
+        <p:txBody>
+          <a:bodyPr vert="horz" lIns="91440" tIns="45720" rIns="91440" bIns="45720" rtlCol="0" anchor="b"/>
+          <a:lstStyle>
+            <a:lvl1pPr algn="l">
+              <a:defRPr sz="1200"/>
+            </a:lvl1pPr>
+          </a:lstStyle>
+          <a:p>
+            <a:endParaRPr lang="nb-NO"/>
+          </a:p>
+        </p:txBody>
+      </p:sp>
+      <p:sp>
+        <p:nvSpPr>
+          <p:cNvPr id="7" name="Plassholder for lysbildenummer 6"/>
+          <p:cNvSpPr>
+            <a:spLocks noGrp="1"/>
+          </p:cNvSpPr>
+          <p:nvPr>
+            <p:ph type="sldNum" sz="quarter" idx="5"/>
+          </p:nvPr>
+        </p:nvSpPr>
+        <p:spPr>
+          <a:xfrm>
+            <a:off x="3884613" y="8685213"/>
+            <a:ext cx="2971800" cy="458787"/>
+          </a:xfrm>
+          <a:prstGeom prst="rect">
+            <a:avLst/>
+          </a:prstGeom>
+        </p:spPr>
+        <p:txBody>
+          <a:bodyPr vert="horz" lIns="91440" tIns="45720" rIns="91440" bIns="45720" rtlCol="0" anchor="b"/>
+          <a:lstStyle>
+            <a:lvl1pPr algn="r">
+              <a:defRPr sz="1200"/>
+            </a:lvl1pPr>
+          </a:lstStyle>
+          <a:p>
+            <a:fld id="{71B0834B-55FA-4459-A327-A9F0C368E526}" type="slidenum">
+              <a:rPr lang="nb-NO" smtClean="0"/>
+              <a:t>‹#›</a:t>
+            </a:fld>
+            <a:endParaRPr lang="nb-NO"/>
+          </a:p>
+        </p:txBody>
+      </p:sp>
+    </p:spTree>
+    <p:extLst>
+      <p:ext uri="{BB962C8B-B14F-4D97-AF65-F5344CB8AC3E}">
+        <p14:creationId xmlns:p14="http://schemas.microsoft.com/office/powerpoint/2010/main" val="2596163038"/>
+      </p:ext>
+    </p:extLst>
+  </p:cSld>
+  <p:clrMap bg1="lt1" tx1="dk1" bg2="lt2" tx2="dk2" accent1="accent1" accent2="accent2" accent3="accent3" accent4="accent4" accent5="accent5" accent6="accent6" hlink="hlink" folHlink="folHlink"/>
+  <p:notesStyle>
+    <a:lvl1pPr marL="0" algn="l" defTabSz="914400" rtl="0" eaLnBrk="1" latinLnBrk="0" hangingPunct="1">
+      <a:defRPr sz="1200" kern="1200">
+        <a:solidFill>
+          <a:schemeClr val="tx1"/>
+        </a:solidFill>
+        <a:latin typeface="+mn-lt"/>
+        <a:ea typeface="+mn-ea"/>
+        <a:cs typeface="+mn-cs"/>
+      </a:defRPr>
+    </a:lvl1pPr>
+    <a:lvl2pPr marL="457200" algn="l" defTabSz="914400" rtl="0" eaLnBrk="1" latinLnBrk="0" hangingPunct="1">
+      <a:defRPr sz="1200" kern="1200">
+        <a:solidFill>
+          <a:schemeClr val="tx1"/>
+        </a:solidFill>
+        <a:latin typeface="+mn-lt"/>
+        <a:ea typeface="+mn-ea"/>
+        <a:cs typeface="+mn-cs"/>
+      </a:defRPr>
+    </a:lvl2pPr>
+    <a:lvl3pPr marL="914400" algn="l" defTabSz="914400" rtl="0" eaLnBrk="1" latinLnBrk="0" hangingPunct="1">
+      <a:defRPr sz="1200" kern="1200">
+        <a:solidFill>
+          <a:schemeClr val="tx1"/>
+        </a:solidFill>
+        <a:latin typeface="+mn-lt"/>
+        <a:ea typeface="+mn-ea"/>
+        <a:cs typeface="+mn-cs"/>
+      </a:defRPr>
+    </a:lvl3pPr>
+    <a:lvl4pPr marL="1371600" algn="l" defTabSz="914400" rtl="0" eaLnBrk="1" latinLnBrk="0" hangingPunct="1">
+      <a:defRPr sz="1200" kern="1200">
+        <a:solidFill>
+          <a:schemeClr val="tx1"/>
+        </a:solidFill>
+        <a:latin typeface="+mn-lt"/>
+        <a:ea typeface="+mn-ea"/>
+        <a:cs typeface="+mn-cs"/>
+      </a:defRPr>
+    </a:lvl4pPr>
+    <a:lvl5pPr marL="1828800" algn="l" defTabSz="914400" rtl="0" eaLnBrk="1" latinLnBrk="0" hangingPunct="1">
+      <a:defRPr sz="1200" kern="1200">
+        <a:solidFill>
+          <a:schemeClr val="tx1"/>
+        </a:solidFill>
+        <a:latin typeface="+mn-lt"/>
+        <a:ea typeface="+mn-ea"/>
+        <a:cs typeface="+mn-cs"/>
+      </a:defRPr>
+    </a:lvl5pPr>
+    <a:lvl6pPr marL="2286000" algn="l" defTabSz="914400" rtl="0" eaLnBrk="1" latinLnBrk="0" hangingPunct="1">
+      <a:defRPr sz="1200" kern="1200">
+        <a:solidFill>
+          <a:schemeClr val="tx1"/>
+        </a:solidFill>
+        <a:latin typeface="+mn-lt"/>
+        <a:ea typeface="+mn-ea"/>
+        <a:cs typeface="+mn-cs"/>
+      </a:defRPr>
+    </a:lvl6pPr>
+    <a:lvl7pPr marL="2743200" algn="l" defTabSz="914400" rtl="0" eaLnBrk="1" latinLnBrk="0" hangingPunct="1">
+      <a:defRPr sz="1200" kern="1200">
+        <a:solidFill>
+          <a:schemeClr val="tx1"/>
+        </a:solidFill>
+        <a:latin typeface="+mn-lt"/>
+        <a:ea typeface="+mn-ea"/>
+        <a:cs typeface="+mn-cs"/>
+      </a:defRPr>
+    </a:lvl7pPr>
+    <a:lvl8pPr marL="3200400" algn="l" defTabSz="914400" rtl="0" eaLnBrk="1" latinLnBrk="0" hangingPunct="1">
+      <a:defRPr sz="1200" kern="1200">
+        <a:solidFill>
+          <a:schemeClr val="tx1"/>
+        </a:solidFill>
+        <a:latin typeface="+mn-lt"/>
+        <a:ea typeface="+mn-ea"/>
+        <a:cs typeface="+mn-cs"/>
+      </a:defRPr>
+    </a:lvl8pPr>
+    <a:lvl9pPr marL="3657600" algn="l" defTabSz="914400" rtl="0" eaLnBrk="1" latinLnBrk="0" hangingPunct="1">
+      <a:defRPr sz="1200" kern="1200">
+        <a:solidFill>
+          <a:schemeClr val="tx1"/>
+        </a:solidFill>
+        <a:latin typeface="+mn-lt"/>
+        <a:ea typeface="+mn-ea"/>
+        <a:cs typeface="+mn-cs"/>
+      </a:defRPr>
+    </a:lvl9pPr>
+  </p:notesStyle>
+</p:notesMaster>
+</file>
+
+<file path=ppt/notesSlides/notesSlide1.xml><?xml version="1.0" encoding="utf-8"?>
+<p:notes xmlns:a="http://schemas.openxmlformats.org/drawingml/2006/main" xmlns:r="http://schemas.openxmlformats.org/officeDocument/2006/relationships" xmlns:p="http://schemas.openxmlformats.org/presentationml/2006/main">
+  <p:cSld>
+    <p:spTree>
+      <p:nvGrpSpPr>
+        <p:cNvPr id="1" name=""/>
+        <p:cNvGrpSpPr/>
+        <p:nvPr/>
+      </p:nvGrpSpPr>
+      <p:grpSpPr>
+        <a:xfrm>
+          <a:off x="0" y="0"/>
+          <a:ext cx="0" cy="0"/>
+          <a:chOff x="0" y="0"/>
+          <a:chExt cx="0" cy="0"/>
+        </a:xfrm>
+      </p:grpSpPr>
+      <p:sp>
+        <p:nvSpPr>
+          <p:cNvPr id="2" name="Plassholder for lysbilde 1"/>
+          <p:cNvSpPr>
+            <a:spLocks noGrp="1" noRot="1" noChangeAspect="1"/>
+          </p:cNvSpPr>
+          <p:nvPr>
+            <p:ph type="sldImg"/>
+          </p:nvPr>
+        </p:nvSpPr>
+        <p:spPr/>
+      </p:sp>
+      <p:sp>
+        <p:nvSpPr>
+          <p:cNvPr id="3" name="Plassholder for notater 2"/>
+          <p:cNvSpPr>
+            <a:spLocks noGrp="1"/>
+          </p:cNvSpPr>
+          <p:nvPr>
+            <p:ph type="body" idx="1"/>
+          </p:nvPr>
+        </p:nvSpPr>
+        <p:spPr/>
+        <p:txBody>
+          <a:bodyPr/>
+          <a:lstStyle/>
+          <a:p>
+            <a:endParaRPr lang="nb-NO" dirty="0"/>
+          </a:p>
+        </p:txBody>
+      </p:sp>
+      <p:sp>
+        <p:nvSpPr>
+          <p:cNvPr id="4" name="Plassholder for lysbildenummer 3"/>
+          <p:cNvSpPr>
+            <a:spLocks noGrp="1"/>
+          </p:cNvSpPr>
+          <p:nvPr>
+            <p:ph type="sldNum" sz="quarter" idx="5"/>
+          </p:nvPr>
+        </p:nvSpPr>
+        <p:spPr/>
+        <p:txBody>
+          <a:bodyPr/>
+          <a:lstStyle/>
+          <a:p>
+            <a:fld id="{71B0834B-55FA-4459-A327-A9F0C368E526}" type="slidenum">
+              <a:rPr lang="nb-NO" smtClean="0"/>
+              <a:t>12</a:t>
+            </a:fld>
+            <a:endParaRPr lang="nb-NO"/>
+          </a:p>
+        </p:txBody>
+      </p:sp>
+    </p:spTree>
+    <p:extLst>
+      <p:ext uri="{BB962C8B-B14F-4D97-AF65-F5344CB8AC3E}">
+        <p14:creationId xmlns:p14="http://schemas.microsoft.com/office/powerpoint/2010/main" val="3759414001"/>
+      </p:ext>
+    </p:extLst>
+  </p:cSld>
+  <p:clrMapOvr>
+    <a:masterClrMapping/>
+  </p:clrMapOvr>
+</p:notes>
+</file>
+
 <file path=ppt/slideLayouts/slideLayout1.xml><?xml version="1.0" encoding="utf-8"?>
 <p:sldLayout xmlns:a="http://schemas.openxmlformats.org/drawingml/2006/main" xmlns:r="http://schemas.openxmlformats.org/officeDocument/2006/relationships" xmlns:p="http://schemas.openxmlformats.org/presentationml/2006/main" type="title" preserve="1">
   <p:cSld name="Tittellysbilde">
@@ -274,7 +709,7 @@
           <a:p>
             <a:fld id="{C848B3AD-CA34-42F6-B8F0-ED1DEB1CD510}" type="datetimeFigureOut">
               <a:rPr lang="nb-NO" smtClean="0"/>
-              <a:t>06.09.2025</a:t>
+              <a:t>20.09.2025</a:t>
             </a:fld>
             <a:endParaRPr lang="nb-NO"/>
           </a:p>
@@ -472,7 +907,7 @@
           <a:p>
             <a:fld id="{C848B3AD-CA34-42F6-B8F0-ED1DEB1CD510}" type="datetimeFigureOut">
               <a:rPr lang="nb-NO" smtClean="0"/>
-              <a:t>06.09.2025</a:t>
+              <a:t>20.09.2025</a:t>
             </a:fld>
             <a:endParaRPr lang="nb-NO"/>
           </a:p>
@@ -680,7 +1115,7 @@
           <a:p>
             <a:fld id="{C848B3AD-CA34-42F6-B8F0-ED1DEB1CD510}" type="datetimeFigureOut">
               <a:rPr lang="nb-NO" smtClean="0"/>
-              <a:t>06.09.2025</a:t>
+              <a:t>20.09.2025</a:t>
             </a:fld>
             <a:endParaRPr lang="nb-NO"/>
           </a:p>
@@ -878,7 +1313,7 @@
           <a:p>
             <a:fld id="{C848B3AD-CA34-42F6-B8F0-ED1DEB1CD510}" type="datetimeFigureOut">
               <a:rPr lang="nb-NO" smtClean="0"/>
-              <a:t>06.09.2025</a:t>
+              <a:t>20.09.2025</a:t>
             </a:fld>
             <a:endParaRPr lang="nb-NO"/>
           </a:p>
@@ -1153,7 +1588,7 @@
           <a:p>
             <a:fld id="{C848B3AD-CA34-42F6-B8F0-ED1DEB1CD510}" type="datetimeFigureOut">
               <a:rPr lang="nb-NO" smtClean="0"/>
-              <a:t>06.09.2025</a:t>
+              <a:t>20.09.2025</a:t>
             </a:fld>
             <a:endParaRPr lang="nb-NO"/>
           </a:p>
@@ -1418,7 +1853,7 @@
           <a:p>
             <a:fld id="{C848B3AD-CA34-42F6-B8F0-ED1DEB1CD510}" type="datetimeFigureOut">
               <a:rPr lang="nb-NO" smtClean="0"/>
-              <a:t>06.09.2025</a:t>
+              <a:t>20.09.2025</a:t>
             </a:fld>
             <a:endParaRPr lang="nb-NO"/>
           </a:p>
@@ -1830,7 +2265,7 @@
           <a:p>
             <a:fld id="{C848B3AD-CA34-42F6-B8F0-ED1DEB1CD510}" type="datetimeFigureOut">
               <a:rPr lang="nb-NO" smtClean="0"/>
-              <a:t>06.09.2025</a:t>
+              <a:t>20.09.2025</a:t>
             </a:fld>
             <a:endParaRPr lang="nb-NO"/>
           </a:p>
@@ -1971,7 +2406,7 @@
           <a:p>
             <a:fld id="{C848B3AD-CA34-42F6-B8F0-ED1DEB1CD510}" type="datetimeFigureOut">
               <a:rPr lang="nb-NO" smtClean="0"/>
-              <a:t>06.09.2025</a:t>
+              <a:t>20.09.2025</a:t>
             </a:fld>
             <a:endParaRPr lang="nb-NO"/>
           </a:p>
@@ -2084,7 +2519,7 @@
           <a:p>
             <a:fld id="{C848B3AD-CA34-42F6-B8F0-ED1DEB1CD510}" type="datetimeFigureOut">
               <a:rPr lang="nb-NO" smtClean="0"/>
-              <a:t>06.09.2025</a:t>
+              <a:t>20.09.2025</a:t>
             </a:fld>
             <a:endParaRPr lang="nb-NO"/>
           </a:p>
@@ -2395,7 +2830,7 @@
           <a:p>
             <a:fld id="{C848B3AD-CA34-42F6-B8F0-ED1DEB1CD510}" type="datetimeFigureOut">
               <a:rPr lang="nb-NO" smtClean="0"/>
-              <a:t>06.09.2025</a:t>
+              <a:t>20.09.2025</a:t>
             </a:fld>
             <a:endParaRPr lang="nb-NO"/>
           </a:p>
@@ -2683,7 +3118,7 @@
           <a:p>
             <a:fld id="{C848B3AD-CA34-42F6-B8F0-ED1DEB1CD510}" type="datetimeFigureOut">
               <a:rPr lang="nb-NO" smtClean="0"/>
-              <a:t>06.09.2025</a:t>
+              <a:t>20.09.2025</a:t>
             </a:fld>
             <a:endParaRPr lang="nb-NO"/>
           </a:p>
@@ -2924,7 +3359,7 @@
           <a:p>
             <a:fld id="{C848B3AD-CA34-42F6-B8F0-ED1DEB1CD510}" type="datetimeFigureOut">
               <a:rPr lang="nb-NO" smtClean="0"/>
-              <a:t>06.09.2025</a:t>
+              <a:t>20.09.2025</a:t>
             </a:fld>
             <a:endParaRPr lang="nb-NO"/>
           </a:p>
@@ -3341,247 +3776,57 @@
           <a:chExt cx="0" cy="0"/>
         </a:xfrm>
       </p:grpSpPr>
-      <p:sp>
-        <p:nvSpPr>
-          <p:cNvPr id="2" name="Tittel 1">
-            <a:extLst>
-              <a:ext uri="{FF2B5EF4-FFF2-40B4-BE49-F238E27FC236}">
-                <a16:creationId xmlns:a16="http://schemas.microsoft.com/office/drawing/2014/main" id="{D99C871D-13E7-9729-59E9-3AD8C50BE434}"/>
-              </a:ext>
-            </a:extLst>
-          </p:cNvPr>
-          <p:cNvSpPr>
-            <a:spLocks noGrp="1"/>
-          </p:cNvSpPr>
-          <p:nvPr>
-            <p:ph type="ctrTitle"/>
-          </p:nvPr>
-        </p:nvSpPr>
-        <p:spPr>
-          <a:xfrm>
-            <a:off x="776614" y="1077238"/>
-            <a:ext cx="9891386" cy="3720230"/>
-          </a:xfrm>
-        </p:spPr>
-        <p:txBody>
-          <a:bodyPr>
-            <a:normAutofit/>
-          </a:bodyPr>
-          <a:lstStyle/>
-          <a:p>
-            <a:pPr algn="l"/>
-            <a:r>
-              <a:rPr lang="nb-NO" dirty="0"/>
-              <a:t>				</a:t>
-            </a:r>
-            <a:r>
-              <a:rPr lang="nb-NO" b="1" dirty="0" err="1"/>
-              <a:t>getfame</a:t>
-            </a:r>
-            <a:br>
-              <a:rPr lang="nb-NO" dirty="0"/>
-            </a:br>
-            <a:r>
-              <a:rPr lang="nb-NO" dirty="0"/>
-              <a:t>				</a:t>
-            </a:r>
-            <a:r>
-              <a:rPr lang="nb-NO" sz="2700" dirty="0"/>
-              <a:t>-n 	</a:t>
-            </a:r>
-            <a:r>
-              <a:rPr lang="nb-NO" sz="2700" dirty="0" err="1"/>
-              <a:t>names</a:t>
-            </a:r>
-            <a:r>
-              <a:rPr lang="nb-NO" sz="2700" dirty="0"/>
-              <a:t>   </a:t>
-            </a:r>
-            <a:br>
-              <a:rPr lang="nb-NO" sz="2700" dirty="0"/>
-            </a:br>
-            <a:br>
-              <a:rPr lang="nb-NO" sz="2700" dirty="0"/>
-            </a:br>
-            <a:r>
-              <a:rPr lang="nb-NO" sz="2700" dirty="0"/>
-              <a:t>				-s 	series</a:t>
-            </a:r>
-            <a:br>
-              <a:rPr lang="nb-NO" sz="2700" dirty="0"/>
-            </a:br>
-            <a:br>
-              <a:rPr lang="nb-NO" sz="2700" dirty="0"/>
-            </a:br>
-            <a:r>
-              <a:rPr lang="nb-NO" sz="2700" dirty="0"/>
-              <a:t>   				</a:t>
-            </a:r>
-            <a:r>
-              <a:rPr lang="nb-NO" sz="2700" b="1" dirty="0"/>
-              <a:t>-e 	</a:t>
-            </a:r>
-            <a:r>
-              <a:rPr lang="nb-NO" sz="2700" b="1" dirty="0" err="1"/>
-              <a:t>expression</a:t>
-            </a:r>
-            <a:endParaRPr lang="nb-NO" sz="2700" b="1" dirty="0"/>
-          </a:p>
-        </p:txBody>
-      </p:sp>
-      <p:sp>
-        <p:nvSpPr>
-          <p:cNvPr id="3" name="Undertittel 2">
-            <a:extLst>
-              <a:ext uri="{FF2B5EF4-FFF2-40B4-BE49-F238E27FC236}">
-                <a16:creationId xmlns:a16="http://schemas.microsoft.com/office/drawing/2014/main" id="{39DC26CB-CDF4-F413-A409-FA26DAE518FB}"/>
-              </a:ext>
-            </a:extLst>
-          </p:cNvPr>
-          <p:cNvSpPr>
-            <a:spLocks noGrp="1"/>
-          </p:cNvSpPr>
-          <p:nvPr>
-            <p:ph type="subTitle" idx="1"/>
-          </p:nvPr>
-        </p:nvSpPr>
-        <p:spPr>
-          <a:xfrm>
-            <a:off x="1524000" y="5357192"/>
-            <a:ext cx="9144000" cy="1152938"/>
-          </a:xfrm>
-        </p:spPr>
-        <p:txBody>
-          <a:bodyPr>
-            <a:normAutofit/>
-          </a:bodyPr>
-          <a:lstStyle/>
-          <a:p>
-            <a:r>
-              <a:rPr lang="nb-NO" sz="1200" dirty="0"/>
-              <a:t>A FAME </a:t>
-            </a:r>
-            <a:r>
-              <a:rPr lang="nb-NO" sz="1200" dirty="0" err="1"/>
-              <a:t>Json</a:t>
-            </a:r>
-            <a:r>
-              <a:rPr lang="nb-NO" sz="1200" dirty="0"/>
-              <a:t> </a:t>
-            </a:r>
-            <a:r>
-              <a:rPr lang="nb-NO" sz="1200" dirty="0" err="1"/>
-              <a:t>api</a:t>
-            </a:r>
-            <a:r>
-              <a:rPr lang="nb-NO" sz="1200" dirty="0"/>
-              <a:t>  2025</a:t>
-            </a:r>
-          </a:p>
-          <a:p>
-            <a:r>
-              <a:rPr lang="nb-NO" sz="1200" i="1" dirty="0"/>
-              <a:t>Erik.Soberg@ssb.no</a:t>
-            </a:r>
-          </a:p>
-          <a:p>
-            <a:r>
-              <a:rPr lang="nb-NO" sz="1200" dirty="0"/>
-              <a:t>2025 Supports series w </a:t>
-            </a:r>
-            <a:r>
-              <a:rPr lang="nb-NO" sz="1200" dirty="0" err="1"/>
-              <a:t>identical</a:t>
-            </a:r>
-            <a:r>
-              <a:rPr lang="nb-NO" sz="1200" dirty="0"/>
-              <a:t> series </a:t>
-            </a:r>
-            <a:r>
-              <a:rPr lang="nb-NO" sz="1200" dirty="0" err="1"/>
-              <a:t>names</a:t>
-            </a:r>
-            <a:r>
-              <a:rPr lang="nb-NO" sz="1200" dirty="0"/>
-              <a:t> in different FAME databases, </a:t>
-            </a:r>
-            <a:r>
-              <a:rPr lang="nb-NO" sz="1200" dirty="0" err="1"/>
-              <a:t>formulas</a:t>
-            </a:r>
-            <a:r>
-              <a:rPr lang="nb-NO" sz="1200" dirty="0"/>
-              <a:t> </a:t>
-            </a:r>
-            <a:r>
-              <a:rPr lang="nb-NO" sz="1200" dirty="0" err="1"/>
-              <a:t>can</a:t>
-            </a:r>
-            <a:r>
-              <a:rPr lang="nb-NO" sz="1200" dirty="0"/>
-              <a:t> </a:t>
-            </a:r>
-            <a:r>
-              <a:rPr lang="nb-NO" sz="1200" dirty="0" err="1"/>
-              <a:t>aggregate</a:t>
-            </a:r>
-            <a:r>
-              <a:rPr lang="nb-NO" sz="1200" dirty="0"/>
-              <a:t> from </a:t>
-            </a:r>
-            <a:r>
-              <a:rPr lang="nb-NO" sz="1200" dirty="0" err="1"/>
-              <a:t>several</a:t>
-            </a:r>
-            <a:r>
-              <a:rPr lang="nb-NO" sz="1200" dirty="0"/>
-              <a:t> </a:t>
-            </a:r>
-            <a:r>
-              <a:rPr lang="nb-NO" sz="1200" dirty="0" err="1"/>
-              <a:t>open</a:t>
-            </a:r>
-            <a:r>
-              <a:rPr lang="nb-NO" sz="1200" dirty="0"/>
-              <a:t> databases</a:t>
-            </a:r>
-          </a:p>
-        </p:txBody>
-      </p:sp>
       <p:pic>
         <p:nvPicPr>
-          <p:cNvPr id="4" name="Bilde 3">
-            <a:extLst>
-              <a:ext uri="{FF2B5EF4-FFF2-40B4-BE49-F238E27FC236}">
-                <a16:creationId xmlns:a16="http://schemas.microsoft.com/office/drawing/2014/main" id="{D5925642-028B-EDDE-A85E-F4C8C2AD6176}"/>
+          <p:cNvPr id="1026" name="Picture 2" descr="Genererte bilde">
+            <a:extLst>
+              <a:ext uri="{FF2B5EF4-FFF2-40B4-BE49-F238E27FC236}">
+                <a16:creationId xmlns:a16="http://schemas.microsoft.com/office/drawing/2014/main" id="{81C83E9F-7F14-2972-1A65-BE5D05E73DD1}"/>
               </a:ext>
             </a:extLst>
           </p:cNvPr>
           <p:cNvPicPr>
-            <a:picLocks noChangeAspect="1"/>
+            <a:picLocks noChangeAspect="1" noChangeArrowheads="1"/>
           </p:cNvPicPr>
           <p:nvPr/>
         </p:nvPicPr>
         <p:blipFill>
-          <a:blip r:embed="rId2"/>
+          <a:blip r:embed="rId2">
+            <a:extLst>
+              <a:ext uri="{28A0092B-C50C-407E-A947-70E740481C1C}">
+                <a14:useLocalDpi xmlns:a14="http://schemas.microsoft.com/office/drawing/2010/main" val="0"/>
+              </a:ext>
+            </a:extLst>
+          </a:blip>
+          <a:srcRect/>
           <a:stretch>
             <a:fillRect/>
           </a:stretch>
         </p:blipFill>
-        <p:spPr>
+        <p:spPr bwMode="auto">
           <a:xfrm>
-            <a:off x="0" y="0"/>
-            <a:ext cx="12192000" cy="480665"/>
+            <a:off x="1595438" y="428625"/>
+            <a:ext cx="9001125" cy="6000750"/>
           </a:xfrm>
           <a:prstGeom prst="rect">
             <a:avLst/>
           </a:prstGeom>
+          <a:noFill/>
+          <a:extLst>
+            <a:ext uri="{909E8E84-426E-40DD-AFC4-6F175D3DCCD1}">
+              <a14:hiddenFill xmlns:a14="http://schemas.microsoft.com/office/drawing/2010/main">
+                <a:solidFill>
+                  <a:srgbClr val="FFFFFF"/>
+                </a:solidFill>
+              </a14:hiddenFill>
+            </a:ext>
+          </a:extLst>
         </p:spPr>
       </p:pic>
     </p:spTree>
     <p:extLst>
       <p:ext uri="{BB962C8B-B14F-4D97-AF65-F5344CB8AC3E}">
-        <p14:creationId xmlns:p14="http://schemas.microsoft.com/office/powerpoint/2010/main" val="3384436137"/>
+        <p14:creationId xmlns:p14="http://schemas.microsoft.com/office/powerpoint/2010/main" val="1343654214"/>
       </p:ext>
     </p:extLst>
   </p:cSld>
@@ -3596,13 +3841,7 @@
   <p:cSld>
     <p:spTree>
       <p:nvGrpSpPr>
-        <p:cNvPr id="1" name="">
-          <a:extLst>
-            <a:ext uri="{FF2B5EF4-FFF2-40B4-BE49-F238E27FC236}">
-              <a16:creationId xmlns:a16="http://schemas.microsoft.com/office/drawing/2014/main" id="{87E75B48-252A-1EE8-E4CD-9EE2EEB992F2}"/>
-            </a:ext>
-          </a:extLst>
-        </p:cNvPr>
+        <p:cNvPr id="1" name=""/>
         <p:cNvGrpSpPr/>
         <p:nvPr/>
       </p:nvGrpSpPr>
@@ -3619,7 +3858,7 @@
           <p:cNvPr id="6" name="Bilde 5">
             <a:extLst>
               <a:ext uri="{FF2B5EF4-FFF2-40B4-BE49-F238E27FC236}">
-                <a16:creationId xmlns:a16="http://schemas.microsoft.com/office/drawing/2014/main" id="{DEFE1246-9223-22A6-E98F-1E55CFE0092E}"/>
+                <a16:creationId xmlns:a16="http://schemas.microsoft.com/office/drawing/2014/main" id="{1794A1B9-8DCE-9482-B646-E116785D6B93}"/>
               </a:ext>
             </a:extLst>
           </p:cNvPr>
@@ -3649,7 +3888,7 @@
           <p:cNvPr id="2" name="Tittel 1">
             <a:extLst>
               <a:ext uri="{FF2B5EF4-FFF2-40B4-BE49-F238E27FC236}">
-                <a16:creationId xmlns:a16="http://schemas.microsoft.com/office/drawing/2014/main" id="{878C74BF-2EDE-4F64-C496-792A0557BD2E}"/>
+                <a16:creationId xmlns:a16="http://schemas.microsoft.com/office/drawing/2014/main" id="{F7C9CB55-F147-6224-AF03-5DF84EF49653}"/>
               </a:ext>
             </a:extLst>
           </p:cNvPr>
@@ -3662,8 +3901,8 @@
         </p:nvSpPr>
         <p:spPr>
           <a:xfrm>
-            <a:off x="838200" y="480665"/>
-            <a:ext cx="11249416" cy="1210023"/>
+            <a:off x="517358" y="96254"/>
+            <a:ext cx="10836442" cy="1359568"/>
           </a:xfrm>
         </p:spPr>
         <p:txBody>
@@ -3673,38 +3912,35 @@
           <a:lstStyle/>
           <a:p>
             <a:r>
-              <a:rPr lang="nb-NO" sz="3600" b="1" dirty="0" err="1"/>
+              <a:rPr lang="nb-NO" sz="4000" b="1" dirty="0" err="1"/>
               <a:t>getfame</a:t>
             </a:r>
             <a:r>
-              <a:rPr lang="nb-NO" sz="3600" b="1" dirty="0"/>
-              <a:t> –e   </a:t>
-            </a:r>
-            <a:r>
-              <a:rPr lang="nb-NO" sz="2800" dirty="0" err="1"/>
-              <a:t>with</a:t>
-            </a:r>
-            <a:r>
-              <a:rPr lang="nb-NO" sz="2800" dirty="0"/>
+              <a:rPr lang="nb-NO" sz="4000" b="1" dirty="0"/>
+              <a:t> –e    </a:t>
+            </a:r>
+            <a:r>
+              <a:rPr lang="nb-NO" sz="2800" b="1" dirty="0" err="1"/>
+              <a:t>fameexpression</a:t>
+            </a:r>
+            <a:r>
+              <a:rPr lang="nb-NO" sz="2800" b="1" dirty="0"/>
               <a:t> </a:t>
             </a:r>
             <a:r>
-              <a:rPr lang="nb-NO" sz="2800" dirty="0" err="1"/>
-              <a:t>several</a:t>
-            </a:r>
-            <a:r>
-              <a:rPr lang="nb-NO" sz="2800" dirty="0"/>
-              <a:t>  different databases</a:t>
-            </a:r>
+              <a:rPr lang="nb-NO" sz="2800" b="1" dirty="0" err="1"/>
+              <a:t>example</a:t>
+            </a:r>
+            <a:endParaRPr lang="nb-NO" sz="2800" dirty="0"/>
           </a:p>
         </p:txBody>
       </p:sp>
       <p:pic>
         <p:nvPicPr>
-          <p:cNvPr id="4" name="Bilde 3">
-            <a:extLst>
-              <a:ext uri="{FF2B5EF4-FFF2-40B4-BE49-F238E27FC236}">
-                <a16:creationId xmlns:a16="http://schemas.microsoft.com/office/drawing/2014/main" id="{6AE40132-6766-83A0-9E64-09C85ADF462F}"/>
+          <p:cNvPr id="5" name="Bilde 4">
+            <a:extLst>
+              <a:ext uri="{FF2B5EF4-FFF2-40B4-BE49-F238E27FC236}">
+                <a16:creationId xmlns:a16="http://schemas.microsoft.com/office/drawing/2014/main" id="{7C8A54F4-E16B-50CC-9720-C84DD2E7DB0A}"/>
               </a:ext>
             </a:extLst>
           </p:cNvPr>
@@ -3721,8 +3957,8 @@
         </p:blipFill>
         <p:spPr>
           <a:xfrm>
-            <a:off x="838200" y="1504203"/>
-            <a:ext cx="9526329" cy="5353797"/>
+            <a:off x="517358" y="1206330"/>
+            <a:ext cx="11153516" cy="5651670"/>
           </a:xfrm>
           <a:prstGeom prst="rect">
             <a:avLst/>
@@ -3732,7 +3968,7 @@
     </p:spTree>
     <p:extLst>
       <p:ext uri="{BB962C8B-B14F-4D97-AF65-F5344CB8AC3E}">
-        <p14:creationId xmlns:p14="http://schemas.microsoft.com/office/powerpoint/2010/main" val="2269180803"/>
+        <p14:creationId xmlns:p14="http://schemas.microsoft.com/office/powerpoint/2010/main" val="3607782396"/>
       </p:ext>
     </p:extLst>
   </p:cSld>
@@ -3783,13 +4019,13 @@
         </p:nvSpPr>
         <p:spPr>
           <a:xfrm>
-            <a:off x="838199" y="519598"/>
-            <a:ext cx="3209693" cy="6300775"/>
+            <a:off x="838200" y="519598"/>
+            <a:ext cx="2932134" cy="5990007"/>
           </a:xfrm>
         </p:spPr>
         <p:txBody>
           <a:bodyPr>
-            <a:normAutofit fontScale="90000"/>
+            <a:normAutofit/>
           </a:bodyPr>
           <a:lstStyle/>
           <a:p>
@@ -3861,31 +4097,9 @@
             </a:br>
             <a:r>
               <a:rPr lang="nb-NO" dirty="0" err="1"/>
-              <a:t>Jupiterlab</a:t>
-            </a:r>
-            <a:br>
-              <a:rPr lang="nb-NO" dirty="0"/>
-            </a:br>
-            <a:br>
-              <a:rPr lang="nb-NO" dirty="0"/>
-            </a:br>
-            <a:r>
-              <a:rPr lang="nb-NO" sz="3600" i="1" dirty="0"/>
-              <a:t>list </a:t>
-            </a:r>
-            <a:r>
-              <a:rPr lang="nb-NO" sz="3600" i="1" dirty="0" err="1"/>
-              <a:t>of</a:t>
-            </a:r>
-            <a:r>
-              <a:rPr lang="nb-NO" sz="3600" i="1" dirty="0"/>
-              <a:t> </a:t>
-            </a:r>
-            <a:r>
-              <a:rPr lang="nb-NO" sz="3600" i="1" dirty="0" err="1"/>
-              <a:t>expressions</a:t>
-            </a:r>
-            <a:endParaRPr lang="nb-NO" sz="3600" i="1" dirty="0"/>
+              <a:t>Jupyterlab</a:t>
+            </a:r>
+            <a:endParaRPr lang="nb-NO" dirty="0"/>
           </a:p>
         </p:txBody>
       </p:sp>
@@ -3924,7 +4138,7 @@
           <p:cNvPr id="6" name="Bilde 5">
             <a:extLst>
               <a:ext uri="{FF2B5EF4-FFF2-40B4-BE49-F238E27FC236}">
-                <a16:creationId xmlns:a16="http://schemas.microsoft.com/office/drawing/2014/main" id="{5F1AC894-4689-0086-4597-B91328D83D2A}"/>
+                <a16:creationId xmlns:a16="http://schemas.microsoft.com/office/drawing/2014/main" id="{8AE1B912-3B52-5C5B-43C0-0C6943533081}"/>
               </a:ext>
             </a:extLst>
           </p:cNvPr>
@@ -3941,8 +4155,8 @@
         </p:blipFill>
         <p:spPr>
           <a:xfrm>
-            <a:off x="4294384" y="480665"/>
-            <a:ext cx="6847240" cy="6339708"/>
+            <a:off x="4367463" y="0"/>
+            <a:ext cx="7824537" cy="6858000"/>
           </a:xfrm>
           <a:prstGeom prst="rect">
             <a:avLst/>
@@ -3997,8 +4211,8 @@
         </p:nvSpPr>
         <p:spPr>
           <a:xfrm>
-            <a:off x="267629" y="1189973"/>
-            <a:ext cx="3620095" cy="5054710"/>
+            <a:off x="838199" y="559398"/>
+            <a:ext cx="3690769" cy="5465621"/>
           </a:xfrm>
         </p:spPr>
         <p:txBody>
@@ -4007,6 +4221,10 @@
           </a:bodyPr>
           <a:lstStyle/>
           <a:p>
+            <a:r>
+              <a:rPr lang="nb-NO" dirty="0"/>
+              <a:t> </a:t>
+            </a:r>
             <a:br>
               <a:rPr lang="nb-NO" dirty="0"/>
             </a:br>
@@ -4022,39 +4240,44 @@
               <a:rPr lang="nb-NO" b="1" dirty="0"/>
             </a:br>
             <a:br>
+              <a:rPr lang="nb-NO" dirty="0"/>
+            </a:br>
+            <a:r>
+              <a:rPr lang="nb-NO" dirty="0"/>
+              <a:t> </a:t>
+            </a:r>
+            <a:r>
               <a:rPr lang="nb-NO" b="1" dirty="0"/>
-            </a:br>
-            <a:r>
-              <a:rPr lang="nb-NO" dirty="0" err="1"/>
-              <a:t>Result</a:t>
-            </a:r>
-            <a:r>
-              <a:rPr lang="nb-NO" dirty="0"/>
-              <a:t>:</a:t>
+              <a:t>R</a:t>
             </a:r>
             <a:br>
               <a:rPr lang="nb-NO" dirty="0"/>
             </a:br>
-            <a:br>
+            <a:r>
               <a:rPr lang="nb-NO" dirty="0"/>
-            </a:br>
-            <a:r>
-              <a:rPr lang="nb-NO" sz="3100" i="1" dirty="0"/>
-              <a:t>different series different </a:t>
-            </a:r>
-            <a:r>
-              <a:rPr lang="nb-NO" sz="3100" i="1" dirty="0" err="1"/>
-              <a:t>frequencies</a:t>
-            </a:r>
-            <a:r>
-              <a:rPr lang="nb-NO" sz="3100" i="1" dirty="0"/>
-              <a:t> different </a:t>
-            </a:r>
-            <a:r>
-              <a:rPr lang="nb-NO" sz="3100" i="1" dirty="0" err="1"/>
+              <a:t>different </a:t>
+            </a:r>
+            <a:r>
+              <a:rPr lang="nb-NO" dirty="0" err="1"/>
               <a:t>expressions</a:t>
             </a:r>
-            <a:endParaRPr lang="nb-NO" sz="3100" i="1" dirty="0"/>
+            <a:r>
+              <a:rPr lang="nb-NO" dirty="0"/>
+              <a:t> &amp; </a:t>
+            </a:r>
+            <a:r>
+              <a:rPr lang="nb-NO" dirty="0" err="1"/>
+              <a:t>frequences</a:t>
+            </a:r>
+            <a:r>
+              <a:rPr lang="nb-NO" dirty="0"/>
+              <a:t> &amp; </a:t>
+            </a:r>
+            <a:r>
+              <a:rPr lang="nb-NO" dirty="0" err="1"/>
+              <a:t>functions</a:t>
+            </a:r>
+            <a:endParaRPr lang="nb-NO" dirty="0"/>
           </a:p>
         </p:txBody>
       </p:sp>
@@ -4073,7 +4296,7 @@
           <p:nvPr/>
         </p:nvPicPr>
         <p:blipFill>
-          <a:blip r:embed="rId2"/>
+          <a:blip r:embed="rId3"/>
           <a:stretch>
             <a:fillRect/>
           </a:stretch>
@@ -4093,7 +4316,7 @@
           <p:cNvPr id="5" name="Bilde 4">
             <a:extLst>
               <a:ext uri="{FF2B5EF4-FFF2-40B4-BE49-F238E27FC236}">
-                <a16:creationId xmlns:a16="http://schemas.microsoft.com/office/drawing/2014/main" id="{B4C49449-486A-20B8-63A6-4F388AA673C8}"/>
+                <a16:creationId xmlns:a16="http://schemas.microsoft.com/office/drawing/2014/main" id="{412A9CEE-C322-1661-DE55-823EEAA8158F}"/>
               </a:ext>
             </a:extLst>
           </p:cNvPr>
@@ -4103,15 +4326,15 @@
           <p:nvPr/>
         </p:nvPicPr>
         <p:blipFill>
-          <a:blip r:embed="rId3"/>
+          <a:blip r:embed="rId4"/>
           <a:stretch>
             <a:fillRect/>
           </a:stretch>
         </p:blipFill>
         <p:spPr>
           <a:xfrm>
-            <a:off x="3887725" y="441054"/>
-            <a:ext cx="8304275" cy="5975891"/>
+            <a:off x="4237709" y="0"/>
+            <a:ext cx="7954291" cy="6858000"/>
           </a:xfrm>
           <a:prstGeom prst="rect">
             <a:avLst/>
@@ -4153,6 +4376,244 @@
           <p:cNvPr id="2" name="Tittel 1">
             <a:extLst>
               <a:ext uri="{FF2B5EF4-FFF2-40B4-BE49-F238E27FC236}">
+                <a16:creationId xmlns:a16="http://schemas.microsoft.com/office/drawing/2014/main" id="{FD3B3D41-ADD0-78A5-4DF4-48E0FFD8EF73}"/>
+              </a:ext>
+            </a:extLst>
+          </p:cNvPr>
+          <p:cNvSpPr>
+            <a:spLocks noGrp="1"/>
+          </p:cNvSpPr>
+          <p:nvPr>
+            <p:ph type="title"/>
+          </p:nvPr>
+        </p:nvSpPr>
+        <p:spPr>
+          <a:xfrm>
+            <a:off x="84221" y="365125"/>
+            <a:ext cx="11923295" cy="1325563"/>
+          </a:xfrm>
+        </p:spPr>
+        <p:txBody>
+          <a:bodyPr/>
+          <a:lstStyle/>
+          <a:p>
+            <a:r>
+              <a:rPr lang="nb-NO" dirty="0"/>
+              <a:t>Interactive &amp; </a:t>
+            </a:r>
+            <a:r>
+              <a:rPr lang="nb-NO" dirty="0" err="1"/>
+              <a:t>zoomable</a:t>
+            </a:r>
+            <a:r>
+              <a:rPr lang="nb-NO" dirty="0"/>
+              <a:t> </a:t>
+            </a:r>
+            <a:r>
+              <a:rPr lang="nb-NO" dirty="0" err="1"/>
+              <a:t>chart</a:t>
+            </a:r>
+            <a:r>
+              <a:rPr lang="nb-NO" dirty="0"/>
+              <a:t> </a:t>
+            </a:r>
+            <a:r>
+              <a:rPr lang="nb-NO" dirty="0" err="1"/>
+              <a:t>with</a:t>
+            </a:r>
+            <a:r>
+              <a:rPr lang="nb-NO" dirty="0"/>
+              <a:t> </a:t>
+            </a:r>
+            <a:r>
+              <a:rPr lang="nb-NO" dirty="0" err="1"/>
+              <a:t>datetime</a:t>
+            </a:r>
+            <a:r>
+              <a:rPr lang="nb-NO" dirty="0"/>
+              <a:t> as </a:t>
+            </a:r>
+            <a:r>
+              <a:rPr lang="nb-NO" dirty="0" err="1"/>
+              <a:t>xaxis</a:t>
+            </a:r>
+            <a:br>
+              <a:rPr lang="nb-NO" dirty="0"/>
+            </a:br>
+            <a:r>
+              <a:rPr lang="nb-NO" sz="2800" b="1" dirty="0" err="1">
+                <a:solidFill>
+                  <a:schemeClr val="bg2">
+                    <a:lumMod val="50000"/>
+                  </a:schemeClr>
+                </a:solidFill>
+              </a:rPr>
+              <a:t>getfame</a:t>
+            </a:r>
+            <a:r>
+              <a:rPr lang="nb-NO" sz="2800" b="1" dirty="0">
+                <a:solidFill>
+                  <a:schemeClr val="bg2">
+                    <a:lumMod val="50000"/>
+                  </a:schemeClr>
+                </a:solidFill>
+              </a:rPr>
+              <a:t> –s &amp; -e </a:t>
+            </a:r>
+            <a:r>
+              <a:rPr lang="nb-NO" sz="2800" b="1" dirty="0" err="1">
+                <a:solidFill>
+                  <a:schemeClr val="bg2">
+                    <a:lumMod val="50000"/>
+                  </a:schemeClr>
+                </a:solidFill>
+              </a:rPr>
+              <a:t>create</a:t>
+            </a:r>
+            <a:r>
+              <a:rPr lang="nb-NO" sz="2800" b="1" dirty="0">
+                <a:solidFill>
+                  <a:schemeClr val="bg2">
+                    <a:lumMod val="50000"/>
+                  </a:schemeClr>
+                </a:solidFill>
+              </a:rPr>
+              <a:t> JSON </a:t>
+            </a:r>
+            <a:r>
+              <a:rPr lang="nb-NO" sz="2800" b="1" dirty="0" err="1">
+                <a:solidFill>
+                  <a:schemeClr val="bg2">
+                    <a:lumMod val="50000"/>
+                  </a:schemeClr>
+                </a:solidFill>
+              </a:rPr>
+              <a:t>prepared</a:t>
+            </a:r>
+            <a:r>
+              <a:rPr lang="nb-NO" sz="2800" b="1" dirty="0">
+                <a:solidFill>
+                  <a:schemeClr val="bg2">
+                    <a:lumMod val="50000"/>
+                  </a:schemeClr>
+                </a:solidFill>
+              </a:rPr>
+              <a:t> for </a:t>
+            </a:r>
+            <a:r>
+              <a:rPr lang="nb-NO" sz="2800" b="1" dirty="0" err="1">
+                <a:solidFill>
+                  <a:schemeClr val="bg2">
+                    <a:lumMod val="50000"/>
+                  </a:schemeClr>
+                </a:solidFill>
+              </a:rPr>
+              <a:t>highcharts</a:t>
+            </a:r>
+            <a:endParaRPr lang="nb-NO" sz="2800" b="1" dirty="0">
+              <a:solidFill>
+                <a:schemeClr val="bg2">
+                  <a:lumMod val="50000"/>
+                </a:schemeClr>
+              </a:solidFill>
+            </a:endParaRPr>
+          </a:p>
+        </p:txBody>
+      </p:sp>
+      <p:pic>
+        <p:nvPicPr>
+          <p:cNvPr id="6" name="Plassholder for innhold 5">
+            <a:extLst>
+              <a:ext uri="{FF2B5EF4-FFF2-40B4-BE49-F238E27FC236}">
+                <a16:creationId xmlns:a16="http://schemas.microsoft.com/office/drawing/2014/main" id="{D66BF1C8-9BFE-C911-0FB1-2241B561448F}"/>
+              </a:ext>
+            </a:extLst>
+          </p:cNvPr>
+          <p:cNvPicPr>
+            <a:picLocks noGrp="1" noChangeAspect="1"/>
+          </p:cNvPicPr>
+          <p:nvPr>
+            <p:ph idx="1"/>
+          </p:nvPr>
+        </p:nvPicPr>
+        <p:blipFill>
+          <a:blip r:embed="rId2"/>
+          <a:stretch>
+            <a:fillRect/>
+          </a:stretch>
+        </p:blipFill>
+        <p:spPr>
+          <a:xfrm>
+            <a:off x="721895" y="2246731"/>
+            <a:ext cx="8271282" cy="4351338"/>
+          </a:xfrm>
+        </p:spPr>
+      </p:pic>
+      <p:pic>
+        <p:nvPicPr>
+          <p:cNvPr id="4" name="Bilde 3">
+            <a:extLst>
+              <a:ext uri="{FF2B5EF4-FFF2-40B4-BE49-F238E27FC236}">
+                <a16:creationId xmlns:a16="http://schemas.microsoft.com/office/drawing/2014/main" id="{7809D315-A12A-E44F-7181-19B8D90870C5}"/>
+              </a:ext>
+            </a:extLst>
+          </p:cNvPr>
+          <p:cNvPicPr>
+            <a:picLocks noChangeAspect="1"/>
+          </p:cNvPicPr>
+          <p:nvPr/>
+        </p:nvPicPr>
+        <p:blipFill>
+          <a:blip r:embed="rId3"/>
+          <a:stretch>
+            <a:fillRect/>
+          </a:stretch>
+        </p:blipFill>
+        <p:spPr>
+          <a:xfrm>
+            <a:off x="0" y="0"/>
+            <a:ext cx="12192000" cy="480665"/>
+          </a:xfrm>
+          <a:prstGeom prst="rect">
+            <a:avLst/>
+          </a:prstGeom>
+        </p:spPr>
+      </p:pic>
+    </p:spTree>
+    <p:extLst>
+      <p:ext uri="{BB962C8B-B14F-4D97-AF65-F5344CB8AC3E}">
+        <p14:creationId xmlns:p14="http://schemas.microsoft.com/office/powerpoint/2010/main" val="3092219381"/>
+      </p:ext>
+    </p:extLst>
+  </p:cSld>
+  <p:clrMapOvr>
+    <a:masterClrMapping/>
+  </p:clrMapOvr>
+</p:sld>
+</file>
+
+<file path=ppt/slides/slide14.xml><?xml version="1.0" encoding="utf-8"?>
+<p:sld xmlns:a="http://schemas.openxmlformats.org/drawingml/2006/main" xmlns:r="http://schemas.openxmlformats.org/officeDocument/2006/relationships" xmlns:p="http://schemas.openxmlformats.org/presentationml/2006/main">
+  <p:cSld>
+    <p:spTree>
+      <p:nvGrpSpPr>
+        <p:cNvPr id="1" name=""/>
+        <p:cNvGrpSpPr/>
+        <p:nvPr/>
+      </p:nvGrpSpPr>
+      <p:grpSpPr>
+        <a:xfrm>
+          <a:off x="0" y="0"/>
+          <a:ext cx="0" cy="0"/>
+          <a:chOff x="0" y="0"/>
+          <a:chExt cx="0" cy="0"/>
+        </a:xfrm>
+      </p:grpSpPr>
+      <p:sp>
+        <p:nvSpPr>
+          <p:cNvPr id="2" name="Tittel 1">
+            <a:extLst>
+              <a:ext uri="{FF2B5EF4-FFF2-40B4-BE49-F238E27FC236}">
                 <a16:creationId xmlns:a16="http://schemas.microsoft.com/office/drawing/2014/main" id="{C2DF76DA-E453-BB90-9C77-DBEE6994F243}"/>
               </a:ext>
             </a:extLst>
@@ -4177,299 +4638,84 @@
           <a:lstStyle/>
           <a:p>
             <a:r>
-              <a:rPr lang="nb-NO" sz="4000" b="1" dirty="0" err="1"/>
-              <a:t>Highchart</a:t>
-            </a:r>
-            <a:r>
-              <a:rPr lang="nb-NO" sz="4000" b="1" dirty="0"/>
-              <a:t> to </a:t>
-            </a:r>
-            <a:r>
-              <a:rPr lang="nb-NO" sz="4000" b="1" dirty="0" err="1"/>
-              <a:t>view</a:t>
-            </a:r>
-            <a:r>
-              <a:rPr lang="nb-NO" sz="4000" b="1" dirty="0"/>
+              <a:rPr lang="nb-NO" sz="4000" dirty="0"/>
               <a:t> </a:t>
             </a:r>
-            <a:r>
-              <a:rPr lang="nb-NO" sz="4000" b="1" dirty="0" err="1"/>
-              <a:t>the</a:t>
-            </a:r>
-            <a:r>
-              <a:rPr lang="nb-NO" sz="4000" b="1" dirty="0"/>
-              <a:t> </a:t>
-            </a:r>
-            <a:r>
-              <a:rPr lang="nb-NO" sz="4000" b="1" dirty="0" err="1"/>
-              <a:t>result</a:t>
-            </a:r>
-            <a:r>
-              <a:rPr lang="nb-NO" sz="4000" b="1" dirty="0"/>
-              <a:t> in a </a:t>
-            </a:r>
-            <a:r>
-              <a:rPr lang="nb-NO" sz="4000" b="1" dirty="0" err="1"/>
-              <a:t>browser</a:t>
-            </a:r>
-            <a:endParaRPr lang="nb-NO" sz="2800" dirty="0"/>
-          </a:p>
-        </p:txBody>
-      </p:sp>
-      <p:pic>
-        <p:nvPicPr>
-          <p:cNvPr id="4" name="Bilde 3">
-            <a:extLst>
-              <a:ext uri="{FF2B5EF4-FFF2-40B4-BE49-F238E27FC236}">
-                <a16:creationId xmlns:a16="http://schemas.microsoft.com/office/drawing/2014/main" id="{5EB1A2FF-39EE-3B30-BC3C-0E79C4A09CD7}"/>
-              </a:ext>
-            </a:extLst>
-          </p:cNvPr>
-          <p:cNvPicPr>
-            <a:picLocks noChangeAspect="1"/>
-          </p:cNvPicPr>
-          <p:nvPr/>
-        </p:nvPicPr>
-        <p:blipFill>
-          <a:blip r:embed="rId2"/>
-          <a:stretch>
-            <a:fillRect/>
-          </a:stretch>
-        </p:blipFill>
-        <p:spPr>
-          <a:xfrm>
-            <a:off x="0" y="0"/>
-            <a:ext cx="12192000" cy="480665"/>
-          </a:xfrm>
-          <a:prstGeom prst="rect">
-            <a:avLst/>
-          </a:prstGeom>
-        </p:spPr>
-      </p:pic>
-      <p:sp>
-        <p:nvSpPr>
-          <p:cNvPr id="9" name="TekstSylinder 8">
-            <a:extLst>
-              <a:ext uri="{FF2B5EF4-FFF2-40B4-BE49-F238E27FC236}">
-                <a16:creationId xmlns:a16="http://schemas.microsoft.com/office/drawing/2014/main" id="{28018692-1B90-60B3-5E43-8CD5B4B0DC77}"/>
-              </a:ext>
-            </a:extLst>
-          </p:cNvPr>
-          <p:cNvSpPr txBox="1"/>
-          <p:nvPr/>
-        </p:nvSpPr>
-        <p:spPr>
-          <a:xfrm>
-            <a:off x="0" y="6374122"/>
-            <a:ext cx="11839699" cy="369332"/>
-          </a:xfrm>
-          <a:prstGeom prst="rect">
-            <a:avLst/>
-          </a:prstGeom>
-          <a:noFill/>
-        </p:spPr>
-        <p:txBody>
-          <a:bodyPr wrap="square" rtlCol="0">
-            <a:spAutoFit/>
-          </a:bodyPr>
-          <a:lstStyle/>
-          <a:p>
-            <a:r>
-              <a:rPr lang="nb-NO" dirty="0" err="1"/>
-              <a:t>Zoomable</a:t>
-            </a:r>
-            <a:r>
-              <a:rPr lang="nb-NO" dirty="0"/>
-              <a:t> </a:t>
-            </a:r>
-            <a:r>
-              <a:rPr lang="nb-NO" dirty="0" err="1"/>
-              <a:t>Xaxis</a:t>
-            </a:r>
-            <a:r>
-              <a:rPr lang="nb-NO" dirty="0"/>
-              <a:t> </a:t>
-            </a:r>
-            <a:r>
-              <a:rPr lang="nb-NO" dirty="0" err="1"/>
-              <a:t>using</a:t>
-            </a:r>
-            <a:r>
-              <a:rPr lang="nb-NO" dirty="0"/>
-              <a:t>  </a:t>
-            </a:r>
-            <a:r>
-              <a:rPr lang="nb-NO" dirty="0" err="1"/>
-              <a:t>getfame</a:t>
-            </a:r>
-            <a:r>
-              <a:rPr lang="nb-NO" dirty="0"/>
-              <a:t> </a:t>
-            </a:r>
-            <a:r>
-              <a:rPr lang="nb-NO" dirty="0" err="1"/>
-              <a:t>Epoch</a:t>
-            </a:r>
-            <a:r>
-              <a:rPr lang="nb-NO" dirty="0"/>
-              <a:t> </a:t>
-            </a:r>
-            <a:r>
-              <a:rPr lang="nb-NO" dirty="0" err="1"/>
-              <a:t>datetime</a:t>
-            </a:r>
-            <a:r>
-              <a:rPr lang="nb-NO" dirty="0"/>
-              <a:t>, </a:t>
-            </a:r>
-            <a:r>
-              <a:rPr lang="nb-NO" dirty="0" err="1"/>
-              <a:t>tooltip</a:t>
-            </a:r>
-            <a:r>
-              <a:rPr lang="nb-NO" dirty="0"/>
-              <a:t>, save as </a:t>
-            </a:r>
-            <a:r>
-              <a:rPr lang="nb-NO" dirty="0" err="1"/>
-              <a:t>csv</a:t>
-            </a:r>
-            <a:r>
-              <a:rPr lang="nb-NO" dirty="0"/>
-              <a:t>, </a:t>
-            </a:r>
-            <a:r>
-              <a:rPr lang="nb-NO" dirty="0" err="1"/>
-              <a:t>customizable</a:t>
-            </a:r>
-            <a:r>
-              <a:rPr lang="nb-NO" dirty="0"/>
-              <a:t>, more samples  at www.eriksberg.no</a:t>
-            </a:r>
-          </a:p>
-        </p:txBody>
-      </p:sp>
-      <p:pic>
-        <p:nvPicPr>
-          <p:cNvPr id="13" name="Bilde 12">
-            <a:extLst>
-              <a:ext uri="{FF2B5EF4-FFF2-40B4-BE49-F238E27FC236}">
-                <a16:creationId xmlns:a16="http://schemas.microsoft.com/office/drawing/2014/main" id="{ED1AD611-DD16-67AE-7283-06BC007B1A8D}"/>
-              </a:ext>
-            </a:extLst>
-          </p:cNvPr>
-          <p:cNvPicPr>
-            <a:picLocks noChangeAspect="1"/>
-          </p:cNvPicPr>
-          <p:nvPr/>
-        </p:nvPicPr>
-        <p:blipFill>
-          <a:blip r:embed="rId3"/>
-          <a:stretch>
-            <a:fillRect/>
-          </a:stretch>
-        </p:blipFill>
-        <p:spPr>
-          <a:xfrm>
-            <a:off x="170623" y="1342734"/>
-            <a:ext cx="11850754" cy="4172532"/>
-          </a:xfrm>
-          <a:prstGeom prst="rect">
-            <a:avLst/>
-          </a:prstGeom>
-        </p:spPr>
-      </p:pic>
-    </p:spTree>
-    <p:extLst>
-      <p:ext uri="{BB962C8B-B14F-4D97-AF65-F5344CB8AC3E}">
-        <p14:creationId xmlns:p14="http://schemas.microsoft.com/office/powerpoint/2010/main" val="2857806471"/>
-      </p:ext>
-    </p:extLst>
-  </p:cSld>
-  <p:clrMapOvr>
-    <a:masterClrMapping/>
-  </p:clrMapOvr>
-</p:sld>
-</file>
-
-<file path=ppt/slides/slide14.xml><?xml version="1.0" encoding="utf-8"?>
-<p:sld xmlns:a="http://schemas.openxmlformats.org/drawingml/2006/main" xmlns:r="http://schemas.openxmlformats.org/officeDocument/2006/relationships" xmlns:p="http://schemas.openxmlformats.org/presentationml/2006/main">
-  <p:cSld>
-    <p:spTree>
-      <p:nvGrpSpPr>
-        <p:cNvPr id="1" name="">
-          <a:extLst>
-            <a:ext uri="{FF2B5EF4-FFF2-40B4-BE49-F238E27FC236}">
-              <a16:creationId xmlns:a16="http://schemas.microsoft.com/office/drawing/2014/main" id="{1725A395-60F6-8226-1C44-03C0B845FEA7}"/>
-            </a:ext>
-          </a:extLst>
-        </p:cNvPr>
-        <p:cNvGrpSpPr/>
-        <p:nvPr/>
-      </p:nvGrpSpPr>
-      <p:grpSpPr>
-        <a:xfrm>
-          <a:off x="0" y="0"/>
-          <a:ext cx="0" cy="0"/>
-          <a:chOff x="0" y="0"/>
-          <a:chExt cx="0" cy="0"/>
-        </a:xfrm>
-      </p:grpSpPr>
-      <p:sp>
-        <p:nvSpPr>
-          <p:cNvPr id="2" name="Tittel 1">
-            <a:extLst>
-              <a:ext uri="{FF2B5EF4-FFF2-40B4-BE49-F238E27FC236}">
-                <a16:creationId xmlns:a16="http://schemas.microsoft.com/office/drawing/2014/main" id="{B61EA78D-C10A-C521-3DCE-D3A7BE8233DD}"/>
-              </a:ext>
-            </a:extLst>
-          </p:cNvPr>
-          <p:cNvSpPr>
-            <a:spLocks noGrp="1"/>
-          </p:cNvSpPr>
-          <p:nvPr>
-            <p:ph type="title"/>
-          </p:nvPr>
-        </p:nvSpPr>
-        <p:spPr>
-          <a:xfrm>
-            <a:off x="467139" y="365125"/>
-            <a:ext cx="11579087" cy="1325563"/>
-          </a:xfrm>
-        </p:spPr>
-        <p:txBody>
-          <a:bodyPr>
-            <a:normAutofit/>
-          </a:bodyPr>
-          <a:lstStyle/>
-          <a:p>
             <a:r>
               <a:rPr lang="nb-NO" sz="4000" b="1" dirty="0"/>
               <a:t>Help</a:t>
             </a:r>
             <a:r>
               <a:rPr lang="nb-NO" sz="4000" dirty="0"/>
-              <a:t> : </a:t>
-            </a:r>
-            <a:r>
-              <a:rPr lang="nb-NO" sz="4000" b="1" dirty="0" err="1"/>
-              <a:t>getfame</a:t>
+              <a:t> </a:t>
             </a:r>
             <a:r>
               <a:rPr lang="nb-NO" sz="4000" b="1" dirty="0"/>
-              <a:t> –h     </a:t>
-            </a:r>
-            <a:r>
-              <a:rPr lang="nb-NO" sz="2800" dirty="0"/>
-              <a:t>or just skip </a:t>
-            </a:r>
-            <a:r>
-              <a:rPr lang="nb-NO" sz="2800" dirty="0" err="1"/>
-              <a:t>the</a:t>
-            </a:r>
-            <a:r>
-              <a:rPr lang="nb-NO" sz="2800" dirty="0"/>
-              <a:t> arguments</a:t>
+              <a:t>info</a:t>
+            </a:r>
+            <a:r>
+              <a:rPr lang="nb-NO" sz="4000" dirty="0"/>
+              <a:t> - </a:t>
+            </a:r>
+            <a:r>
+              <a:rPr lang="nb-NO" sz="4000" b="1" dirty="0" err="1">
+                <a:solidFill>
+                  <a:schemeClr val="bg2">
+                    <a:lumMod val="50000"/>
+                  </a:schemeClr>
+                </a:solidFill>
+              </a:rPr>
+              <a:t>when</a:t>
+            </a:r>
+            <a:r>
+              <a:rPr lang="nb-NO" sz="4000" b="1" dirty="0">
+                <a:solidFill>
+                  <a:schemeClr val="bg2">
+                    <a:lumMod val="50000"/>
+                  </a:schemeClr>
+                </a:solidFill>
+              </a:rPr>
+              <a:t> </a:t>
+            </a:r>
+            <a:r>
+              <a:rPr lang="nb-NO" sz="4000" b="1" dirty="0" err="1">
+                <a:solidFill>
+                  <a:schemeClr val="bg2">
+                    <a:lumMod val="50000"/>
+                  </a:schemeClr>
+                </a:solidFill>
+              </a:rPr>
+              <a:t>no</a:t>
+            </a:r>
+            <a:r>
+              <a:rPr lang="nb-NO" sz="4000" b="1" dirty="0">
+                <a:solidFill>
+                  <a:schemeClr val="bg2">
+                    <a:lumMod val="50000"/>
+                  </a:schemeClr>
+                </a:solidFill>
+              </a:rPr>
+              <a:t> arguments </a:t>
+            </a:r>
+            <a:r>
+              <a:rPr lang="nb-NO" sz="4000" b="1" dirty="0" err="1">
+                <a:solidFill>
+                  <a:schemeClr val="bg2">
+                    <a:lumMod val="50000"/>
+                  </a:schemeClr>
+                </a:solidFill>
+              </a:rPr>
+              <a:t>passed</a:t>
+            </a:r>
+            <a:r>
+              <a:rPr lang="nb-NO" sz="4000" b="1" dirty="0">
+                <a:solidFill>
+                  <a:schemeClr val="bg2">
+                    <a:lumMod val="50000"/>
+                  </a:schemeClr>
+                </a:solidFill>
+              </a:rPr>
+              <a:t>  </a:t>
             </a:r>
           </a:p>
         </p:txBody>
@@ -4479,7 +4725,7 @@
           <p:cNvPr id="3" name="Plassholder for innhold 2">
             <a:extLst>
               <a:ext uri="{FF2B5EF4-FFF2-40B4-BE49-F238E27FC236}">
-                <a16:creationId xmlns:a16="http://schemas.microsoft.com/office/drawing/2014/main" id="{CD2547B4-C669-70FD-4D31-84BCEB481520}"/>
+                <a16:creationId xmlns:a16="http://schemas.microsoft.com/office/drawing/2014/main" id="{171A3B93-5907-2C24-7D6E-4770BA2E9858}"/>
               </a:ext>
             </a:extLst>
           </p:cNvPr>
@@ -4498,7 +4744,7 @@
         </p:spPr>
         <p:txBody>
           <a:bodyPr>
-            <a:normAutofit fontScale="62500" lnSpcReduction="20000"/>
+            <a:normAutofit/>
           </a:bodyPr>
           <a:lstStyle/>
           <a:p>
@@ -4506,10 +4752,6 @@
               <a:buNone/>
             </a:pPr>
             <a:r>
-              <a:rPr lang="nb-NO" b="1" dirty="0"/>
-              <a:t>1. </a:t>
-            </a:r>
-            <a:r>
               <a:rPr lang="nb-NO" b="1" dirty="0" err="1"/>
               <a:t>getfame</a:t>
             </a:r>
@@ -4522,61 +4764,20 @@
             <a:pPr marL="0" indent="0">
               <a:buNone/>
             </a:pPr>
+            <a:endParaRPr lang="nb-NO" dirty="0"/>
+          </a:p>
+          <a:p>
+            <a:pPr marL="0" indent="0">
+              <a:buNone/>
+            </a:pPr>
             <a:r>
               <a:rPr lang="nb-NO" b="1" dirty="0" err="1"/>
-              <a:t>getfamenames</a:t>
+              <a:t>getfame</a:t>
             </a:r>
             <a:r>
               <a:rPr lang="nb-NO" b="1" dirty="0"/>
-              <a:t> </a:t>
-            </a:r>
-            <a:r>
-              <a:rPr lang="nb-NO" dirty="0"/>
-              <a:t> (</a:t>
-            </a:r>
-            <a:r>
-              <a:rPr lang="nb-NO" dirty="0" err="1"/>
-              <a:t>gets</a:t>
-            </a:r>
-            <a:r>
-              <a:rPr lang="nb-NO" dirty="0"/>
-              <a:t> series </a:t>
-            </a:r>
-            <a:r>
-              <a:rPr lang="nb-NO" dirty="0" err="1"/>
-              <a:t>names</a:t>
-            </a:r>
-            <a:r>
-              <a:rPr lang="nb-NO" dirty="0"/>
-              <a:t> &amp; metadata from databases </a:t>
-            </a:r>
-            <a:r>
-              <a:rPr lang="nb-NO" dirty="0" err="1"/>
-              <a:t>with</a:t>
-            </a:r>
-            <a:r>
-              <a:rPr lang="nb-NO" dirty="0"/>
-              <a:t> a list </a:t>
-            </a:r>
-            <a:r>
-              <a:rPr lang="nb-NO" dirty="0" err="1"/>
-              <a:t>of</a:t>
-            </a:r>
-            <a:r>
-              <a:rPr lang="nb-NO" dirty="0"/>
-              <a:t> </a:t>
-            </a:r>
-            <a:r>
-              <a:rPr lang="nb-NO" dirty="0" err="1"/>
-              <a:t>wildcards</a:t>
-            </a:r>
-            <a:endParaRPr lang="nb-NO" dirty="0"/>
-          </a:p>
-          <a:p>
-            <a:pPr marL="0" indent="0">
-              <a:buNone/>
-            </a:pPr>
-            <a:endParaRPr lang="nb-NO" b="1" dirty="0"/>
+              <a:t> –s</a:t>
+            </a:r>
           </a:p>
           <a:p>
             <a:pPr marL="0" indent="0">
@@ -4589,145 +4790,13 @@
               <a:buNone/>
             </a:pPr>
             <a:r>
-              <a:rPr lang="nb-NO" b="1" dirty="0"/>
-              <a:t>2. </a:t>
-            </a:r>
-            <a:r>
               <a:rPr lang="nb-NO" b="1" dirty="0" err="1"/>
               <a:t>getfame</a:t>
             </a:r>
             <a:r>
               <a:rPr lang="nb-NO" b="1" dirty="0"/>
-              <a:t> –s</a:t>
-            </a:r>
-          </a:p>
-          <a:p>
-            <a:pPr marL="0" indent="0">
-              <a:buNone/>
-            </a:pPr>
-            <a:r>
-              <a:rPr lang="nb-NO" b="1" dirty="0" err="1"/>
-              <a:t>getfameseries</a:t>
-            </a:r>
-            <a:r>
-              <a:rPr lang="nb-NO" dirty="0"/>
-              <a:t> (</a:t>
-            </a:r>
-            <a:r>
-              <a:rPr lang="nb-NO" dirty="0" err="1"/>
-              <a:t>gets</a:t>
-            </a:r>
-            <a:r>
-              <a:rPr lang="nb-NO" dirty="0"/>
-              <a:t> </a:t>
-            </a:r>
-            <a:r>
-              <a:rPr lang="nb-NO" dirty="0" err="1"/>
-              <a:t>observations</a:t>
-            </a:r>
-            <a:r>
-              <a:rPr lang="nb-NO" dirty="0"/>
-              <a:t> from </a:t>
-            </a:r>
-            <a:r>
-              <a:rPr lang="nb-NO" dirty="0" err="1"/>
-              <a:t>one</a:t>
-            </a:r>
-            <a:r>
-              <a:rPr lang="nb-NO" dirty="0"/>
-              <a:t> or more series from database(s) given a list </a:t>
-            </a:r>
-            <a:r>
-              <a:rPr lang="nb-NO" dirty="0" err="1"/>
-              <a:t>of</a:t>
-            </a:r>
-            <a:r>
-              <a:rPr lang="nb-NO" dirty="0"/>
-              <a:t> </a:t>
-            </a:r>
-            <a:r>
-              <a:rPr lang="nb-NO" dirty="0" err="1"/>
-              <a:t>serienames</a:t>
-            </a:r>
-            <a:r>
-              <a:rPr lang="nb-NO" dirty="0"/>
-              <a:t> or FAME </a:t>
-            </a:r>
-            <a:r>
-              <a:rPr lang="nb-NO" dirty="0" err="1"/>
-              <a:t>wildcards</a:t>
-            </a:r>
-            <a:r>
-              <a:rPr lang="nb-NO" dirty="0"/>
-              <a:t>)</a:t>
-            </a:r>
-          </a:p>
-          <a:p>
-            <a:pPr marL="0" indent="0">
-              <a:buNone/>
-            </a:pPr>
-            <a:endParaRPr lang="nb-NO" b="1" dirty="0"/>
-          </a:p>
-          <a:p>
-            <a:pPr marL="0" indent="0">
-              <a:buNone/>
-            </a:pPr>
-            <a:endParaRPr lang="nb-NO" dirty="0"/>
-          </a:p>
-          <a:p>
-            <a:pPr marL="0" indent="0">
-              <a:buNone/>
-            </a:pPr>
-            <a:r>
-              <a:rPr lang="nb-NO" b="1" dirty="0"/>
-              <a:t>3. </a:t>
-            </a:r>
-            <a:r>
-              <a:rPr lang="nb-NO" b="1" dirty="0" err="1"/>
-              <a:t>getfame</a:t>
-            </a:r>
-            <a:r>
-              <a:rPr lang="nb-NO" b="1" dirty="0"/>
               <a:t> -e </a:t>
             </a:r>
-          </a:p>
-          <a:p>
-            <a:pPr marL="0" indent="0">
-              <a:buNone/>
-            </a:pPr>
-            <a:r>
-              <a:rPr lang="nb-NO" b="1" dirty="0" err="1"/>
-              <a:t>getfameexpr</a:t>
-            </a:r>
-            <a:r>
-              <a:rPr lang="nb-NO" dirty="0"/>
-              <a:t>  (</a:t>
-            </a:r>
-            <a:r>
-              <a:rPr lang="nb-NO" dirty="0" err="1"/>
-              <a:t>gets</a:t>
-            </a:r>
-            <a:r>
-              <a:rPr lang="nb-NO" dirty="0"/>
-              <a:t> </a:t>
-            </a:r>
-            <a:r>
-              <a:rPr lang="nb-NO" dirty="0" err="1"/>
-              <a:t>observations</a:t>
-            </a:r>
-            <a:r>
-              <a:rPr lang="nb-NO" dirty="0"/>
-              <a:t> given 1 FAME </a:t>
-            </a:r>
-            <a:r>
-              <a:rPr lang="nb-NO" dirty="0" err="1"/>
-              <a:t>expression</a:t>
-            </a:r>
-            <a:r>
-              <a:rPr lang="nb-NO" dirty="0"/>
-              <a:t>)</a:t>
-            </a:r>
-            <a:endParaRPr lang="nb-NO" b="1" dirty="0"/>
           </a:p>
           <a:p>
             <a:pPr marL="514350" indent="-514350">
@@ -4753,15 +4822,15 @@
             </a:r>
             <a:r>
               <a:rPr lang="nb-NO" dirty="0"/>
-              <a:t> </a:t>
-            </a:r>
-            <a:r>
-              <a:rPr lang="nb-NO" b="1" dirty="0" err="1"/>
-              <a:t>jupyterlab</a:t>
+              <a:t> samples </a:t>
+            </a:r>
+            <a:r>
+              <a:rPr lang="nb-NO" dirty="0" err="1"/>
+              <a:t>with</a:t>
             </a:r>
             <a:r>
               <a:rPr lang="nb-NO" dirty="0"/>
-              <a:t> samples, </a:t>
+              <a:t> R and Python, </a:t>
             </a:r>
             <a:r>
               <a:rPr lang="nb-NO" dirty="0" err="1"/>
@@ -4790,7 +4859,7 @@
           <p:cNvPr id="4" name="Bilde 3">
             <a:extLst>
               <a:ext uri="{FF2B5EF4-FFF2-40B4-BE49-F238E27FC236}">
-                <a16:creationId xmlns:a16="http://schemas.microsoft.com/office/drawing/2014/main" id="{2E725378-DC5B-4E11-B79B-84A47A4DF0E4}"/>
+                <a16:creationId xmlns:a16="http://schemas.microsoft.com/office/drawing/2014/main" id="{5EB1A2FF-39EE-3B30-BC3C-0E79C4A09CD7}"/>
               </a:ext>
             </a:extLst>
           </p:cNvPr>
@@ -4818,7 +4887,7 @@
     </p:spTree>
     <p:extLst>
       <p:ext uri="{BB962C8B-B14F-4D97-AF65-F5344CB8AC3E}">
-        <p14:creationId xmlns:p14="http://schemas.microsoft.com/office/powerpoint/2010/main" val="1703935066"/>
+        <p14:creationId xmlns:p14="http://schemas.microsoft.com/office/powerpoint/2010/main" val="2857806471"/>
       </p:ext>
     </p:extLst>
   </p:cSld>
@@ -4868,9 +4937,29 @@
           <a:p>
             <a:r>
               <a:rPr lang="nb-NO" b="1" dirty="0" err="1"/>
+              <a:t>getfame</a:t>
+            </a:r>
+            <a:r>
+              <a:rPr lang="nb-NO" b="1" dirty="0"/>
+              <a:t>   </a:t>
+            </a:r>
+            <a:r>
+              <a:rPr lang="nb-NO" b="1" dirty="0" err="1">
+                <a:solidFill>
+                  <a:schemeClr val="bg2">
+                    <a:lumMod val="50000"/>
+                  </a:schemeClr>
+                </a:solidFill>
+              </a:rPr>
               <a:t>Summary</a:t>
             </a:r>
-            <a:endParaRPr lang="nb-NO" b="1" dirty="0"/>
+            <a:endParaRPr lang="nb-NO" b="1" dirty="0">
+              <a:solidFill>
+                <a:schemeClr val="bg2">
+                  <a:lumMod val="50000"/>
+                </a:schemeClr>
+              </a:solidFill>
+            </a:endParaRPr>
           </a:p>
         </p:txBody>
       </p:sp>
@@ -4890,9 +4979,16 @@
             <p:ph idx="1"/>
           </p:nvPr>
         </p:nvSpPr>
-        <p:spPr/>
+        <p:spPr>
+          <a:xfrm>
+            <a:off x="838200" y="1431758"/>
+            <a:ext cx="10515600" cy="5426241"/>
+          </a:xfrm>
+        </p:spPr>
         <p:txBody>
-          <a:bodyPr/>
+          <a:bodyPr>
+            <a:normAutofit fontScale="92500" lnSpcReduction="10000"/>
+          </a:bodyPr>
           <a:lstStyle/>
           <a:p>
             <a:r>
@@ -5005,15 +5101,7 @@
             </a:r>
             <a:r>
               <a:rPr lang="nb-NO" dirty="0" err="1"/>
-              <a:t>formulas</a:t>
-            </a:r>
-            <a:r>
-              <a:rPr lang="nb-NO" dirty="0"/>
-              <a:t>, </a:t>
-            </a:r>
-            <a:r>
-              <a:rPr lang="nb-NO" dirty="0" err="1"/>
-              <a:t>frequiencies</a:t>
+              <a:t>formulas,frequiencies</a:t>
             </a:r>
             <a:r>
               <a:rPr lang="nb-NO" dirty="0"/>
@@ -5050,7 +5138,7 @@
             </a:r>
             <a:r>
               <a:rPr lang="nb-NO" b="1" dirty="0"/>
-              <a:t> –e </a:t>
+              <a:t> –e «</a:t>
             </a:r>
             <a:r>
               <a:rPr lang="nb-NO" dirty="0" err="1"/>
@@ -5058,11 +5146,60 @@
             </a:r>
             <a:r>
               <a:rPr lang="nb-NO" dirty="0"/>
-              <a:t> loop </a:t>
+              <a:t>» loop by </a:t>
             </a:r>
             <a:r>
               <a:rPr lang="nb-NO" dirty="0" err="1"/>
-              <a:t>through</a:t>
+              <a:t>expressions</a:t>
+            </a:r>
+            <a:r>
+              <a:rPr lang="nb-NO" dirty="0"/>
+              <a:t> and </a:t>
+            </a:r>
+            <a:r>
+              <a:rPr lang="nb-NO" dirty="0" err="1"/>
+              <a:t>add</a:t>
+            </a:r>
+            <a:r>
+              <a:rPr lang="nb-NO" dirty="0"/>
+              <a:t> to same </a:t>
+            </a:r>
+            <a:r>
+              <a:rPr lang="nb-NO" dirty="0" err="1"/>
+              <a:t>charts</a:t>
+            </a:r>
+            <a:r>
+              <a:rPr lang="nb-NO" dirty="0"/>
+              <a:t> or </a:t>
+            </a:r>
+            <a:r>
+              <a:rPr lang="nb-NO" dirty="0" err="1"/>
+              <a:t>dataset</a:t>
+            </a:r>
+            <a:r>
+              <a:rPr lang="nb-NO" dirty="0"/>
+              <a:t>. (R sample)</a:t>
+            </a:r>
+          </a:p>
+          <a:p>
+            <a:endParaRPr lang="nb-NO" dirty="0"/>
+          </a:p>
+          <a:p>
+            <a:r>
+              <a:rPr lang="nb-NO" b="1" dirty="0" err="1"/>
+              <a:t>getfame</a:t>
+            </a:r>
+            <a:r>
+              <a:rPr lang="nb-NO" b="1" dirty="0"/>
+              <a:t> –n </a:t>
+            </a:r>
+            <a:r>
+              <a:rPr lang="nb-NO" dirty="0"/>
+              <a:t>is </a:t>
+            </a:r>
+            <a:r>
+              <a:rPr lang="nb-NO" dirty="0" err="1"/>
+              <a:t>powerful</a:t>
             </a:r>
             <a:r>
               <a:rPr lang="nb-NO" dirty="0"/>
@@ -5070,15 +5207,7 @@
             </a:r>
             <a:r>
               <a:rPr lang="nb-NO" dirty="0" err="1"/>
-              <a:t>expressions</a:t>
-            </a:r>
-            <a:r>
-              <a:rPr lang="nb-NO" dirty="0"/>
-              <a:t> and </a:t>
-            </a:r>
-            <a:r>
-              <a:rPr lang="nb-NO" dirty="0" err="1"/>
-              <a:t>add</a:t>
+              <a:t>when</a:t>
             </a:r>
             <a:r>
               <a:rPr lang="nb-NO" dirty="0"/>
@@ -5086,101 +5215,148 @@
             </a:r>
             <a:r>
               <a:rPr lang="nb-NO" dirty="0" err="1"/>
-              <a:t>results</a:t>
+              <a:t>combining</a:t>
             </a:r>
             <a:r>
               <a:rPr lang="nb-NO" dirty="0"/>
-              <a:t> to same </a:t>
+              <a:t> </a:t>
+            </a:r>
+            <a:r>
+              <a:rPr lang="nb-NO" b="1" i="1" dirty="0"/>
+              <a:t>grep | more |head </a:t>
+            </a:r>
+            <a:r>
+              <a:rPr lang="nb-NO" dirty="0"/>
+              <a:t>to </a:t>
             </a:r>
             <a:r>
               <a:rPr lang="nb-NO" dirty="0" err="1"/>
-              <a:t>charts</a:t>
+              <a:t>search</a:t>
             </a:r>
             <a:r>
               <a:rPr lang="nb-NO" dirty="0"/>
-              <a:t> or </a:t>
+              <a:t> for series/</a:t>
             </a:r>
             <a:r>
               <a:rPr lang="nb-NO" dirty="0" err="1"/>
-              <a:t>dataset</a:t>
+              <a:t>formulas</a:t>
             </a:r>
             <a:r>
               <a:rPr lang="nb-NO" dirty="0"/>
-              <a:t>.</a:t>
+              <a:t> </a:t>
+            </a:r>
+            <a:r>
+              <a:rPr lang="nb-NO" dirty="0" err="1"/>
+              <a:t>names</a:t>
+            </a:r>
+            <a:r>
+              <a:rPr lang="nb-NO" dirty="0"/>
+              <a:t> or metadata</a:t>
             </a:r>
           </a:p>
           <a:p>
             <a:endParaRPr lang="nb-NO" dirty="0"/>
           </a:p>
           <a:p>
+            <a:r>
+              <a:rPr lang="nb-NO" dirty="0" err="1"/>
+              <a:t>Use</a:t>
+            </a:r>
+            <a:r>
+              <a:rPr lang="nb-NO" dirty="0"/>
+              <a:t> </a:t>
+            </a:r>
+            <a:r>
+              <a:rPr lang="nb-NO" dirty="0" err="1"/>
+              <a:t>the</a:t>
+            </a:r>
+            <a:r>
+              <a:rPr lang="nb-NO" dirty="0"/>
+              <a:t> </a:t>
+            </a:r>
+            <a:r>
+              <a:rPr lang="nb-NO" b="1" dirty="0" err="1"/>
+              <a:t>Epo</a:t>
+            </a:r>
+            <a:r>
+              <a:rPr lang="nb-NO" dirty="0"/>
+              <a:t> </a:t>
+            </a:r>
+            <a:r>
+              <a:rPr lang="nb-NO" dirty="0" err="1"/>
+              <a:t>touplet</a:t>
+            </a:r>
+            <a:r>
+              <a:rPr lang="nb-NO" dirty="0"/>
+              <a:t>, more robust,  </a:t>
+            </a:r>
+            <a:r>
+              <a:rPr lang="nb-NO" dirty="0" err="1"/>
+              <a:t>no</a:t>
+            </a:r>
+            <a:r>
+              <a:rPr lang="nb-NO" dirty="0"/>
+              <a:t> date formatting, and </a:t>
+            </a:r>
+            <a:r>
+              <a:rPr lang="nb-NO" dirty="0" err="1"/>
+              <a:t>smarter</a:t>
+            </a:r>
+            <a:endParaRPr lang="nb-NO" dirty="0"/>
+          </a:p>
+          <a:p>
+            <a:endParaRPr lang="nb-NO" dirty="0"/>
+          </a:p>
+          <a:p>
+            <a:r>
+              <a:rPr lang="nb-NO" dirty="0"/>
+              <a:t>Silent mode:  </a:t>
+            </a:r>
             <a:r>
               <a:rPr lang="nb-NO" b="1" dirty="0" err="1"/>
               <a:t>getfame</a:t>
             </a:r>
             <a:r>
               <a:rPr lang="nb-NO" b="1" dirty="0"/>
-              <a:t> –n </a:t>
-            </a:r>
-            <a:r>
-              <a:rPr lang="nb-NO" dirty="0"/>
-              <a:t>is </a:t>
-            </a:r>
-            <a:r>
-              <a:rPr lang="nb-NO" dirty="0" err="1"/>
-              <a:t>powerful</a:t>
-            </a:r>
-            <a:r>
-              <a:rPr lang="nb-NO" dirty="0"/>
-              <a:t> </a:t>
-            </a:r>
-            <a:r>
-              <a:rPr lang="nb-NO" dirty="0" err="1"/>
-              <a:t>when</a:t>
-            </a:r>
-            <a:r>
-              <a:rPr lang="nb-NO" dirty="0"/>
-              <a:t> </a:t>
-            </a:r>
-            <a:r>
-              <a:rPr lang="nb-NO" dirty="0" err="1"/>
-              <a:t>combining</a:t>
-            </a:r>
-            <a:r>
-              <a:rPr lang="nb-NO" dirty="0"/>
-              <a:t> </a:t>
-            </a:r>
-            <a:r>
-              <a:rPr lang="nb-NO" b="1" i="1" dirty="0"/>
-              <a:t>grep | more |head </a:t>
-            </a:r>
-            <a:r>
-              <a:rPr lang="nb-NO" dirty="0"/>
-              <a:t>to </a:t>
-            </a:r>
-            <a:r>
-              <a:rPr lang="nb-NO" dirty="0" err="1"/>
-              <a:t>search</a:t>
-            </a:r>
-            <a:r>
-              <a:rPr lang="nb-NO" dirty="0"/>
-              <a:t> for series/</a:t>
-            </a:r>
-            <a:r>
-              <a:rPr lang="nb-NO" dirty="0" err="1"/>
-              <a:t>formulas</a:t>
-            </a:r>
-            <a:r>
-              <a:rPr lang="nb-NO" dirty="0"/>
-              <a:t> </a:t>
-            </a:r>
-            <a:r>
-              <a:rPr lang="nb-NO" dirty="0" err="1"/>
-              <a:t>names</a:t>
-            </a:r>
-            <a:r>
-              <a:rPr lang="nb-NO" dirty="0"/>
-              <a:t> or metadata</a:t>
-            </a:r>
+              <a:t> –</a:t>
+            </a:r>
+            <a:r>
+              <a:rPr lang="nb-NO" b="1" dirty="0" err="1"/>
+              <a:t>nq</a:t>
+            </a:r>
+            <a:r>
+              <a:rPr lang="nb-NO" b="1" dirty="0"/>
+              <a:t>     </a:t>
+            </a:r>
+            <a:r>
+              <a:rPr lang="nb-NO" b="1" dirty="0" err="1"/>
+              <a:t>getfame</a:t>
+            </a:r>
+            <a:r>
+              <a:rPr lang="nb-NO" b="1" dirty="0"/>
+              <a:t> –</a:t>
+            </a:r>
+            <a:r>
+              <a:rPr lang="nb-NO" b="1" dirty="0" err="1"/>
+              <a:t>sq</a:t>
+            </a:r>
+            <a:r>
+              <a:rPr lang="nb-NO" b="1" dirty="0"/>
+              <a:t>    </a:t>
+            </a:r>
+            <a:r>
+              <a:rPr lang="nb-NO" b="1" dirty="0" err="1"/>
+              <a:t>getfame</a:t>
+            </a:r>
+            <a:r>
+              <a:rPr lang="nb-NO" b="1" dirty="0"/>
+              <a:t> -</a:t>
+            </a:r>
+            <a:r>
+              <a:rPr lang="nb-NO" b="1" dirty="0" err="1"/>
+              <a:t>eq</a:t>
+            </a:r>
+            <a:endParaRPr lang="nb-NO" b="1" dirty="0"/>
           </a:p>
         </p:txBody>
       </p:sp>
@@ -5227,492 +5403,6 @@
 </p:sld>
 </file>
 
-<file path=ppt/slides/slide16.xml><?xml version="1.0" encoding="utf-8"?>
-<p:sld xmlns:a="http://schemas.openxmlformats.org/drawingml/2006/main" xmlns:r="http://schemas.openxmlformats.org/officeDocument/2006/relationships" xmlns:p="http://schemas.openxmlformats.org/presentationml/2006/main">
-  <p:cSld>
-    <p:spTree>
-      <p:nvGrpSpPr>
-        <p:cNvPr id="1" name="">
-          <a:extLst>
-            <a:ext uri="{FF2B5EF4-FFF2-40B4-BE49-F238E27FC236}">
-              <a16:creationId xmlns:a16="http://schemas.microsoft.com/office/drawing/2014/main" id="{DC82BE6D-765F-37CF-21DB-CBFC985456DD}"/>
-            </a:ext>
-          </a:extLst>
-        </p:cNvPr>
-        <p:cNvGrpSpPr/>
-        <p:nvPr/>
-      </p:nvGrpSpPr>
-      <p:grpSpPr>
-        <a:xfrm>
-          <a:off x="0" y="0"/>
-          <a:ext cx="0" cy="0"/>
-          <a:chOff x="0" y="0"/>
-          <a:chExt cx="0" cy="0"/>
-        </a:xfrm>
-      </p:grpSpPr>
-      <p:sp>
-        <p:nvSpPr>
-          <p:cNvPr id="2" name="Tittel 1">
-            <a:extLst>
-              <a:ext uri="{FF2B5EF4-FFF2-40B4-BE49-F238E27FC236}">
-                <a16:creationId xmlns:a16="http://schemas.microsoft.com/office/drawing/2014/main" id="{26391806-BB77-0F79-01F1-7BB377FAB9B2}"/>
-              </a:ext>
-            </a:extLst>
-          </p:cNvPr>
-          <p:cNvSpPr>
-            <a:spLocks noGrp="1"/>
-          </p:cNvSpPr>
-          <p:nvPr>
-            <p:ph type="title"/>
-          </p:nvPr>
-        </p:nvSpPr>
-        <p:spPr/>
-        <p:txBody>
-          <a:bodyPr/>
-          <a:lstStyle/>
-          <a:p>
-            <a:r>
-              <a:rPr lang="nb-NO" b="1" dirty="0" err="1"/>
-              <a:t>Observations</a:t>
-            </a:r>
-            <a:r>
-              <a:rPr lang="nb-NO" b="1" dirty="0"/>
-              <a:t> &amp; </a:t>
-            </a:r>
-            <a:r>
-              <a:rPr lang="nb-NO" b="1" dirty="0" err="1"/>
-              <a:t>Comments</a:t>
-            </a:r>
-            <a:endParaRPr lang="nb-NO" b="1" dirty="0"/>
-          </a:p>
-        </p:txBody>
-      </p:sp>
-      <p:sp>
-        <p:nvSpPr>
-          <p:cNvPr id="3" name="Plassholder for innhold 2">
-            <a:extLst>
-              <a:ext uri="{FF2B5EF4-FFF2-40B4-BE49-F238E27FC236}">
-                <a16:creationId xmlns:a16="http://schemas.microsoft.com/office/drawing/2014/main" id="{21A972F6-0EBB-03BB-5116-6494997CC484}"/>
-              </a:ext>
-            </a:extLst>
-          </p:cNvPr>
-          <p:cNvSpPr>
-            <a:spLocks noGrp="1"/>
-          </p:cNvSpPr>
-          <p:nvPr>
-            <p:ph idx="1"/>
-          </p:nvPr>
-        </p:nvSpPr>
-        <p:spPr>
-          <a:xfrm>
-            <a:off x="838199" y="1690688"/>
-            <a:ext cx="10669859" cy="4802187"/>
-          </a:xfrm>
-        </p:spPr>
-        <p:txBody>
-          <a:bodyPr>
-            <a:normAutofit lnSpcReduction="10000"/>
-          </a:bodyPr>
-          <a:lstStyle/>
-          <a:p>
-            <a:r>
-              <a:rPr lang="nb-NO" dirty="0" err="1"/>
-              <a:t>Possible</a:t>
-            </a:r>
-            <a:r>
-              <a:rPr lang="nb-NO" dirty="0"/>
-              <a:t> to introduce </a:t>
-            </a:r>
-            <a:r>
-              <a:rPr lang="nb-NO" dirty="0" err="1"/>
-              <a:t>powerful</a:t>
-            </a:r>
-            <a:r>
-              <a:rPr lang="nb-NO" dirty="0"/>
-              <a:t> and </a:t>
-            </a:r>
-            <a:r>
-              <a:rPr lang="nb-NO" dirty="0" err="1"/>
-              <a:t>modern</a:t>
-            </a:r>
-            <a:r>
-              <a:rPr lang="nb-NO" dirty="0"/>
-              <a:t> </a:t>
-            </a:r>
-            <a:r>
-              <a:rPr lang="nb-NO" dirty="0" err="1"/>
-              <a:t>visualizations</a:t>
-            </a:r>
-            <a:r>
-              <a:rPr lang="nb-NO" dirty="0"/>
-              <a:t> </a:t>
-            </a:r>
-            <a:r>
-              <a:rPr lang="nb-NO" dirty="0" err="1"/>
-              <a:t>tools</a:t>
-            </a:r>
-            <a:r>
-              <a:rPr lang="nb-NO" dirty="0"/>
-              <a:t> like </a:t>
-            </a:r>
-            <a:r>
-              <a:rPr lang="nb-NO" dirty="0">
-                <a:hlinkClick r:id="rId2"/>
-              </a:rPr>
-              <a:t>www.highcharts.com</a:t>
-            </a:r>
-            <a:r>
-              <a:rPr lang="nb-NO" dirty="0"/>
-              <a:t> The JSON output is </a:t>
-            </a:r>
-            <a:r>
-              <a:rPr lang="nb-NO" dirty="0" err="1"/>
-              <a:t>designed</a:t>
-            </a:r>
-            <a:r>
-              <a:rPr lang="nb-NO" dirty="0"/>
-              <a:t> for </a:t>
-            </a:r>
-            <a:r>
-              <a:rPr lang="nb-NO" dirty="0" err="1"/>
-              <a:t>highcharts</a:t>
-            </a:r>
-            <a:r>
-              <a:rPr lang="nb-NO" dirty="0"/>
-              <a:t>.</a:t>
-            </a:r>
-          </a:p>
-          <a:p>
-            <a:endParaRPr lang="nb-NO" dirty="0"/>
-          </a:p>
-          <a:p>
-            <a:r>
-              <a:rPr lang="nb-NO" dirty="0" err="1"/>
-              <a:t>Reduce</a:t>
-            </a:r>
-            <a:r>
-              <a:rPr lang="nb-NO" dirty="0"/>
-              <a:t> </a:t>
-            </a:r>
-            <a:r>
-              <a:rPr lang="nb-NO" dirty="0" err="1"/>
-              <a:t>the</a:t>
-            </a:r>
-            <a:r>
-              <a:rPr lang="nb-NO" dirty="0"/>
-              <a:t> </a:t>
-            </a:r>
-            <a:r>
-              <a:rPr lang="nb-NO" dirty="0" err="1"/>
-              <a:t>barrier</a:t>
-            </a:r>
-            <a:r>
-              <a:rPr lang="nb-NO" dirty="0"/>
-              <a:t> to </a:t>
-            </a:r>
-            <a:r>
-              <a:rPr lang="nb-NO" dirty="0" err="1"/>
-              <a:t>use</a:t>
-            </a:r>
-            <a:r>
-              <a:rPr lang="nb-NO" dirty="0"/>
-              <a:t> data in FAME, and </a:t>
-            </a:r>
-            <a:r>
-              <a:rPr lang="nb-NO" dirty="0" err="1"/>
-              <a:t>the</a:t>
-            </a:r>
-            <a:r>
-              <a:rPr lang="nb-NO" dirty="0"/>
-              <a:t> </a:t>
-            </a:r>
-            <a:r>
-              <a:rPr lang="nb-NO" dirty="0" err="1"/>
-              <a:t>power</a:t>
-            </a:r>
-            <a:r>
-              <a:rPr lang="nb-NO" dirty="0"/>
-              <a:t> </a:t>
-            </a:r>
-            <a:r>
-              <a:rPr lang="nb-NO" dirty="0" err="1"/>
-              <a:t>of</a:t>
-            </a:r>
-            <a:r>
-              <a:rPr lang="nb-NO" dirty="0"/>
-              <a:t> FAME, </a:t>
-            </a:r>
-            <a:r>
-              <a:rPr lang="nb-NO" dirty="0" err="1"/>
-              <a:t>when</a:t>
-            </a:r>
-            <a:r>
-              <a:rPr lang="nb-NO" dirty="0"/>
-              <a:t> </a:t>
-            </a:r>
-            <a:r>
-              <a:rPr lang="nb-NO" dirty="0" err="1"/>
-              <a:t>simply</a:t>
-            </a:r>
-            <a:r>
-              <a:rPr lang="nb-NO" dirty="0"/>
-              <a:t> calling </a:t>
-            </a:r>
-            <a:r>
-              <a:rPr lang="nb-NO" b="1" dirty="0" err="1"/>
-              <a:t>getfame</a:t>
-            </a:r>
-            <a:r>
-              <a:rPr lang="nb-NO" b="1" dirty="0"/>
-              <a:t> </a:t>
-            </a:r>
-            <a:r>
-              <a:rPr lang="nb-NO" dirty="0"/>
-              <a:t>from Python or R </a:t>
-            </a:r>
-          </a:p>
-          <a:p>
-            <a:endParaRPr lang="nb-NO" dirty="0"/>
-          </a:p>
-          <a:p>
-            <a:r>
-              <a:rPr lang="nb-NO" dirty="0"/>
-              <a:t>With </a:t>
-            </a:r>
-            <a:r>
-              <a:rPr lang="nb-NO" dirty="0" err="1"/>
-              <a:t>the</a:t>
-            </a:r>
-            <a:r>
-              <a:rPr lang="nb-NO" dirty="0"/>
-              <a:t> </a:t>
-            </a:r>
-            <a:r>
-              <a:rPr lang="nb-NO" b="1" dirty="0" err="1"/>
-              <a:t>getfame</a:t>
-            </a:r>
-            <a:r>
-              <a:rPr lang="nb-NO" dirty="0"/>
-              <a:t> </a:t>
-            </a:r>
-            <a:r>
-              <a:rPr lang="nb-NO" dirty="0" err="1"/>
-              <a:t>json</a:t>
-            </a:r>
-            <a:r>
-              <a:rPr lang="nb-NO" dirty="0"/>
-              <a:t> </a:t>
-            </a:r>
-            <a:r>
-              <a:rPr lang="nb-NO" dirty="0" err="1"/>
-              <a:t>api</a:t>
-            </a:r>
-            <a:r>
-              <a:rPr lang="nb-NO" dirty="0"/>
-              <a:t> </a:t>
-            </a:r>
-            <a:r>
-              <a:rPr lang="nb-NO" dirty="0" err="1"/>
-              <a:t>you</a:t>
-            </a:r>
-            <a:r>
-              <a:rPr lang="nb-NO" dirty="0"/>
-              <a:t> have all </a:t>
-            </a:r>
-            <a:r>
-              <a:rPr lang="nb-NO" dirty="0" err="1"/>
-              <a:t>functionality</a:t>
-            </a:r>
-            <a:r>
-              <a:rPr lang="nb-NO" dirty="0"/>
-              <a:t> </a:t>
-            </a:r>
-            <a:r>
-              <a:rPr lang="nb-NO" dirty="0" err="1"/>
-              <a:t>needed</a:t>
-            </a:r>
-            <a:r>
-              <a:rPr lang="nb-NO" dirty="0"/>
-              <a:t> to </a:t>
-            </a:r>
-            <a:r>
-              <a:rPr lang="nb-NO" dirty="0" err="1"/>
-              <a:t>build</a:t>
-            </a:r>
-            <a:r>
-              <a:rPr lang="nb-NO" dirty="0"/>
-              <a:t> a GUI (like </a:t>
-            </a:r>
-            <a:r>
-              <a:rPr lang="nb-NO" dirty="0" err="1"/>
-              <a:t>myfame</a:t>
-            </a:r>
-            <a:r>
-              <a:rPr lang="nb-NO" dirty="0"/>
-              <a:t>)  in DASH, Visual Studio, QT …</a:t>
-            </a:r>
-          </a:p>
-          <a:p>
-            <a:endParaRPr lang="nb-NO" dirty="0"/>
-          </a:p>
-          <a:p>
-            <a:r>
-              <a:rPr lang="nb-NO" b="1" dirty="0" err="1"/>
-              <a:t>getfame</a:t>
-            </a:r>
-            <a:r>
-              <a:rPr lang="nb-NO" dirty="0"/>
-              <a:t> </a:t>
-            </a:r>
-            <a:r>
-              <a:rPr lang="nb-NO" dirty="0" err="1"/>
-              <a:t>can</a:t>
-            </a:r>
-            <a:r>
-              <a:rPr lang="nb-NO" dirty="0"/>
-              <a:t> be run i </a:t>
-            </a:r>
-            <a:r>
-              <a:rPr lang="nb-NO" b="1" dirty="0" err="1"/>
-              <a:t>q</a:t>
-            </a:r>
-            <a:r>
-              <a:rPr lang="nb-NO" dirty="0" err="1"/>
-              <a:t>uiet</a:t>
-            </a:r>
-            <a:r>
-              <a:rPr lang="nb-NO" dirty="0"/>
-              <a:t> (silent) mode, </a:t>
-            </a:r>
-            <a:r>
-              <a:rPr lang="nb-NO" dirty="0" err="1"/>
-              <a:t>no</a:t>
-            </a:r>
-            <a:r>
-              <a:rPr lang="nb-NO" dirty="0"/>
-              <a:t> output is not </a:t>
-            </a:r>
-            <a:r>
-              <a:rPr lang="nb-NO" dirty="0" err="1"/>
-              <a:t>shown</a:t>
-            </a:r>
-            <a:r>
-              <a:rPr lang="nb-NO" dirty="0"/>
-              <a:t> </a:t>
-            </a:r>
-            <a:r>
-              <a:rPr lang="nb-NO" dirty="0" err="1"/>
-              <a:t>on</a:t>
-            </a:r>
-            <a:r>
-              <a:rPr lang="nb-NO" dirty="0"/>
-              <a:t> </a:t>
-            </a:r>
-            <a:r>
-              <a:rPr lang="nb-NO" dirty="0" err="1"/>
-              <a:t>the</a:t>
-            </a:r>
-            <a:r>
-              <a:rPr lang="nb-NO" dirty="0"/>
-              <a:t> screen:  </a:t>
-            </a:r>
-            <a:r>
-              <a:rPr lang="nb-NO" b="1" dirty="0" err="1"/>
-              <a:t>getfame</a:t>
-            </a:r>
-            <a:r>
-              <a:rPr lang="nb-NO" b="1" dirty="0"/>
-              <a:t> –</a:t>
-            </a:r>
-            <a:r>
-              <a:rPr lang="nb-NO" b="1" dirty="0" err="1"/>
-              <a:t>nq</a:t>
-            </a:r>
-            <a:r>
-              <a:rPr lang="nb-NO" b="1" dirty="0"/>
-              <a:t>    </a:t>
-            </a:r>
-            <a:r>
-              <a:rPr lang="nb-NO" b="1" dirty="0" err="1"/>
-              <a:t>getfame</a:t>
-            </a:r>
-            <a:r>
-              <a:rPr lang="nb-NO" b="1" dirty="0"/>
-              <a:t> –</a:t>
-            </a:r>
-            <a:r>
-              <a:rPr lang="nb-NO" b="1" dirty="0" err="1"/>
-              <a:t>sq</a:t>
-            </a:r>
-            <a:r>
-              <a:rPr lang="nb-NO" b="1" dirty="0"/>
-              <a:t>    </a:t>
-            </a:r>
-            <a:r>
-              <a:rPr lang="nb-NO" b="1" dirty="0" err="1"/>
-              <a:t>getfame</a:t>
-            </a:r>
-            <a:r>
-              <a:rPr lang="nb-NO" b="1" dirty="0"/>
-              <a:t> -</a:t>
-            </a:r>
-            <a:r>
-              <a:rPr lang="nb-NO" b="1" dirty="0" err="1"/>
-              <a:t>eg</a:t>
-            </a:r>
-            <a:r>
-              <a:rPr lang="nb-NO" b="1" dirty="0"/>
-              <a:t> </a:t>
-            </a:r>
-          </a:p>
-          <a:p>
-            <a:endParaRPr lang="nb-NO" dirty="0"/>
-          </a:p>
-        </p:txBody>
-      </p:sp>
-      <p:pic>
-        <p:nvPicPr>
-          <p:cNvPr id="4" name="Bilde 3">
-            <a:extLst>
-              <a:ext uri="{FF2B5EF4-FFF2-40B4-BE49-F238E27FC236}">
-                <a16:creationId xmlns:a16="http://schemas.microsoft.com/office/drawing/2014/main" id="{E84478FF-A73F-5BB5-84A8-76C3123306F8}"/>
-              </a:ext>
-            </a:extLst>
-          </p:cNvPr>
-          <p:cNvPicPr>
-            <a:picLocks noChangeAspect="1"/>
-          </p:cNvPicPr>
-          <p:nvPr/>
-        </p:nvPicPr>
-        <p:blipFill>
-          <a:blip r:embed="rId3"/>
-          <a:stretch>
-            <a:fillRect/>
-          </a:stretch>
-        </p:blipFill>
-        <p:spPr>
-          <a:xfrm>
-            <a:off x="0" y="0"/>
-            <a:ext cx="12192000" cy="480665"/>
-          </a:xfrm>
-          <a:prstGeom prst="rect">
-            <a:avLst/>
-          </a:prstGeom>
-        </p:spPr>
-      </p:pic>
-    </p:spTree>
-    <p:extLst>
-      <p:ext uri="{BB962C8B-B14F-4D97-AF65-F5344CB8AC3E}">
-        <p14:creationId xmlns:p14="http://schemas.microsoft.com/office/powerpoint/2010/main" val="2350609390"/>
-      </p:ext>
-    </p:extLst>
-  </p:cSld>
-  <p:clrMapOvr>
-    <a:masterClrMapping/>
-  </p:clrMapOvr>
-</p:sld>
-</file>
-
 <file path=ppt/slides/slide2.xml><?xml version="1.0" encoding="utf-8"?>
 <p:sld xmlns:a="http://schemas.openxmlformats.org/drawingml/2006/main" xmlns:r="http://schemas.openxmlformats.org/officeDocument/2006/relationships" xmlns:p="http://schemas.openxmlformats.org/presentationml/2006/main">
   <p:cSld>
@@ -5735,6 +5425,265 @@
           <p:cNvPr id="2" name="Tittel 1">
             <a:extLst>
               <a:ext uri="{FF2B5EF4-FFF2-40B4-BE49-F238E27FC236}">
+                <a16:creationId xmlns:a16="http://schemas.microsoft.com/office/drawing/2014/main" id="{D99C871D-13E7-9729-59E9-3AD8C50BE434}"/>
+              </a:ext>
+            </a:extLst>
+          </p:cNvPr>
+          <p:cNvSpPr>
+            <a:spLocks noGrp="1"/>
+          </p:cNvSpPr>
+          <p:nvPr>
+            <p:ph type="ctrTitle"/>
+          </p:nvPr>
+        </p:nvSpPr>
+        <p:spPr>
+          <a:xfrm>
+            <a:off x="776614" y="1077238"/>
+            <a:ext cx="9891386" cy="3720230"/>
+          </a:xfrm>
+        </p:spPr>
+        <p:txBody>
+          <a:bodyPr>
+            <a:normAutofit/>
+          </a:bodyPr>
+          <a:lstStyle/>
+          <a:p>
+            <a:pPr algn="l"/>
+            <a:r>
+              <a:rPr lang="nb-NO" dirty="0"/>
+              <a:t>				</a:t>
+            </a:r>
+            <a:r>
+              <a:rPr lang="nb-NO" b="1" dirty="0" err="1"/>
+              <a:t>getfame</a:t>
+            </a:r>
+            <a:br>
+              <a:rPr lang="nb-NO" dirty="0"/>
+            </a:br>
+            <a:r>
+              <a:rPr lang="nb-NO" dirty="0"/>
+              <a:t>				</a:t>
+            </a:r>
+            <a:r>
+              <a:rPr lang="nb-NO" sz="2700" dirty="0"/>
+              <a:t>-n 	</a:t>
+            </a:r>
+            <a:r>
+              <a:rPr lang="nb-NO" sz="2700" dirty="0" err="1"/>
+              <a:t>names</a:t>
+            </a:r>
+            <a:r>
+              <a:rPr lang="nb-NO" sz="2700" dirty="0"/>
+              <a:t>   </a:t>
+            </a:r>
+            <a:br>
+              <a:rPr lang="nb-NO" sz="2700" dirty="0"/>
+            </a:br>
+            <a:br>
+              <a:rPr lang="nb-NO" sz="2700" dirty="0"/>
+            </a:br>
+            <a:r>
+              <a:rPr lang="nb-NO" sz="2700" dirty="0"/>
+              <a:t>				-s 	series</a:t>
+            </a:r>
+            <a:br>
+              <a:rPr lang="nb-NO" sz="2700" dirty="0"/>
+            </a:br>
+            <a:br>
+              <a:rPr lang="nb-NO" sz="2700" dirty="0"/>
+            </a:br>
+            <a:r>
+              <a:rPr lang="nb-NO" sz="2700" dirty="0"/>
+              <a:t>   				</a:t>
+            </a:r>
+            <a:r>
+              <a:rPr lang="nb-NO" sz="2700" b="1" dirty="0"/>
+              <a:t>-e 	</a:t>
+            </a:r>
+            <a:r>
+              <a:rPr lang="nb-NO" sz="2700" b="1" dirty="0" err="1"/>
+              <a:t>expression</a:t>
+            </a:r>
+            <a:endParaRPr lang="nb-NO" sz="2700" b="1" dirty="0"/>
+          </a:p>
+        </p:txBody>
+      </p:sp>
+      <p:sp>
+        <p:nvSpPr>
+          <p:cNvPr id="3" name="Undertittel 2">
+            <a:extLst>
+              <a:ext uri="{FF2B5EF4-FFF2-40B4-BE49-F238E27FC236}">
+                <a16:creationId xmlns:a16="http://schemas.microsoft.com/office/drawing/2014/main" id="{39DC26CB-CDF4-F413-A409-FA26DAE518FB}"/>
+              </a:ext>
+            </a:extLst>
+          </p:cNvPr>
+          <p:cNvSpPr>
+            <a:spLocks noGrp="1"/>
+          </p:cNvSpPr>
+          <p:nvPr>
+            <p:ph type="subTitle" idx="1"/>
+          </p:nvPr>
+        </p:nvSpPr>
+        <p:spPr>
+          <a:xfrm>
+            <a:off x="1524000" y="5394041"/>
+            <a:ext cx="9144000" cy="1353999"/>
+          </a:xfrm>
+        </p:spPr>
+        <p:txBody>
+          <a:bodyPr>
+            <a:normAutofit/>
+          </a:bodyPr>
+          <a:lstStyle/>
+          <a:p>
+            <a:r>
+              <a:rPr lang="nb-NO" sz="1200" dirty="0"/>
+              <a:t>A  JSON API 2025 to </a:t>
+            </a:r>
+            <a:r>
+              <a:rPr lang="nb-NO" sz="1200" dirty="0" err="1"/>
+              <a:t>use</a:t>
+            </a:r>
+            <a:r>
+              <a:rPr lang="nb-NO" sz="1200" dirty="0"/>
+              <a:t> from R Python and more..</a:t>
+            </a:r>
+          </a:p>
+          <a:p>
+            <a:r>
+              <a:rPr lang="nb-NO" sz="1200" i="1" dirty="0"/>
+              <a:t>Erik.Soberg@ssb.no</a:t>
+            </a:r>
+          </a:p>
+          <a:p>
+            <a:r>
+              <a:rPr lang="nb-NO" sz="1200" dirty="0"/>
+              <a:t>2025 Supports series &amp; </a:t>
+            </a:r>
+            <a:r>
+              <a:rPr lang="nb-NO" sz="1200" dirty="0" err="1"/>
+              <a:t>formulas</a:t>
+            </a:r>
+            <a:r>
+              <a:rPr lang="nb-NO" sz="1200" dirty="0"/>
+              <a:t> </a:t>
+            </a:r>
+            <a:r>
+              <a:rPr lang="nb-NO" sz="1200" dirty="0" err="1"/>
+              <a:t>with</a:t>
+            </a:r>
+            <a:r>
+              <a:rPr lang="nb-NO" sz="1200" dirty="0"/>
+              <a:t> </a:t>
+            </a:r>
+            <a:r>
+              <a:rPr lang="nb-NO" sz="1200" dirty="0" err="1"/>
+              <a:t>identical</a:t>
+            </a:r>
+            <a:r>
+              <a:rPr lang="nb-NO" sz="1200" dirty="0"/>
+              <a:t> series </a:t>
+            </a:r>
+            <a:r>
+              <a:rPr lang="nb-NO" sz="1200" dirty="0" err="1"/>
+              <a:t>names</a:t>
+            </a:r>
+            <a:r>
+              <a:rPr lang="nb-NO" sz="1200" dirty="0"/>
+              <a:t> in different FAME databases. </a:t>
+            </a:r>
+            <a:r>
+              <a:rPr lang="nb-NO" sz="1200" dirty="0" err="1"/>
+              <a:t>Evaluate</a:t>
+            </a:r>
+            <a:r>
+              <a:rPr lang="nb-NO" sz="1200" dirty="0"/>
+              <a:t> &amp; </a:t>
+            </a:r>
+            <a:r>
+              <a:rPr lang="nb-NO" sz="1200" dirty="0" err="1"/>
+              <a:t>aggregate</a:t>
+            </a:r>
+            <a:r>
+              <a:rPr lang="nb-NO" sz="1200" dirty="0"/>
+              <a:t> from </a:t>
+            </a:r>
+            <a:r>
+              <a:rPr lang="nb-NO" sz="1200" dirty="0" err="1"/>
+              <a:t>several</a:t>
+            </a:r>
+            <a:r>
+              <a:rPr lang="nb-NO" sz="1200" dirty="0"/>
+              <a:t>  databases</a:t>
+            </a:r>
+          </a:p>
+        </p:txBody>
+      </p:sp>
+      <p:pic>
+        <p:nvPicPr>
+          <p:cNvPr id="4" name="Bilde 3">
+            <a:extLst>
+              <a:ext uri="{FF2B5EF4-FFF2-40B4-BE49-F238E27FC236}">
+                <a16:creationId xmlns:a16="http://schemas.microsoft.com/office/drawing/2014/main" id="{D5925642-028B-EDDE-A85E-F4C8C2AD6176}"/>
+              </a:ext>
+            </a:extLst>
+          </p:cNvPr>
+          <p:cNvPicPr>
+            <a:picLocks noChangeAspect="1"/>
+          </p:cNvPicPr>
+          <p:nvPr/>
+        </p:nvPicPr>
+        <p:blipFill>
+          <a:blip r:embed="rId2"/>
+          <a:stretch>
+            <a:fillRect/>
+          </a:stretch>
+        </p:blipFill>
+        <p:spPr>
+          <a:xfrm>
+            <a:off x="0" y="0"/>
+            <a:ext cx="12192000" cy="480665"/>
+          </a:xfrm>
+          <a:prstGeom prst="rect">
+            <a:avLst/>
+          </a:prstGeom>
+        </p:spPr>
+      </p:pic>
+    </p:spTree>
+    <p:extLst>
+      <p:ext uri="{BB962C8B-B14F-4D97-AF65-F5344CB8AC3E}">
+        <p14:creationId xmlns:p14="http://schemas.microsoft.com/office/powerpoint/2010/main" val="3384436137"/>
+      </p:ext>
+    </p:extLst>
+  </p:cSld>
+  <p:clrMapOvr>
+    <a:masterClrMapping/>
+  </p:clrMapOvr>
+</p:sld>
+</file>
+
+<file path=ppt/slides/slide3.xml><?xml version="1.0" encoding="utf-8"?>
+<p:sld xmlns:a="http://schemas.openxmlformats.org/drawingml/2006/main" xmlns:r="http://schemas.openxmlformats.org/officeDocument/2006/relationships" xmlns:p="http://schemas.openxmlformats.org/presentationml/2006/main">
+  <p:cSld>
+    <p:spTree>
+      <p:nvGrpSpPr>
+        <p:cNvPr id="1" name=""/>
+        <p:cNvGrpSpPr/>
+        <p:nvPr/>
+      </p:nvGrpSpPr>
+      <p:grpSpPr>
+        <a:xfrm>
+          <a:off x="0" y="0"/>
+          <a:ext cx="0" cy="0"/>
+          <a:chOff x="0" y="0"/>
+          <a:chExt cx="0" cy="0"/>
+        </a:xfrm>
+      </p:grpSpPr>
+      <p:sp>
+        <p:nvSpPr>
+          <p:cNvPr id="2" name="Tittel 1">
+            <a:extLst>
+              <a:ext uri="{FF2B5EF4-FFF2-40B4-BE49-F238E27FC236}">
                 <a16:creationId xmlns:a16="http://schemas.microsoft.com/office/drawing/2014/main" id="{DFBB0316-D0CD-3606-DC7C-96F54FD658B0}"/>
               </a:ext>
             </a:extLst>
@@ -5772,23 +5721,27 @@
             </a:r>
             <a:r>
               <a:rPr lang="nb-NO" b="1" dirty="0"/>
-              <a:t>-n   </a:t>
-            </a:r>
-            <a:r>
-              <a:rPr lang="nb-NO" sz="2200" b="1" dirty="0" err="1"/>
+              <a:t>-n          </a:t>
+            </a:r>
+            <a:r>
+              <a:rPr lang="nb-NO" b="1" dirty="0" err="1">
+                <a:solidFill>
+                  <a:schemeClr val="bg2">
+                    <a:lumMod val="50000"/>
+                  </a:schemeClr>
+                </a:solidFill>
+              </a:rPr>
               <a:t>gets</a:t>
             </a:r>
             <a:r>
-              <a:rPr lang="nb-NO" sz="2200" b="1" dirty="0"/>
-              <a:t> FAME </a:t>
-            </a:r>
-            <a:r>
-              <a:rPr lang="nb-NO" sz="2200" b="1" dirty="0" err="1"/>
-              <a:t>names</a:t>
-            </a:r>
-            <a:r>
-              <a:rPr lang="nb-NO" sz="2200" b="1" dirty="0"/>
-              <a:t> and metadata</a:t>
+              <a:rPr lang="nb-NO" b="1" dirty="0">
+                <a:solidFill>
+                  <a:schemeClr val="bg2">
+                    <a:lumMod val="50000"/>
+                  </a:schemeClr>
+                </a:solidFill>
+              </a:rPr>
+              <a:t> FAME metadata</a:t>
             </a:r>
           </a:p>
         </p:txBody>
@@ -5825,10 +5778,10 @@
       </p:pic>
       <p:pic>
         <p:nvPicPr>
-          <p:cNvPr id="8" name="Bilde 7">
-            <a:extLst>
-              <a:ext uri="{FF2B5EF4-FFF2-40B4-BE49-F238E27FC236}">
-                <a16:creationId xmlns:a16="http://schemas.microsoft.com/office/drawing/2014/main" id="{88CD9E13-7551-C828-3770-14A14667C05B}"/>
+          <p:cNvPr id="5" name="Bilde 4">
+            <a:extLst>
+              <a:ext uri="{FF2B5EF4-FFF2-40B4-BE49-F238E27FC236}">
+                <a16:creationId xmlns:a16="http://schemas.microsoft.com/office/drawing/2014/main" id="{F569C27B-5219-D76E-4C2E-3774BFA483F7}"/>
               </a:ext>
             </a:extLst>
           </p:cNvPr>
@@ -5845,8 +5798,8 @@
         </p:blipFill>
         <p:spPr>
           <a:xfrm>
-            <a:off x="115335" y="1502796"/>
-            <a:ext cx="12076665" cy="5355203"/>
+            <a:off x="112093" y="-48126"/>
+            <a:ext cx="11964572" cy="6100010"/>
           </a:xfrm>
           <a:prstGeom prst="rect">
             <a:avLst/>
@@ -5866,7 +5819,7 @@
 </p:sld>
 </file>
 
-<file path=ppt/slides/slide3.xml><?xml version="1.0" encoding="utf-8"?>
+<file path=ppt/slides/slide4.xml><?xml version="1.0" encoding="utf-8"?>
 <p:sld xmlns:a="http://schemas.openxmlformats.org/drawingml/2006/main" xmlns:r="http://schemas.openxmlformats.org/officeDocument/2006/relationships" xmlns:p="http://schemas.openxmlformats.org/presentationml/2006/main">
   <p:cSld>
     <p:spTree>
@@ -5960,54 +5913,94 @@
               <a:t> </a:t>
             </a:r>
             <a:r>
-              <a:rPr lang="nb-NO" sz="2800" dirty="0" err="1"/>
-              <a:t>with</a:t>
-            </a:r>
-            <a:r>
-              <a:rPr lang="nb-NO" sz="2800" dirty="0"/>
+              <a:rPr lang="nb-NO" sz="3600" dirty="0" err="1">
+                <a:solidFill>
+                  <a:schemeClr val="bg2">
+                    <a:lumMod val="50000"/>
+                  </a:schemeClr>
+                </a:solidFill>
+              </a:rPr>
+              <a:t>identical</a:t>
+            </a:r>
+            <a:r>
+              <a:rPr lang="nb-NO" sz="3600" dirty="0">
+                <a:solidFill>
+                  <a:schemeClr val="bg2">
+                    <a:lumMod val="50000"/>
+                  </a:schemeClr>
+                </a:solidFill>
+              </a:rPr>
               <a:t> </a:t>
             </a:r>
             <a:r>
-              <a:rPr lang="nb-NO" sz="2800" dirty="0" err="1"/>
+              <a:rPr lang="nb-NO" sz="3600" dirty="0" err="1">
+                <a:solidFill>
+                  <a:schemeClr val="bg2">
+                    <a:lumMod val="50000"/>
+                  </a:schemeClr>
+                </a:solidFill>
+              </a:rPr>
+              <a:t>databasenames</a:t>
+            </a:r>
+            <a:r>
+              <a:rPr lang="nb-NO" sz="3600" dirty="0">
+                <a:solidFill>
+                  <a:schemeClr val="bg2">
+                    <a:lumMod val="50000"/>
+                  </a:schemeClr>
+                </a:solidFill>
+              </a:rPr>
+              <a:t> &amp; </a:t>
+            </a:r>
+            <a:r>
+              <a:rPr lang="nb-NO" sz="3600" dirty="0" err="1">
+                <a:solidFill>
+                  <a:schemeClr val="bg2">
+                    <a:lumMod val="50000"/>
+                  </a:schemeClr>
+                </a:solidFill>
+              </a:rPr>
               <a:t>identical</a:t>
             </a:r>
             <a:r>
-              <a:rPr lang="nb-NO" sz="2800" dirty="0"/>
-              <a:t> databases </a:t>
-            </a:r>
-            <a:r>
-              <a:rPr lang="nb-NO" sz="2800" dirty="0" err="1"/>
-              <a:t>identical</a:t>
-            </a:r>
-            <a:r>
-              <a:rPr lang="nb-NO" sz="2800" dirty="0"/>
+              <a:rPr lang="nb-NO" sz="3600" dirty="0">
+                <a:solidFill>
+                  <a:schemeClr val="bg2">
+                    <a:lumMod val="50000"/>
+                  </a:schemeClr>
+                </a:solidFill>
+              </a:rPr>
               <a:t> </a:t>
             </a:r>
             <a:r>
-              <a:rPr lang="nb-NO" sz="2800" dirty="0" err="1"/>
+              <a:rPr lang="nb-NO" sz="3600" dirty="0" err="1">
+                <a:solidFill>
+                  <a:schemeClr val="bg2">
+                    <a:lumMod val="50000"/>
+                  </a:schemeClr>
+                </a:solidFill>
+              </a:rPr>
               <a:t>seriesnames</a:t>
             </a:r>
             <a:r>
-              <a:rPr lang="nb-NO" sz="2800" dirty="0"/>
-              <a:t> different </a:t>
-            </a:r>
-            <a:r>
-              <a:rPr lang="nb-NO" sz="2800" dirty="0" err="1"/>
-              <a:t>places</a:t>
-            </a:r>
-            <a:r>
-              <a:rPr lang="nb-NO" sz="2800" dirty="0"/>
-              <a:t>)</a:t>
+              <a:rPr lang="nb-NO" sz="3600" dirty="0">
+                <a:solidFill>
+                  <a:schemeClr val="bg2">
+                    <a:lumMod val="50000"/>
+                  </a:schemeClr>
+                </a:solidFill>
+              </a:rPr>
+              <a:t> ..</a:t>
             </a:r>
           </a:p>
         </p:txBody>
       </p:sp>
       <p:pic>
         <p:nvPicPr>
-          <p:cNvPr id="5" name="Bilde 4">
-            <a:extLst>
-              <a:ext uri="{FF2B5EF4-FFF2-40B4-BE49-F238E27FC236}">
-                <a16:creationId xmlns:a16="http://schemas.microsoft.com/office/drawing/2014/main" id="{3F39E6F9-8060-35D7-872A-CD5B7DCAFBBF}"/>
+          <p:cNvPr id="4" name="Bilde 3">
+            <a:extLst>
+              <a:ext uri="{FF2B5EF4-FFF2-40B4-BE49-F238E27FC236}">
+                <a16:creationId xmlns:a16="http://schemas.microsoft.com/office/drawing/2014/main" id="{DE0624ED-5FED-5B51-87A9-73B99A98B15F}"/>
               </a:ext>
             </a:extLst>
           </p:cNvPr>
@@ -6024,8 +6017,8 @@
         </p:blipFill>
         <p:spPr>
           <a:xfrm>
-            <a:off x="350729" y="1799996"/>
-            <a:ext cx="11611627" cy="4567405"/>
+            <a:off x="80951" y="1575251"/>
+            <a:ext cx="12030097" cy="4512727"/>
           </a:xfrm>
           <a:prstGeom prst="rect">
             <a:avLst/>
@@ -6045,7 +6038,7 @@
 </p:sld>
 </file>
 
-<file path=ppt/slides/slide4.xml><?xml version="1.0" encoding="utf-8"?>
+<file path=ppt/slides/slide5.xml><?xml version="1.0" encoding="utf-8"?>
 <p:sld xmlns:a="http://schemas.openxmlformats.org/drawingml/2006/main" xmlns:r="http://schemas.openxmlformats.org/officeDocument/2006/relationships" xmlns:p="http://schemas.openxmlformats.org/presentationml/2006/main">
   <p:cSld>
     <p:spTree>
@@ -6102,11 +6095,7 @@
             </a:r>
             <a:r>
               <a:rPr lang="nb-NO" b="1" dirty="0"/>
-              <a:t> -n   </a:t>
-            </a:r>
-            <a:r>
-              <a:rPr lang="nb-NO" sz="2200" b="1" dirty="0" err="1"/>
-              <a:t>flexibility</a:t>
+              <a:t> -n  </a:t>
             </a:r>
             <a:br>
               <a:rPr lang="nb-NO" sz="2200" b="1" dirty="0"/>
@@ -6160,7 +6149,7 @@
             </a:r>
             <a:r>
               <a:rPr lang="nb-NO" sz="2000" b="1" dirty="0"/>
-              <a:t>, or series </a:t>
+              <a:t> / series,  </a:t>
             </a:r>
             <a:r>
               <a:rPr lang="nb-NO" sz="2000" b="1" dirty="0" err="1"/>
@@ -6169,6 +6158,14 @@
             <a:r>
               <a:rPr lang="nb-NO" sz="2000" b="1" dirty="0"/>
               <a:t> </a:t>
+            </a:r>
+            <a:r>
+              <a:rPr lang="nb-NO" sz="2000" b="1" dirty="0" err="1"/>
+              <a:t>correct</a:t>
+            </a:r>
+            <a:r>
+              <a:rPr lang="nb-NO" sz="2000" b="1" dirty="0"/>
+              <a:t> or </a:t>
             </a:r>
             <a:r>
               <a:rPr lang="nb-NO" sz="2000" b="1" dirty="0" err="1"/>
@@ -6203,7 +6200,31 @@
             </a:r>
             <a:r>
               <a:rPr lang="nb-NO" sz="2000" b="1" dirty="0"/>
-              <a:t> lists all series in </a:t>
+              <a:t> lists series, given 2 </a:t>
+            </a:r>
+            <a:r>
+              <a:rPr lang="nb-NO" sz="2000" b="1" dirty="0" err="1"/>
+              <a:t>wildcards</a:t>
+            </a:r>
+            <a:r>
+              <a:rPr lang="nb-NO" sz="2000" b="1" dirty="0"/>
+              <a:t>, </a:t>
+            </a:r>
+            <a:r>
+              <a:rPr lang="nb-NO" sz="2000" b="1" dirty="0" err="1"/>
+              <a:t>but</a:t>
+            </a:r>
+            <a:r>
+              <a:rPr lang="nb-NO" sz="2000" b="1" dirty="0"/>
+              <a:t> show  </a:t>
+            </a:r>
+            <a:r>
+              <a:rPr lang="nb-NO" sz="2000" b="1" dirty="0" err="1"/>
+              <a:t>only</a:t>
+            </a:r>
+            <a:r>
+              <a:rPr lang="nb-NO" sz="2000" b="1" dirty="0"/>
+              <a:t> </a:t>
             </a:r>
             <a:r>
               <a:rPr lang="nb-NO" sz="2000" b="1" dirty="0" err="1"/>
@@ -6211,11 +6232,19 @@
             </a:r>
             <a:r>
               <a:rPr lang="nb-NO" sz="2000" b="1" dirty="0"/>
-              <a:t> database </a:t>
+              <a:t> </a:t>
             </a:r>
             <a:r>
               <a:rPr lang="nb-NO" sz="2000" b="1" dirty="0" err="1"/>
-              <a:t>but</a:t>
+              <a:t>one</a:t>
+            </a:r>
+            <a:r>
+              <a:rPr lang="nb-NO" sz="2000" b="1" dirty="0"/>
+              <a:t>(s) </a:t>
+            </a:r>
+            <a:r>
+              <a:rPr lang="nb-NO" sz="2000" b="1" dirty="0" err="1"/>
+              <a:t>containing</a:t>
             </a:r>
             <a:r>
               <a:rPr lang="nb-NO" sz="2000" b="1" dirty="0"/>
@@ -6223,14 +6252,6 @@
             </a:r>
             <a:r>
               <a:rPr lang="nb-NO" sz="2000" b="1" dirty="0" err="1"/>
-              <a:t>only</a:t>
-            </a:r>
-            <a:r>
-              <a:rPr lang="nb-NO" sz="2000" b="1" dirty="0"/>
-              <a:t> show </a:t>
-            </a:r>
-            <a:r>
-              <a:rPr lang="nb-NO" sz="2000" b="1" dirty="0" err="1"/>
               <a:t>the</a:t>
             </a:r>
             <a:r>
@@ -6239,35 +6260,11 @@
             </a:r>
             <a:r>
               <a:rPr lang="nb-NO" sz="2000" b="1" dirty="0" err="1"/>
-              <a:t>one</a:t>
+              <a:t>text</a:t>
             </a:r>
             <a:r>
               <a:rPr lang="nb-NO" sz="2000" b="1" dirty="0"/>
-              <a:t> </a:t>
-            </a:r>
-            <a:r>
-              <a:rPr lang="nb-NO" sz="2000" b="1" dirty="0" err="1"/>
-              <a:t>with</a:t>
-            </a:r>
-            <a:r>
-              <a:rPr lang="nb-NO" sz="2000" b="1" dirty="0"/>
-              <a:t> </a:t>
-            </a:r>
-            <a:r>
-              <a:rPr lang="nb-NO" sz="2000" b="1" dirty="0" err="1"/>
-              <a:t>the</a:t>
-            </a:r>
-            <a:r>
-              <a:rPr lang="nb-NO" sz="2000" b="1" dirty="0"/>
-              <a:t> </a:t>
-            </a:r>
-            <a:r>
-              <a:rPr lang="nb-NO" sz="2000" b="1" dirty="0" err="1"/>
-              <a:t>text</a:t>
-            </a:r>
-            <a:r>
-              <a:rPr lang="nb-NO" sz="2000" b="1" dirty="0"/>
-              <a:t> «SUMM»</a:t>
+              <a:t> «SUM»</a:t>
             </a:r>
           </a:p>
         </p:txBody>
@@ -6304,10 +6301,10 @@
       </p:pic>
       <p:pic>
         <p:nvPicPr>
-          <p:cNvPr id="5" name="Bilde 4">
-            <a:extLst>
-              <a:ext uri="{FF2B5EF4-FFF2-40B4-BE49-F238E27FC236}">
-                <a16:creationId xmlns:a16="http://schemas.microsoft.com/office/drawing/2014/main" id="{77787F12-A7E4-0FBD-A839-2B56C845646B}"/>
+          <p:cNvPr id="8" name="Bilde 7">
+            <a:extLst>
+              <a:ext uri="{FF2B5EF4-FFF2-40B4-BE49-F238E27FC236}">
+                <a16:creationId xmlns:a16="http://schemas.microsoft.com/office/drawing/2014/main" id="{EDE45700-93D3-B553-01EC-CCBC52BF6130}"/>
               </a:ext>
             </a:extLst>
           </p:cNvPr>
@@ -6324,8 +6321,8 @@
         </p:blipFill>
         <p:spPr>
           <a:xfrm>
-            <a:off x="0" y="3429000"/>
-            <a:ext cx="12192000" cy="1039618"/>
+            <a:off x="0" y="3088861"/>
+            <a:ext cx="12192000" cy="680278"/>
           </a:xfrm>
           <a:prstGeom prst="rect">
             <a:avLst/>
@@ -6336,176 +6333,6 @@
     <p:extLst>
       <p:ext uri="{BB962C8B-B14F-4D97-AF65-F5344CB8AC3E}">
         <p14:creationId xmlns:p14="http://schemas.microsoft.com/office/powerpoint/2010/main" val="691315639"/>
-      </p:ext>
-    </p:extLst>
-  </p:cSld>
-  <p:clrMapOvr>
-    <a:masterClrMapping/>
-  </p:clrMapOvr>
-</p:sld>
-</file>
-
-<file path=ppt/slides/slide5.xml><?xml version="1.0" encoding="utf-8"?>
-<p:sld xmlns:a="http://schemas.openxmlformats.org/drawingml/2006/main" xmlns:r="http://schemas.openxmlformats.org/officeDocument/2006/relationships" xmlns:p="http://schemas.openxmlformats.org/presentationml/2006/main">
-  <p:cSld>
-    <p:spTree>
-      <p:nvGrpSpPr>
-        <p:cNvPr id="1" name=""/>
-        <p:cNvGrpSpPr/>
-        <p:nvPr/>
-      </p:nvGrpSpPr>
-      <p:grpSpPr>
-        <a:xfrm>
-          <a:off x="0" y="0"/>
-          <a:ext cx="0" cy="0"/>
-          <a:chOff x="0" y="0"/>
-          <a:chExt cx="0" cy="0"/>
-        </a:xfrm>
-      </p:grpSpPr>
-      <p:sp>
-        <p:nvSpPr>
-          <p:cNvPr id="2" name="Tittel 1">
-            <a:extLst>
-              <a:ext uri="{FF2B5EF4-FFF2-40B4-BE49-F238E27FC236}">
-                <a16:creationId xmlns:a16="http://schemas.microsoft.com/office/drawing/2014/main" id="{DFBB0316-D0CD-3606-DC7C-96F54FD658B0}"/>
-              </a:ext>
-            </a:extLst>
-          </p:cNvPr>
-          <p:cNvSpPr>
-            <a:spLocks noGrp="1"/>
-          </p:cNvSpPr>
-          <p:nvPr>
-            <p:ph type="title"/>
-          </p:nvPr>
-        </p:nvSpPr>
-        <p:spPr>
-          <a:xfrm>
-            <a:off x="626302" y="365125"/>
-            <a:ext cx="10727498" cy="1325563"/>
-          </a:xfrm>
-        </p:spPr>
-        <p:txBody>
-          <a:bodyPr>
-            <a:normAutofit/>
-          </a:bodyPr>
-          <a:lstStyle/>
-          <a:p>
-            <a:r>
-              <a:rPr lang="nb-NO" b="1" dirty="0"/>
-              <a:t>2. </a:t>
-            </a:r>
-            <a:r>
-              <a:rPr lang="nb-NO" b="1" dirty="0" err="1"/>
-              <a:t>getfame</a:t>
-            </a:r>
-            <a:r>
-              <a:rPr lang="nb-NO" b="1" dirty="0"/>
-              <a:t> -s   </a:t>
-            </a:r>
-            <a:r>
-              <a:rPr lang="nb-NO" sz="2200" b="1" dirty="0" err="1"/>
-              <a:t>gets</a:t>
-            </a:r>
-            <a:r>
-              <a:rPr lang="nb-NO" sz="2200" b="1" dirty="0"/>
-              <a:t> data </a:t>
-            </a:r>
-            <a:r>
-              <a:rPr lang="nb-NO" sz="2200" b="1" dirty="0" err="1"/>
-              <a:t>observations</a:t>
-            </a:r>
-            <a:r>
-              <a:rPr lang="nb-NO" sz="2200" b="1" dirty="0"/>
-              <a:t> </a:t>
-            </a:r>
-            <a:r>
-              <a:rPr lang="nb-NO" sz="2200" b="1" dirty="0" err="1"/>
-              <a:t>with</a:t>
-            </a:r>
-            <a:r>
-              <a:rPr lang="nb-NO" sz="2200" b="1" dirty="0"/>
-              <a:t> [</a:t>
-            </a:r>
-            <a:r>
-              <a:rPr lang="nb-NO" sz="2200" b="1" dirty="0" err="1"/>
-              <a:t>time,value</a:t>
-            </a:r>
-            <a:r>
-              <a:rPr lang="nb-NO" sz="2200" b="1" dirty="0"/>
-              <a:t>] </a:t>
-            </a:r>
-            <a:r>
-              <a:rPr lang="nb-NO" sz="2200" b="1" dirty="0" err="1"/>
-              <a:t>touplets</a:t>
-            </a:r>
-            <a:endParaRPr lang="nb-NO" sz="2200" b="1" dirty="0"/>
-          </a:p>
-        </p:txBody>
-      </p:sp>
-      <p:pic>
-        <p:nvPicPr>
-          <p:cNvPr id="4" name="Bilde 3">
-            <a:extLst>
-              <a:ext uri="{FF2B5EF4-FFF2-40B4-BE49-F238E27FC236}">
-                <a16:creationId xmlns:a16="http://schemas.microsoft.com/office/drawing/2014/main" id="{5B08FFE5-B247-2BCC-E5EB-F2EA107B4F2D}"/>
-              </a:ext>
-            </a:extLst>
-          </p:cNvPr>
-          <p:cNvPicPr>
-            <a:picLocks noChangeAspect="1"/>
-          </p:cNvPicPr>
-          <p:nvPr/>
-        </p:nvPicPr>
-        <p:blipFill>
-          <a:blip r:embed="rId2"/>
-          <a:stretch>
-            <a:fillRect/>
-          </a:stretch>
-        </p:blipFill>
-        <p:spPr>
-          <a:xfrm>
-            <a:off x="0" y="0"/>
-            <a:ext cx="12192000" cy="480665"/>
-          </a:xfrm>
-          <a:prstGeom prst="rect">
-            <a:avLst/>
-          </a:prstGeom>
-        </p:spPr>
-      </p:pic>
-      <p:pic>
-        <p:nvPicPr>
-          <p:cNvPr id="10" name="Bilde 9">
-            <a:extLst>
-              <a:ext uri="{FF2B5EF4-FFF2-40B4-BE49-F238E27FC236}">
-                <a16:creationId xmlns:a16="http://schemas.microsoft.com/office/drawing/2014/main" id="{C8E96579-B6B4-BD04-FC9A-19DDA7A0B941}"/>
-              </a:ext>
-            </a:extLst>
-          </p:cNvPr>
-          <p:cNvPicPr>
-            <a:picLocks noChangeAspect="1"/>
-          </p:cNvPicPr>
-          <p:nvPr/>
-        </p:nvPicPr>
-        <p:blipFill>
-          <a:blip r:embed="rId3"/>
-          <a:stretch>
-            <a:fillRect/>
-          </a:stretch>
-        </p:blipFill>
-        <p:spPr>
-          <a:xfrm>
-            <a:off x="626302" y="1391380"/>
-            <a:ext cx="10515600" cy="5466620"/>
-          </a:xfrm>
-          <a:prstGeom prst="rect">
-            <a:avLst/>
-          </a:prstGeom>
-        </p:spPr>
-      </p:pic>
-    </p:spTree>
-    <p:extLst>
-      <p:ext uri="{BB962C8B-B14F-4D97-AF65-F5344CB8AC3E}">
-        <p14:creationId xmlns:p14="http://schemas.microsoft.com/office/powerpoint/2010/main" val="3938681634"/>
       </p:ext>
     </p:extLst>
   </p:cSld>
@@ -6537,6 +6364,189 @@
           <p:cNvPr id="2" name="Tittel 1">
             <a:extLst>
               <a:ext uri="{FF2B5EF4-FFF2-40B4-BE49-F238E27FC236}">
+                <a16:creationId xmlns:a16="http://schemas.microsoft.com/office/drawing/2014/main" id="{DFBB0316-D0CD-3606-DC7C-96F54FD658B0}"/>
+              </a:ext>
+            </a:extLst>
+          </p:cNvPr>
+          <p:cNvSpPr>
+            <a:spLocks noGrp="1"/>
+          </p:cNvSpPr>
+          <p:nvPr>
+            <p:ph type="title"/>
+          </p:nvPr>
+        </p:nvSpPr>
+        <p:spPr>
+          <a:xfrm>
+            <a:off x="626302" y="365125"/>
+            <a:ext cx="11433020" cy="1325563"/>
+          </a:xfrm>
+        </p:spPr>
+        <p:txBody>
+          <a:bodyPr>
+            <a:normAutofit/>
+          </a:bodyPr>
+          <a:lstStyle/>
+          <a:p>
+            <a:r>
+              <a:rPr lang="nb-NO" b="1" dirty="0"/>
+              <a:t>2. </a:t>
+            </a:r>
+            <a:r>
+              <a:rPr lang="nb-NO" b="1" dirty="0" err="1"/>
+              <a:t>getfame</a:t>
+            </a:r>
+            <a:r>
+              <a:rPr lang="nb-NO" b="1" dirty="0"/>
+              <a:t> -s   </a:t>
+            </a:r>
+            <a:r>
+              <a:rPr lang="nb-NO" sz="3200" b="1" dirty="0" err="1">
+                <a:solidFill>
+                  <a:schemeClr val="bg2">
+                    <a:lumMod val="50000"/>
+                  </a:schemeClr>
+                </a:solidFill>
+              </a:rPr>
+              <a:t>gets</a:t>
+            </a:r>
+            <a:r>
+              <a:rPr lang="nb-NO" sz="3200" b="1" dirty="0">
+                <a:solidFill>
+                  <a:schemeClr val="bg2">
+                    <a:lumMod val="50000"/>
+                  </a:schemeClr>
+                </a:solidFill>
+              </a:rPr>
+              <a:t> </a:t>
+            </a:r>
+            <a:r>
+              <a:rPr lang="nb-NO" sz="3200" b="1" dirty="0" err="1">
+                <a:solidFill>
+                  <a:schemeClr val="bg2">
+                    <a:lumMod val="50000"/>
+                  </a:schemeClr>
+                </a:solidFill>
+              </a:rPr>
+              <a:t>observations</a:t>
+            </a:r>
+            <a:r>
+              <a:rPr lang="nb-NO" sz="3200" b="1" dirty="0">
+                <a:solidFill>
+                  <a:schemeClr val="bg2">
+                    <a:lumMod val="50000"/>
+                  </a:schemeClr>
+                </a:solidFill>
+              </a:rPr>
+              <a:t> from different databases</a:t>
+            </a:r>
+            <a:r>
+              <a:rPr lang="nb-NO" sz="2200" b="1" dirty="0">
+                <a:solidFill>
+                  <a:schemeClr val="bg2">
+                    <a:lumMod val="50000"/>
+                  </a:schemeClr>
+                </a:solidFill>
+              </a:rPr>
+              <a:t>. </a:t>
+            </a:r>
+          </a:p>
+        </p:txBody>
+      </p:sp>
+      <p:pic>
+        <p:nvPicPr>
+          <p:cNvPr id="4" name="Bilde 3">
+            <a:extLst>
+              <a:ext uri="{FF2B5EF4-FFF2-40B4-BE49-F238E27FC236}">
+                <a16:creationId xmlns:a16="http://schemas.microsoft.com/office/drawing/2014/main" id="{5B08FFE5-B247-2BCC-E5EB-F2EA107B4F2D}"/>
+              </a:ext>
+            </a:extLst>
+          </p:cNvPr>
+          <p:cNvPicPr>
+            <a:picLocks noChangeAspect="1"/>
+          </p:cNvPicPr>
+          <p:nvPr/>
+        </p:nvPicPr>
+        <p:blipFill>
+          <a:blip r:embed="rId2"/>
+          <a:stretch>
+            <a:fillRect/>
+          </a:stretch>
+        </p:blipFill>
+        <p:spPr>
+          <a:xfrm>
+            <a:off x="0" y="0"/>
+            <a:ext cx="12192000" cy="480665"/>
+          </a:xfrm>
+          <a:prstGeom prst="rect">
+            <a:avLst/>
+          </a:prstGeom>
+        </p:spPr>
+      </p:pic>
+      <p:pic>
+        <p:nvPicPr>
+          <p:cNvPr id="7" name="Bilde 6">
+            <a:extLst>
+              <a:ext uri="{FF2B5EF4-FFF2-40B4-BE49-F238E27FC236}">
+                <a16:creationId xmlns:a16="http://schemas.microsoft.com/office/drawing/2014/main" id="{F42F8EC6-FF03-4930-B40A-E2113D9F1F56}"/>
+              </a:ext>
+            </a:extLst>
+          </p:cNvPr>
+          <p:cNvPicPr>
+            <a:picLocks noChangeAspect="1"/>
+          </p:cNvPicPr>
+          <p:nvPr/>
+        </p:nvPicPr>
+        <p:blipFill>
+          <a:blip r:embed="rId3"/>
+          <a:stretch>
+            <a:fillRect/>
+          </a:stretch>
+        </p:blipFill>
+        <p:spPr>
+          <a:xfrm>
+            <a:off x="493624" y="1305448"/>
+            <a:ext cx="10575429" cy="5552552"/>
+          </a:xfrm>
+          <a:prstGeom prst="rect">
+            <a:avLst/>
+          </a:prstGeom>
+        </p:spPr>
+      </p:pic>
+    </p:spTree>
+    <p:extLst>
+      <p:ext uri="{BB962C8B-B14F-4D97-AF65-F5344CB8AC3E}">
+        <p14:creationId xmlns:p14="http://schemas.microsoft.com/office/powerpoint/2010/main" val="3938681634"/>
+      </p:ext>
+    </p:extLst>
+  </p:cSld>
+  <p:clrMapOvr>
+    <a:masterClrMapping/>
+  </p:clrMapOvr>
+</p:sld>
+</file>
+
+<file path=ppt/slides/slide7.xml><?xml version="1.0" encoding="utf-8"?>
+<p:sld xmlns:a="http://schemas.openxmlformats.org/drawingml/2006/main" xmlns:r="http://schemas.openxmlformats.org/officeDocument/2006/relationships" xmlns:p="http://schemas.openxmlformats.org/presentationml/2006/main">
+  <p:cSld>
+    <p:spTree>
+      <p:nvGrpSpPr>
+        <p:cNvPr id="1" name=""/>
+        <p:cNvGrpSpPr/>
+        <p:nvPr/>
+      </p:nvGrpSpPr>
+      <p:grpSpPr>
+        <a:xfrm>
+          <a:off x="0" y="0"/>
+          <a:ext cx="0" cy="0"/>
+          <a:chOff x="0" y="0"/>
+          <a:chExt cx="0" cy="0"/>
+        </a:xfrm>
+      </p:grpSpPr>
+      <p:sp>
+        <p:nvSpPr>
+          <p:cNvPr id="2" name="Tittel 1">
+            <a:extLst>
+              <a:ext uri="{FF2B5EF4-FFF2-40B4-BE49-F238E27FC236}">
                 <a16:creationId xmlns:a16="http://schemas.microsoft.com/office/drawing/2014/main" id="{FEB4AAE9-FB2B-9A1F-F651-F56E0C9C90D3}"/>
               </a:ext>
             </a:extLst>
@@ -6569,11 +6579,23 @@
               <a:t> -s      </a:t>
             </a:r>
             <a:r>
-              <a:rPr lang="nb-NO" sz="3200" b="1" dirty="0" err="1"/>
+              <a:rPr lang="nb-NO" sz="3200" b="1" dirty="0" err="1">
+                <a:solidFill>
+                  <a:schemeClr val="bg2">
+                    <a:lumMod val="50000"/>
+                  </a:schemeClr>
+                </a:solidFill>
+              </a:rPr>
               <a:t>getfameseries</a:t>
             </a:r>
             <a:r>
-              <a:rPr lang="nb-NO" sz="3200" dirty="0"/>
+              <a:rPr lang="nb-NO" sz="3200" b="1" dirty="0">
+                <a:solidFill>
+                  <a:schemeClr val="bg2">
+                    <a:lumMod val="50000"/>
+                  </a:schemeClr>
+                </a:solidFill>
+              </a:rPr>
               <a:t> samples</a:t>
             </a:r>
           </a:p>
@@ -6603,7 +6625,7 @@
         </p:spPr>
         <p:txBody>
           <a:bodyPr>
-            <a:normAutofit lnSpcReduction="10000"/>
+            <a:normAutofit/>
           </a:bodyPr>
           <a:lstStyle/>
           <a:p>
@@ -6611,7 +6633,7 @@
               <a:buNone/>
             </a:pPr>
             <a:r>
-              <a:rPr lang="nb-NO" sz="1600" b="1" dirty="0">
+              <a:rPr lang="nb-NO" sz="2000" b="1" dirty="0">
                 <a:solidFill>
                   <a:schemeClr val="tx2">
                     <a:lumMod val="75000"/>
@@ -6622,7 +6644,7 @@
               <a:t>$REFERTID/system/</a:t>
             </a:r>
             <a:r>
-              <a:rPr lang="nb-NO" sz="1600" b="1" dirty="0" err="1">
+              <a:rPr lang="nb-NO" sz="2000" b="1" dirty="0" err="1">
                 <a:solidFill>
                   <a:schemeClr val="tx2">
                     <a:lumMod val="75000"/>
@@ -6633,7 +6655,7 @@
               <a:t>myfame</a:t>
             </a:r>
             <a:r>
-              <a:rPr lang="nb-NO" sz="1600" b="1" dirty="0">
+              <a:rPr lang="nb-NO" sz="2000" b="1" dirty="0">
                 <a:solidFill>
                   <a:schemeClr val="tx2">
                     <a:lumMod val="75000"/>
@@ -6644,7 +6666,7 @@
               <a:t>/</a:t>
             </a:r>
             <a:r>
-              <a:rPr lang="nb-NO" sz="1600" b="1" dirty="0" err="1">
+              <a:rPr lang="nb-NO" sz="2000" b="1" dirty="0" err="1">
                 <a:solidFill>
                   <a:schemeClr val="tx2">
                     <a:lumMod val="75000"/>
@@ -6655,7 +6677,7 @@
               <a:t>api</a:t>
             </a:r>
             <a:r>
-              <a:rPr lang="nb-NO" sz="1600" b="1" dirty="0">
+              <a:rPr lang="nb-NO" sz="2000" b="1" dirty="0">
                 <a:solidFill>
                   <a:schemeClr val="tx2">
                     <a:lumMod val="75000"/>
@@ -6666,7 +6688,7 @@
               <a:t>/</a:t>
             </a:r>
             <a:r>
-              <a:rPr lang="nb-NO" sz="1600" b="1" dirty="0" err="1">
+              <a:rPr lang="nb-NO" sz="2000" b="1" dirty="0" err="1">
                 <a:solidFill>
                   <a:schemeClr val="tx2">
                     <a:lumMod val="75000"/>
@@ -6677,18 +6699,18 @@
               <a:t>getfame</a:t>
             </a:r>
             <a:r>
-              <a:rPr lang="nb-NO" sz="1600" b="1" dirty="0">
-                <a:solidFill>
-                  <a:schemeClr val="tx2">
-                    <a:lumMod val="75000"/>
-                    <a:lumOff val="25000"/>
-                  </a:schemeClr>
-                </a:solidFill>
-              </a:rPr>
-              <a:t> -s  /</a:t>
-            </a:r>
-            <a:r>
-              <a:rPr lang="nb-NO" sz="1600" b="1" dirty="0" err="1">
+              <a:rPr lang="nb-NO" sz="2000" b="1" dirty="0">
+                <a:solidFill>
+                  <a:schemeClr val="tx2">
+                    <a:lumMod val="75000"/>
+                    <a:lumOff val="25000"/>
+                  </a:schemeClr>
+                </a:solidFill>
+              </a:rPr>
+              <a:t> -s " /</a:t>
+            </a:r>
+            <a:r>
+              <a:rPr lang="nb-NO" sz="2000" b="1" dirty="0" err="1">
                 <a:solidFill>
                   <a:schemeClr val="tx2">
                     <a:lumMod val="75000"/>
@@ -6699,7 +6721,7 @@
               <a:t>ssb</a:t>
             </a:r>
             <a:r>
-              <a:rPr lang="nb-NO" sz="1600" b="1" dirty="0">
+              <a:rPr lang="nb-NO" sz="2000" b="1" dirty="0">
                 <a:solidFill>
                   <a:schemeClr val="tx2">
                     <a:lumMod val="75000"/>
@@ -6710,7 +6732,7 @@
               <a:t>/bruker/</a:t>
             </a:r>
             <a:r>
-              <a:rPr lang="nb-NO" sz="1600" b="1" dirty="0" err="1">
+              <a:rPr lang="nb-NO" sz="2000" b="1" dirty="0" err="1">
                 <a:solidFill>
                   <a:schemeClr val="tx2">
                     <a:lumMod val="75000"/>
@@ -6721,7 +6743,7 @@
               <a:t>refertid</a:t>
             </a:r>
             <a:r>
-              <a:rPr lang="nb-NO" sz="1600" b="1" dirty="0">
+              <a:rPr lang="nb-NO" sz="2000" b="1" dirty="0">
                 <a:solidFill>
                   <a:schemeClr val="tx2">
                     <a:lumMod val="75000"/>
@@ -6732,7 +6754,7 @@
               <a:t>/data/</a:t>
             </a:r>
             <a:r>
-              <a:rPr lang="nb-NO" sz="1600" b="1" dirty="0" err="1">
+              <a:rPr lang="nb-NO" sz="2000" b="1" dirty="0" err="1">
                 <a:solidFill>
                   <a:schemeClr val="tx2">
                     <a:lumMod val="75000"/>
@@ -6743,18 +6765,18 @@
               <a:t>kpi_publ.db</a:t>
             </a:r>
             <a:r>
-              <a:rPr lang="nb-NO" sz="1600" b="1" dirty="0">
-                <a:solidFill>
-                  <a:schemeClr val="tx2">
-                    <a:lumMod val="75000"/>
-                    <a:lumOff val="25000"/>
-                  </a:schemeClr>
-                </a:solidFill>
-              </a:rPr>
-              <a:t>   "</a:t>
-            </a:r>
-            <a:r>
-              <a:rPr lang="nb-NO" sz="1600" b="1" dirty="0" err="1">
+              <a:rPr lang="nb-NO" sz="2000" b="1" dirty="0">
+                <a:solidFill>
+                  <a:schemeClr val="tx2">
+                    <a:lumMod val="75000"/>
+                    <a:lumOff val="25000"/>
+                  </a:schemeClr>
+                </a:solidFill>
+              </a:rPr>
+              <a:t> " "</a:t>
+            </a:r>
+            <a:r>
+              <a:rPr lang="nb-NO" sz="2000" b="1" dirty="0" err="1">
                 <a:solidFill>
                   <a:schemeClr val="tx2">
                     <a:lumMod val="75000"/>
@@ -6765,7 +6787,7 @@
               <a:t>total.ipr</a:t>
             </a:r>
             <a:r>
-              <a:rPr lang="nb-NO" sz="1600" b="1" dirty="0">
+              <a:rPr lang="nb-NO" sz="2000" b="1" dirty="0">
                 <a:solidFill>
                   <a:schemeClr val="tx2">
                     <a:lumMod val="75000"/>
@@ -6780,7 +6802,7 @@
             <a:pPr marL="0" indent="0">
               <a:buNone/>
             </a:pPr>
-            <a:endParaRPr lang="nb-NO" sz="1600" b="1" dirty="0">
+            <a:endParaRPr lang="nb-NO" sz="2000" b="1" dirty="0">
               <a:solidFill>
                 <a:schemeClr val="tx2">
                   <a:lumMod val="75000"/>
@@ -6794,7 +6816,7 @@
               <a:buNone/>
             </a:pPr>
             <a:r>
-              <a:rPr lang="nb-NO" sz="1600" b="1" dirty="0" err="1">
+              <a:rPr lang="nb-NO" sz="2000" b="1" dirty="0" err="1">
                 <a:solidFill>
                   <a:schemeClr val="tx2">
                     <a:lumMod val="75000"/>
@@ -6805,18 +6827,18 @@
               <a:t>getfame</a:t>
             </a:r>
             <a:r>
-              <a:rPr lang="nb-NO" sz="1600" b="1" dirty="0">
-                <a:solidFill>
-                  <a:schemeClr val="tx2">
-                    <a:lumMod val="75000"/>
-                    <a:lumOff val="25000"/>
-                  </a:schemeClr>
-                </a:solidFill>
-              </a:rPr>
-              <a:t> -s  /</a:t>
-            </a:r>
-            <a:r>
-              <a:rPr lang="nb-NO" sz="1600" b="1" dirty="0" err="1">
+              <a:rPr lang="nb-NO" sz="2000" b="1" dirty="0">
+                <a:solidFill>
+                  <a:schemeClr val="tx2">
+                    <a:lumMod val="75000"/>
+                    <a:lumOff val="25000"/>
+                  </a:schemeClr>
+                </a:solidFill>
+              </a:rPr>
+              <a:t> -s " /</a:t>
+            </a:r>
+            <a:r>
+              <a:rPr lang="nb-NO" sz="2000" b="1" dirty="0" err="1">
                 <a:solidFill>
                   <a:schemeClr val="tx2">
                     <a:lumMod val="75000"/>
@@ -6827,7 +6849,7 @@
               <a:t>ssb</a:t>
             </a:r>
             <a:r>
-              <a:rPr lang="nb-NO" sz="1600" b="1" dirty="0">
+              <a:rPr lang="nb-NO" sz="2000" b="1" dirty="0">
                 <a:solidFill>
                   <a:schemeClr val="tx2">
                     <a:lumMod val="75000"/>
@@ -6838,7 +6860,7 @@
               <a:t>/bruker/</a:t>
             </a:r>
             <a:r>
-              <a:rPr lang="nb-NO" sz="1600" b="1" dirty="0" err="1">
+              <a:rPr lang="nb-NO" sz="2000" b="1" dirty="0" err="1">
                 <a:solidFill>
                   <a:schemeClr val="tx2">
                     <a:lumMod val="75000"/>
@@ -6849,7 +6871,7 @@
               <a:t>refertid</a:t>
             </a:r>
             <a:r>
-              <a:rPr lang="nb-NO" sz="1600" b="1" dirty="0">
+              <a:rPr lang="nb-NO" sz="2000" b="1" dirty="0">
                 <a:solidFill>
                   <a:schemeClr val="tx2">
                     <a:lumMod val="75000"/>
@@ -6860,7 +6882,7 @@
               <a:t>/data/</a:t>
             </a:r>
             <a:r>
-              <a:rPr lang="nb-NO" sz="1600" b="1" dirty="0" err="1">
+              <a:rPr lang="nb-NO" sz="2000" b="1" dirty="0" err="1">
                 <a:solidFill>
                   <a:schemeClr val="tx2">
                     <a:lumMod val="75000"/>
@@ -6871,18 +6893,18 @@
               <a:t>kpi_publ.db</a:t>
             </a:r>
             <a:r>
-              <a:rPr lang="nb-NO" sz="1600" b="1" dirty="0">
-                <a:solidFill>
-                  <a:schemeClr val="tx2">
-                    <a:lumMod val="75000"/>
-                    <a:lumOff val="25000"/>
-                  </a:schemeClr>
-                </a:solidFill>
-              </a:rPr>
-              <a:t>  "</a:t>
-            </a:r>
-            <a:r>
-              <a:rPr lang="nb-NO" sz="1600" b="1" dirty="0" err="1">
+              <a:rPr lang="nb-NO" sz="2000" b="1" dirty="0">
+                <a:solidFill>
+                  <a:schemeClr val="tx2">
+                    <a:lumMod val="75000"/>
+                    <a:lumOff val="25000"/>
+                  </a:schemeClr>
+                </a:solidFill>
+              </a:rPr>
+              <a:t> "  "</a:t>
+            </a:r>
+            <a:r>
+              <a:rPr lang="nb-NO" sz="2000" b="1" dirty="0" err="1">
                 <a:solidFill>
                   <a:schemeClr val="tx2">
                     <a:lumMod val="75000"/>
@@ -6893,22 +6915,22 @@
               <a:t>total.ipr</a:t>
             </a:r>
             <a:r>
-              <a:rPr lang="nb-NO" sz="1600" b="1" dirty="0">
-                <a:solidFill>
-                  <a:schemeClr val="tx2">
-                    <a:lumMod val="75000"/>
-                    <a:lumOff val="25000"/>
-                  </a:schemeClr>
-                </a:solidFill>
-              </a:rPr>
-              <a:t>, K0?IPR "   "date 2024 "</a:t>
+              <a:rPr lang="nb-NO" sz="2000" b="1" dirty="0">
+                <a:solidFill>
+                  <a:schemeClr val="tx2">
+                    <a:lumMod val="75000"/>
+                    <a:lumOff val="25000"/>
+                  </a:schemeClr>
+                </a:solidFill>
+              </a:rPr>
+              <a:t>; K0?IPR " "date 2024 "</a:t>
             </a:r>
           </a:p>
           <a:p>
             <a:pPr marL="0" indent="0">
               <a:buNone/>
             </a:pPr>
-            <a:endParaRPr lang="nb-NO" sz="1600" b="1" dirty="0">
+            <a:endParaRPr lang="nb-NO" sz="2000" b="1" dirty="0">
               <a:solidFill>
                 <a:schemeClr val="tx2">
                   <a:lumMod val="75000"/>
@@ -6922,7 +6944,7 @@
               <a:buNone/>
             </a:pPr>
             <a:r>
-              <a:rPr lang="nb-NO" sz="1600" b="1" dirty="0" err="1">
+              <a:rPr lang="nb-NO" sz="2000" b="1" dirty="0" err="1">
                 <a:solidFill>
                   <a:schemeClr val="tx2">
                     <a:lumMod val="75000"/>
@@ -6933,18 +6955,18 @@
               <a:t>getfame</a:t>
             </a:r>
             <a:r>
-              <a:rPr lang="nb-NO" sz="1600" b="1" dirty="0">
-                <a:solidFill>
-                  <a:schemeClr val="tx2">
-                    <a:lumMod val="75000"/>
-                    <a:lumOff val="25000"/>
-                  </a:schemeClr>
-                </a:solidFill>
-              </a:rPr>
-              <a:t> -s  /</a:t>
-            </a:r>
-            <a:r>
-              <a:rPr lang="nb-NO" sz="1600" b="1" dirty="0" err="1">
+              <a:rPr lang="nb-NO" sz="2000" b="1" dirty="0">
+                <a:solidFill>
+                  <a:schemeClr val="tx2">
+                    <a:lumMod val="75000"/>
+                    <a:lumOff val="25000"/>
+                  </a:schemeClr>
+                </a:solidFill>
+              </a:rPr>
+              <a:t> -s " /</a:t>
+            </a:r>
+            <a:r>
+              <a:rPr lang="nb-NO" sz="2000" b="1" dirty="0" err="1">
                 <a:solidFill>
                   <a:schemeClr val="tx2">
                     <a:lumMod val="75000"/>
@@ -6955,7 +6977,7 @@
               <a:t>ssb</a:t>
             </a:r>
             <a:r>
-              <a:rPr lang="nb-NO" sz="1600" b="1" dirty="0">
+              <a:rPr lang="nb-NO" sz="2000" b="1" dirty="0">
                 <a:solidFill>
                   <a:schemeClr val="tx2">
                     <a:lumMod val="75000"/>
@@ -6966,7 +6988,7 @@
               <a:t>/bruker/</a:t>
             </a:r>
             <a:r>
-              <a:rPr lang="nb-NO" sz="1600" b="1" dirty="0" err="1">
+              <a:rPr lang="nb-NO" sz="2000" b="1" dirty="0" err="1">
                 <a:solidFill>
                   <a:schemeClr val="tx2">
                     <a:lumMod val="75000"/>
@@ -6977,7 +6999,7 @@
               <a:t>refertid</a:t>
             </a:r>
             <a:r>
-              <a:rPr lang="nb-NO" sz="1600" b="1" dirty="0">
+              <a:rPr lang="nb-NO" sz="2000" b="1" dirty="0">
                 <a:solidFill>
                   <a:schemeClr val="tx2">
                     <a:lumMod val="75000"/>
@@ -6988,7 +7010,7 @@
               <a:t>/data/</a:t>
             </a:r>
             <a:r>
-              <a:rPr lang="nb-NO" sz="1600" b="1" dirty="0" err="1">
+              <a:rPr lang="nb-NO" sz="2000" b="1" dirty="0" err="1">
                 <a:solidFill>
                   <a:schemeClr val="tx2">
                     <a:lumMod val="75000"/>
@@ -6999,18 +7021,18 @@
               <a:t>kpi_publ.db</a:t>
             </a:r>
             <a:r>
-              <a:rPr lang="nb-NO" sz="1600" b="1" dirty="0">
-                <a:solidFill>
-                  <a:schemeClr val="tx2">
-                    <a:lumMod val="75000"/>
-                    <a:lumOff val="25000"/>
-                  </a:schemeClr>
-                </a:solidFill>
-              </a:rPr>
-              <a:t>   </a:t>
-            </a:r>
-            <a:r>
-              <a:rPr lang="nb-NO" sz="1600" b="1" dirty="0" err="1">
+              <a:rPr lang="nb-NO" sz="2000" b="1" dirty="0">
+                <a:solidFill>
+                  <a:schemeClr val="tx2">
+                    <a:lumMod val="75000"/>
+                    <a:lumOff val="25000"/>
+                  </a:schemeClr>
+                </a:solidFill>
+              </a:rPr>
+              <a:t> " "</a:t>
+            </a:r>
+            <a:r>
+              <a:rPr lang="nb-NO" sz="2000" b="1" dirty="0" err="1">
                 <a:solidFill>
                   <a:schemeClr val="tx2">
                     <a:lumMod val="75000"/>
@@ -7021,18 +7043,18 @@
               <a:t>total.ipr</a:t>
             </a:r>
             <a:r>
-              <a:rPr lang="nb-NO" sz="1600" b="1" dirty="0">
-                <a:solidFill>
-                  <a:schemeClr val="tx2">
-                    <a:lumMod val="75000"/>
-                    <a:lumOff val="25000"/>
-                  </a:schemeClr>
-                </a:solidFill>
-              </a:rPr>
-              <a:t>  "</a:t>
-            </a:r>
-            <a:r>
-              <a:rPr lang="nb-NO" sz="1600" b="1" dirty="0" err="1">
+              <a:rPr lang="nb-NO" sz="2000" b="1" dirty="0">
+                <a:solidFill>
+                  <a:schemeClr val="tx2">
+                    <a:lumMod val="75000"/>
+                    <a:lumOff val="25000"/>
+                  </a:schemeClr>
+                </a:solidFill>
+              </a:rPr>
+              <a:t>"  "</a:t>
+            </a:r>
+            <a:r>
+              <a:rPr lang="nb-NO" sz="2000" b="1" dirty="0" err="1">
                 <a:solidFill>
                   <a:schemeClr val="tx2">
                     <a:lumMod val="75000"/>
@@ -7043,7 +7065,7 @@
               <a:t>freq</a:t>
             </a:r>
             <a:r>
-              <a:rPr lang="nb-NO" sz="1600" b="1" dirty="0">
+              <a:rPr lang="nb-NO" sz="2000" b="1" dirty="0">
                 <a:solidFill>
                   <a:schemeClr val="tx2">
                     <a:lumMod val="75000"/>
@@ -7054,7 +7076,7 @@
               <a:t> m; date </a:t>
             </a:r>
             <a:r>
-              <a:rPr lang="nb-NO" sz="1600" b="1" dirty="0" err="1">
+              <a:rPr lang="nb-NO" sz="2000" b="1" dirty="0" err="1">
                 <a:solidFill>
                   <a:schemeClr val="tx2">
                     <a:lumMod val="75000"/>
@@ -7065,22 +7087,22 @@
               <a:t>thisday</a:t>
             </a:r>
             <a:r>
-              <a:rPr lang="nb-NO" sz="1600" b="1" dirty="0">
-                <a:solidFill>
-                  <a:schemeClr val="tx2">
-                    <a:lumMod val="75000"/>
-                    <a:lumOff val="25000"/>
-                  </a:schemeClr>
-                </a:solidFill>
-              </a:rPr>
-              <a:t>(m)-5 to *  "</a:t>
+              <a:rPr lang="nb-NO" sz="2000" b="1" dirty="0">
+                <a:solidFill>
+                  <a:schemeClr val="tx2">
+                    <a:lumMod val="75000"/>
+                    <a:lumOff val="25000"/>
+                  </a:schemeClr>
+                </a:solidFill>
+              </a:rPr>
+              <a:t>(m)-5 to *"</a:t>
             </a:r>
           </a:p>
           <a:p>
             <a:pPr marL="0" indent="0">
               <a:buNone/>
             </a:pPr>
-            <a:endParaRPr lang="nb-NO" sz="1600" b="1" dirty="0">
+            <a:endParaRPr lang="nb-NO" sz="2000" b="1" dirty="0">
               <a:solidFill>
                 <a:schemeClr val="tx2">
                   <a:lumMod val="75000"/>
@@ -7094,7 +7116,7 @@
               <a:buNone/>
             </a:pPr>
             <a:r>
-              <a:rPr lang="nb-NO" sz="1600" b="1" dirty="0" err="1">
+              <a:rPr lang="nb-NO" sz="2000" b="1" dirty="0" err="1">
                 <a:solidFill>
                   <a:schemeClr val="tx2">
                     <a:lumMod val="75000"/>
@@ -7105,18 +7127,18 @@
               <a:t>getfame</a:t>
             </a:r>
             <a:r>
-              <a:rPr lang="nb-NO" sz="1600" b="1" dirty="0">
-                <a:solidFill>
-                  <a:schemeClr val="tx2">
-                    <a:lumMod val="75000"/>
-                    <a:lumOff val="25000"/>
-                  </a:schemeClr>
-                </a:solidFill>
-              </a:rPr>
-              <a:t> -s   $REFERTID/data/</a:t>
-            </a:r>
-            <a:r>
-              <a:rPr lang="nb-NO" sz="1600" b="1" dirty="0" err="1">
+              <a:rPr lang="nb-NO" sz="2000" b="1" dirty="0">
+                <a:solidFill>
+                  <a:schemeClr val="tx2">
+                    <a:lumMod val="75000"/>
+                    <a:lumOff val="25000"/>
+                  </a:schemeClr>
+                </a:solidFill>
+              </a:rPr>
+              <a:t> -s "$REFERTID/data/</a:t>
+            </a:r>
+            <a:r>
+              <a:rPr lang="nb-NO" sz="2000" b="1" dirty="0" err="1">
                 <a:solidFill>
                   <a:schemeClr val="tx2">
                     <a:lumMod val="75000"/>
@@ -7127,22 +7149,22 @@
               <a:t>fornavn.db</a:t>
             </a:r>
             <a:r>
-              <a:rPr lang="nb-NO" sz="1600" b="1" dirty="0">
-                <a:solidFill>
-                  <a:schemeClr val="tx2">
-                    <a:lumMod val="75000"/>
-                    <a:lumOff val="25000"/>
-                  </a:schemeClr>
-                </a:solidFill>
-              </a:rPr>
-              <a:t>  "?ERIK,KRISTIN,JIM? "   "date 2010 to 2012 "</a:t>
+              <a:rPr lang="nb-NO" sz="2000" b="1" dirty="0">
+                <a:solidFill>
+                  <a:schemeClr val="tx2">
+                    <a:lumMod val="75000"/>
+                    <a:lumOff val="25000"/>
+                  </a:schemeClr>
+                </a:solidFill>
+              </a:rPr>
+              <a:t> "  "?ERIK;KRISTIN;JIM?" "date 2010 to 2012 "</a:t>
             </a:r>
           </a:p>
           <a:p>
             <a:pPr marL="0" indent="0">
               <a:buNone/>
             </a:pPr>
-            <a:endParaRPr lang="nb-NO" sz="1600" b="1" dirty="0">
+            <a:endParaRPr lang="nb-NO" sz="2000" b="1" dirty="0">
               <a:solidFill>
                 <a:schemeClr val="tx2">
                   <a:lumMod val="75000"/>
@@ -7156,7 +7178,7 @@
               <a:buNone/>
             </a:pPr>
             <a:r>
-              <a:rPr lang="nb-NO" sz="1600" b="1" dirty="0" err="1">
+              <a:rPr lang="nb-NO" sz="2000" b="1" dirty="0" err="1">
                 <a:solidFill>
                   <a:schemeClr val="tx2">
                     <a:lumMod val="75000"/>
@@ -7167,7 +7189,7 @@
               <a:t>getfame</a:t>
             </a:r>
             <a:r>
-              <a:rPr lang="nb-NO" sz="1600" b="1" dirty="0">
+              <a:rPr lang="nb-NO" sz="2000" b="1" dirty="0">
                 <a:solidFill>
                   <a:schemeClr val="tx2">
                     <a:lumMod val="75000"/>
@@ -7178,7 +7200,7 @@
               <a:t> -s " /</a:t>
             </a:r>
             <a:r>
-              <a:rPr lang="nb-NO" sz="1600" b="1" dirty="0" err="1">
+              <a:rPr lang="nb-NO" sz="2000" b="1" dirty="0" err="1">
                 <a:solidFill>
                   <a:schemeClr val="tx2">
                     <a:lumMod val="75000"/>
@@ -7189,7 +7211,7 @@
               <a:t>ssb</a:t>
             </a:r>
             <a:r>
-              <a:rPr lang="nb-NO" sz="1600" b="1" dirty="0">
+              <a:rPr lang="nb-NO" sz="2000" b="1" dirty="0">
                 <a:solidFill>
                   <a:schemeClr val="tx2">
                     <a:lumMod val="75000"/>
@@ -7200,7 +7222,7 @@
               <a:t>/bruker/</a:t>
             </a:r>
             <a:r>
-              <a:rPr lang="nb-NO" sz="1600" b="1" dirty="0" err="1">
+              <a:rPr lang="nb-NO" sz="2000" b="1" dirty="0" err="1">
                 <a:solidFill>
                   <a:schemeClr val="tx2">
                     <a:lumMod val="75000"/>
@@ -7211,7 +7233,7 @@
               <a:t>refertid</a:t>
             </a:r>
             <a:r>
-              <a:rPr lang="nb-NO" sz="1600" b="1" dirty="0">
+              <a:rPr lang="nb-NO" sz="2000" b="1" dirty="0">
                 <a:solidFill>
                   <a:schemeClr val="tx2">
                     <a:lumMod val="75000"/>
@@ -7222,7 +7244,7 @@
               <a:t>/data/</a:t>
             </a:r>
             <a:r>
-              <a:rPr lang="nb-NO" sz="1600" b="1" dirty="0" err="1">
+              <a:rPr lang="nb-NO" sz="2000" b="1" dirty="0" err="1">
                 <a:solidFill>
                   <a:schemeClr val="tx2">
                     <a:lumMod val="75000"/>
@@ -7233,22 +7255,22 @@
               <a:t>fornavn.db</a:t>
             </a:r>
             <a:r>
-              <a:rPr lang="nb-NO" sz="1600" b="1" dirty="0">
-                <a:solidFill>
-                  <a:schemeClr val="tx2">
-                    <a:lumMod val="75000"/>
-                    <a:lumOff val="25000"/>
-                  </a:schemeClr>
-                </a:solidFill>
-              </a:rPr>
-              <a:t>"   "?JAN?"      "date 2000 to 2005 "</a:t>
+              <a:rPr lang="nb-NO" sz="2000" b="1" dirty="0">
+                <a:solidFill>
+                  <a:schemeClr val="tx2">
+                    <a:lumMod val="75000"/>
+                    <a:lumOff val="25000"/>
+                  </a:schemeClr>
+                </a:solidFill>
+              </a:rPr>
+              <a:t>"   "?JAN?" "date 2000 to 2005 "</a:t>
             </a:r>
           </a:p>
           <a:p>
             <a:pPr marL="0" indent="0">
               <a:buNone/>
             </a:pPr>
-            <a:endParaRPr lang="nb-NO" sz="1600" b="1" dirty="0">
+            <a:endParaRPr lang="nb-NO" sz="2000" b="1" dirty="0">
               <a:solidFill>
                 <a:schemeClr val="tx2">
                   <a:lumMod val="75000"/>
@@ -7262,7 +7284,7 @@
               <a:buNone/>
             </a:pPr>
             <a:r>
-              <a:rPr lang="nb-NO" sz="1600" b="1" dirty="0" err="1">
+              <a:rPr lang="nb-NO" sz="2000" b="1" dirty="0" err="1">
                 <a:solidFill>
                   <a:schemeClr val="tx2">
                     <a:lumMod val="75000"/>
@@ -7273,84 +7295,128 @@
               <a:t>getfame</a:t>
             </a:r>
             <a:r>
-              <a:rPr lang="nb-NO" sz="1600" b="1" dirty="0">
-                <a:solidFill>
-                  <a:schemeClr val="tx2">
-                    <a:lumMod val="75000"/>
-                    <a:lumOff val="25000"/>
-                  </a:schemeClr>
-                </a:solidFill>
-              </a:rPr>
-              <a:t> -s " /</a:t>
-            </a:r>
-            <a:r>
-              <a:rPr lang="nb-NO" sz="1600" b="1" dirty="0" err="1">
-                <a:solidFill>
-                  <a:schemeClr val="tx2">
-                    <a:lumMod val="75000"/>
-                    <a:lumOff val="25000"/>
-                  </a:schemeClr>
-                </a:solidFill>
-              </a:rPr>
-              <a:t>ssb</a:t>
-            </a:r>
-            <a:r>
-              <a:rPr lang="nb-NO" sz="1600" b="1" dirty="0">
-                <a:solidFill>
-                  <a:schemeClr val="tx2">
-                    <a:lumMod val="75000"/>
-                    <a:lumOff val="25000"/>
-                  </a:schemeClr>
-                </a:solidFill>
-              </a:rPr>
-              <a:t>/bruker/</a:t>
-            </a:r>
-            <a:r>
-              <a:rPr lang="nb-NO" sz="1600" b="1" dirty="0" err="1">
-                <a:solidFill>
-                  <a:schemeClr val="tx2">
-                    <a:lumMod val="75000"/>
-                    <a:lumOff val="25000"/>
-                  </a:schemeClr>
-                </a:solidFill>
-              </a:rPr>
-              <a:t>refertid</a:t>
-            </a:r>
-            <a:r>
-              <a:rPr lang="nb-NO" sz="1600" b="1" dirty="0">
-                <a:solidFill>
-                  <a:schemeClr val="tx2">
-                    <a:lumMod val="75000"/>
-                    <a:lumOff val="25000"/>
-                  </a:schemeClr>
-                </a:solidFill>
-              </a:rPr>
-              <a:t>/data/</a:t>
-            </a:r>
-            <a:r>
-              <a:rPr lang="nb-NO" sz="1600" b="1" dirty="0" err="1">
-                <a:solidFill>
-                  <a:schemeClr val="tx2">
-                    <a:lumMod val="75000"/>
-                    <a:lumOff val="25000"/>
-                  </a:schemeClr>
-                </a:solidFill>
-              </a:rPr>
-              <a:t>fornavn.db</a:t>
-            </a:r>
-            <a:r>
-              <a:rPr lang="nb-NO" sz="1600" b="1" dirty="0">
-                <a:solidFill>
-                  <a:schemeClr val="tx2">
-                    <a:lumMod val="75000"/>
-                    <a:lumOff val="25000"/>
-                  </a:schemeClr>
-                </a:solidFill>
-              </a:rPr>
-              <a:t>"   "JI? "  "date 2000 to *; </a:t>
-            </a:r>
-            <a:r>
-              <a:rPr lang="nb-NO" sz="1600" b="1" dirty="0" err="1">
+              <a:rPr lang="nb-NO" sz="2000" b="1" dirty="0">
+                <a:solidFill>
+                  <a:schemeClr val="tx2">
+                    <a:lumMod val="75000"/>
+                    <a:lumOff val="25000"/>
+                  </a:schemeClr>
+                </a:solidFill>
+              </a:rPr>
+              <a:t> -s  "pi1.db;cpi2.db;cpi_form.db"  "</a:t>
+            </a:r>
+            <a:r>
+              <a:rPr lang="nb-NO" sz="2000" b="1" dirty="0" err="1">
+                <a:solidFill>
+                  <a:schemeClr val="tx2">
+                    <a:lumMod val="75000"/>
+                    <a:lumOff val="25000"/>
+                  </a:schemeClr>
+                </a:solidFill>
+              </a:rPr>
+              <a:t>Total.ipr</a:t>
+            </a:r>
+            <a:r>
+              <a:rPr lang="nb-NO" sz="2000" b="1" dirty="0">
+                <a:solidFill>
+                  <a:schemeClr val="tx2">
+                    <a:lumMod val="75000"/>
+                    <a:lumOff val="25000"/>
+                  </a:schemeClr>
+                </a:solidFill>
+              </a:rPr>
+              <a:t>? " " </a:t>
+            </a:r>
+            <a:r>
+              <a:rPr lang="nb-NO" sz="2000" b="1" dirty="0" err="1">
+                <a:solidFill>
+                  <a:schemeClr val="tx2">
+                    <a:lumMod val="75000"/>
+                    <a:lumOff val="25000"/>
+                  </a:schemeClr>
+                </a:solidFill>
+              </a:rPr>
+              <a:t>convert</a:t>
+            </a:r>
+            <a:r>
+              <a:rPr lang="nb-NO" sz="2000" b="1" dirty="0">
+                <a:solidFill>
+                  <a:schemeClr val="tx2">
+                    <a:lumMod val="75000"/>
+                    <a:lumOff val="25000"/>
+                  </a:schemeClr>
+                </a:solidFill>
+              </a:rPr>
+              <a:t> </a:t>
+            </a:r>
+            <a:r>
+              <a:rPr lang="nb-NO" sz="2000" b="1" dirty="0" err="1">
+                <a:solidFill>
+                  <a:schemeClr val="tx2">
+                    <a:lumMod val="75000"/>
+                    <a:lumOff val="25000"/>
+                  </a:schemeClr>
+                </a:solidFill>
+              </a:rPr>
+              <a:t>on</a:t>
+            </a:r>
+            <a:r>
+              <a:rPr lang="nb-NO" sz="2000" b="1" dirty="0">
+                <a:solidFill>
+                  <a:schemeClr val="tx2">
+                    <a:lumMod val="75000"/>
+                    <a:lumOff val="25000"/>
+                  </a:schemeClr>
+                </a:solidFill>
+              </a:rPr>
+              <a:t>; </a:t>
+            </a:r>
+            <a:r>
+              <a:rPr lang="nb-NO" sz="2000" b="1" dirty="0" err="1">
+                <a:solidFill>
+                  <a:schemeClr val="tx2">
+                    <a:lumMod val="75000"/>
+                    <a:lumOff val="25000"/>
+                  </a:schemeClr>
+                </a:solidFill>
+              </a:rPr>
+              <a:t>freq</a:t>
+            </a:r>
+            <a:r>
+              <a:rPr lang="nb-NO" sz="2000" b="1" dirty="0">
+                <a:solidFill>
+                  <a:schemeClr val="tx2">
+                    <a:lumMod val="75000"/>
+                    <a:lumOff val="25000"/>
+                  </a:schemeClr>
+                </a:solidFill>
+              </a:rPr>
+              <a:t> </a:t>
+            </a:r>
+            <a:r>
+              <a:rPr lang="nb-NO" sz="2000" b="1" dirty="0" err="1">
+                <a:solidFill>
+                  <a:schemeClr val="tx2">
+                    <a:lumMod val="75000"/>
+                    <a:lumOff val="25000"/>
+                  </a:schemeClr>
+                </a:solidFill>
+              </a:rPr>
+              <a:t>q;date</a:t>
+            </a:r>
+            <a:r>
+              <a:rPr lang="nb-NO" sz="2000" b="1" dirty="0">
+                <a:solidFill>
+                  <a:schemeClr val="tx2">
+                    <a:lumMod val="75000"/>
+                    <a:lumOff val="25000"/>
+                  </a:schemeClr>
+                </a:solidFill>
+              </a:rPr>
+              <a:t> 2025 ; </a:t>
+            </a:r>
+            <a:r>
+              <a:rPr lang="nb-NO" sz="2000" b="1" dirty="0" err="1">
                 <a:solidFill>
                   <a:schemeClr val="tx2">
                     <a:lumMod val="75000"/>
@@ -7361,197 +7427,7 @@
               <a:t>deci</a:t>
             </a:r>
             <a:r>
-              <a:rPr lang="nb-NO" sz="1600" b="1" dirty="0">
-                <a:solidFill>
-                  <a:schemeClr val="tx2">
-                    <a:lumMod val="75000"/>
-                    <a:lumOff val="25000"/>
-                  </a:schemeClr>
-                </a:solidFill>
-              </a:rPr>
-              <a:t> 1 "</a:t>
-            </a:r>
-          </a:p>
-          <a:p>
-            <a:pPr marL="0" indent="0">
-              <a:buNone/>
-            </a:pPr>
-            <a:endParaRPr lang="nb-NO" sz="1600" b="1" dirty="0">
-              <a:solidFill>
-                <a:schemeClr val="tx2">
-                  <a:lumMod val="75000"/>
-                  <a:lumOff val="25000"/>
-                </a:schemeClr>
-              </a:solidFill>
-            </a:endParaRPr>
-          </a:p>
-          <a:p>
-            <a:pPr marL="0" indent="0">
-              <a:buNone/>
-            </a:pPr>
-            <a:r>
-              <a:rPr lang="nb-NO" sz="1600" b="1" dirty="0" err="1">
-                <a:solidFill>
-                  <a:schemeClr val="tx2">
-                    <a:lumMod val="75000"/>
-                    <a:lumOff val="25000"/>
-                  </a:schemeClr>
-                </a:solidFill>
-              </a:rPr>
-              <a:t>getfame</a:t>
-            </a:r>
-            <a:r>
-              <a:rPr lang="nb-NO" sz="1600" b="1" dirty="0">
-                <a:solidFill>
-                  <a:schemeClr val="tx2">
-                    <a:lumMod val="75000"/>
-                    <a:lumOff val="25000"/>
-                  </a:schemeClr>
-                </a:solidFill>
-              </a:rPr>
-              <a:t> -s  "</a:t>
-            </a:r>
-            <a:r>
-              <a:rPr lang="nb-NO" sz="1600" b="1" dirty="0" err="1">
-                <a:solidFill>
-                  <a:schemeClr val="tx2">
-                    <a:lumMod val="75000"/>
-                    <a:lumOff val="25000"/>
-                  </a:schemeClr>
-                </a:solidFill>
-              </a:rPr>
-              <a:t>fornavn.db</a:t>
-            </a:r>
-            <a:r>
-              <a:rPr lang="nb-NO" sz="1600" b="1" dirty="0">
-                <a:solidFill>
-                  <a:schemeClr val="tx2">
-                    <a:lumMod val="75000"/>
-                    <a:lumOff val="25000"/>
-                  </a:schemeClr>
-                </a:solidFill>
-              </a:rPr>
-              <a:t>, </a:t>
-            </a:r>
-            <a:r>
-              <a:rPr lang="nb-NO" sz="1600" b="1" dirty="0" err="1">
-                <a:solidFill>
-                  <a:schemeClr val="tx2">
-                    <a:lumMod val="75000"/>
-                    <a:lumOff val="25000"/>
-                  </a:schemeClr>
-                </a:solidFill>
-              </a:rPr>
-              <a:t>name.db</a:t>
-            </a:r>
-            <a:r>
-              <a:rPr lang="nb-NO" sz="1600" b="1" dirty="0">
-                <a:solidFill>
-                  <a:schemeClr val="tx2">
-                    <a:lumMod val="75000"/>
-                    <a:lumOff val="25000"/>
-                  </a:schemeClr>
-                </a:solidFill>
-              </a:rPr>
-              <a:t>"    "JI? ,MATT?"  "date 2000 to * ; </a:t>
-            </a:r>
-            <a:r>
-              <a:rPr lang="nb-NO" sz="1600" b="1" dirty="0" err="1">
-                <a:solidFill>
-                  <a:schemeClr val="tx2">
-                    <a:lumMod val="75000"/>
-                    <a:lumOff val="25000"/>
-                  </a:schemeClr>
-                </a:solidFill>
-              </a:rPr>
-              <a:t>deci</a:t>
-            </a:r>
-            <a:r>
-              <a:rPr lang="nb-NO" sz="1600" b="1" dirty="0">
-                <a:solidFill>
-                  <a:schemeClr val="tx2">
-                    <a:lumMod val="75000"/>
-                    <a:lumOff val="25000"/>
-                  </a:schemeClr>
-                </a:solidFill>
-              </a:rPr>
-              <a:t> 2 "</a:t>
-            </a:r>
-          </a:p>
-          <a:p>
-            <a:pPr marL="0" indent="0">
-              <a:buNone/>
-            </a:pPr>
-            <a:endParaRPr lang="nb-NO" sz="1600" b="1" dirty="0">
-              <a:solidFill>
-                <a:schemeClr val="tx2">
-                  <a:lumMod val="75000"/>
-                  <a:lumOff val="25000"/>
-                </a:schemeClr>
-              </a:solidFill>
-            </a:endParaRPr>
-          </a:p>
-          <a:p>
-            <a:pPr marL="0" indent="0">
-              <a:buNone/>
-            </a:pPr>
-            <a:r>
-              <a:rPr lang="nb-NO" sz="1600" b="1" dirty="0" err="1">
-                <a:solidFill>
-                  <a:schemeClr val="tx2">
-                    <a:lumMod val="75000"/>
-                    <a:lumOff val="25000"/>
-                  </a:schemeClr>
-                </a:solidFill>
-              </a:rPr>
-              <a:t>getfame</a:t>
-            </a:r>
-            <a:r>
-              <a:rPr lang="nb-NO" sz="1600" b="1" dirty="0">
-                <a:solidFill>
-                  <a:schemeClr val="tx2">
-                    <a:lumMod val="75000"/>
-                    <a:lumOff val="25000"/>
-                  </a:schemeClr>
-                </a:solidFill>
-              </a:rPr>
-              <a:t> -s  "pi1.db, cpi2.db,cpi_form.db"  "</a:t>
-            </a:r>
-            <a:r>
-              <a:rPr lang="nb-NO" sz="1600" b="1" dirty="0" err="1">
-                <a:solidFill>
-                  <a:schemeClr val="tx2">
-                    <a:lumMod val="75000"/>
-                    <a:lumOff val="25000"/>
-                  </a:schemeClr>
-                </a:solidFill>
-              </a:rPr>
-              <a:t>Total.ipr</a:t>
-            </a:r>
-            <a:r>
-              <a:rPr lang="nb-NO" sz="1600" b="1" dirty="0">
-                <a:solidFill>
-                  <a:schemeClr val="tx2">
-                    <a:lumMod val="75000"/>
-                    <a:lumOff val="25000"/>
-                  </a:schemeClr>
-                </a:solidFill>
-              </a:rPr>
-              <a:t>"  "date 2025 ; </a:t>
-            </a:r>
-            <a:r>
-              <a:rPr lang="nb-NO" sz="1600" b="1" dirty="0" err="1">
-                <a:solidFill>
-                  <a:schemeClr val="tx2">
-                    <a:lumMod val="75000"/>
-                    <a:lumOff val="25000"/>
-                  </a:schemeClr>
-                </a:solidFill>
-              </a:rPr>
-              <a:t>deci</a:t>
-            </a:r>
-            <a:r>
-              <a:rPr lang="nb-NO" sz="1600" b="1" dirty="0">
+              <a:rPr lang="nb-NO" sz="2000" b="1" dirty="0">
                 <a:solidFill>
                   <a:schemeClr val="tx2">
                     <a:lumMod val="75000"/>
@@ -7619,7 +7495,7 @@
 </p:sld>
 </file>
 
-<file path=ppt/slides/slide7.xml><?xml version="1.0" encoding="utf-8"?>
+<file path=ppt/slides/slide8.xml><?xml version="1.0" encoding="utf-8"?>
 <p:sld xmlns:a="http://schemas.openxmlformats.org/drawingml/2006/main" xmlns:r="http://schemas.openxmlformats.org/officeDocument/2006/relationships" xmlns:p="http://schemas.openxmlformats.org/presentationml/2006/main">
   <p:cSld>
     <p:spTree>
@@ -7658,7 +7534,7 @@
         </p:blipFill>
         <p:spPr>
           <a:xfrm>
-            <a:off x="0" y="0"/>
+            <a:off x="0" y="8352"/>
             <a:ext cx="12192000" cy="480665"/>
           </a:xfrm>
           <a:prstGeom prst="rect">
@@ -7684,8 +7560,8 @@
         </p:nvSpPr>
         <p:spPr>
           <a:xfrm>
-            <a:off x="178420" y="634458"/>
-            <a:ext cx="11418848" cy="669074"/>
+            <a:off x="0" y="0"/>
+            <a:ext cx="4120180" cy="4335332"/>
           </a:xfrm>
         </p:spPr>
         <p:txBody>
@@ -7700,27 +7576,95 @@
             </a:r>
             <a:r>
               <a:rPr lang="nb-NO" sz="4000" b="1" dirty="0"/>
-              <a:t> –s      </a:t>
-            </a:r>
-            <a:r>
-              <a:rPr lang="nb-NO" sz="4000" dirty="0"/>
-              <a:t>used from om </a:t>
-            </a:r>
-            <a:r>
-              <a:rPr lang="nb-NO" sz="4000" dirty="0" err="1"/>
-              <a:t>JupyterLab</a:t>
-            </a:r>
-            <a:r>
-              <a:rPr lang="nb-NO" sz="4000" dirty="0"/>
+              <a:t> –s </a:t>
+            </a:r>
+            <a:r>
+              <a:rPr lang="nb-NO" sz="4000" dirty="0">
+                <a:solidFill>
+                  <a:schemeClr val="bg2">
+                    <a:lumMod val="50000"/>
+                  </a:schemeClr>
+                </a:solidFill>
+              </a:rPr>
+              <a:t>   </a:t>
+            </a:r>
+            <a:br>
+              <a:rPr lang="nb-NO" sz="4000" dirty="0">
+                <a:solidFill>
+                  <a:schemeClr val="bg2">
+                    <a:lumMod val="50000"/>
+                  </a:schemeClr>
+                </a:solidFill>
+              </a:rPr>
+            </a:br>
+            <a:br>
+              <a:rPr lang="nb-NO" sz="4000" dirty="0">
+                <a:solidFill>
+                  <a:schemeClr val="bg2">
+                    <a:lumMod val="50000"/>
+                  </a:schemeClr>
+                </a:solidFill>
+              </a:rPr>
+            </a:br>
+            <a:r>
+              <a:rPr lang="nb-NO" sz="4000" b="1" dirty="0" err="1">
+                <a:solidFill>
+                  <a:schemeClr val="bg2">
+                    <a:lumMod val="50000"/>
+                  </a:schemeClr>
+                </a:solidFill>
+              </a:rPr>
+              <a:t>jupyter</a:t>
+            </a:r>
+            <a:r>
+              <a:rPr lang="nb-NO" sz="4000" b="1" dirty="0">
+                <a:solidFill>
+                  <a:schemeClr val="bg2">
+                    <a:lumMod val="50000"/>
+                  </a:schemeClr>
+                </a:solidFill>
+              </a:rPr>
               <a:t> </a:t>
             </a:r>
             <a:r>
-              <a:rPr lang="nb-NO" sz="4000" dirty="0" err="1"/>
+              <a:rPr lang="nb-NO" sz="4000" b="1" dirty="0" err="1">
+                <a:solidFill>
+                  <a:schemeClr val="bg2">
+                    <a:lumMod val="50000"/>
+                  </a:schemeClr>
+                </a:solidFill>
+              </a:rPr>
               <a:t>with</a:t>
             </a:r>
             <a:r>
-              <a:rPr lang="nb-NO" sz="4000" dirty="0"/>
-              <a:t> Python3:</a:t>
+              <a:rPr lang="nb-NO" sz="4000" b="1" dirty="0">
+                <a:solidFill>
+                  <a:schemeClr val="bg2">
+                    <a:lumMod val="50000"/>
+                  </a:schemeClr>
+                </a:solidFill>
+              </a:rPr>
+              <a:t> </a:t>
+            </a:r>
+            <a:r>
+              <a:rPr lang="nb-NO" sz="4000" b="1" dirty="0" err="1">
+                <a:solidFill>
+                  <a:schemeClr val="bg2">
+                    <a:lumMod val="50000"/>
+                  </a:schemeClr>
+                </a:solidFill>
+              </a:rPr>
+              <a:t>python</a:t>
+            </a:r>
+            <a:r>
+              <a:rPr lang="nb-NO" sz="4000" b="1" dirty="0">
+                <a:solidFill>
+                  <a:schemeClr val="bg2">
+                    <a:lumMod val="50000"/>
+                  </a:schemeClr>
+                </a:solidFill>
+              </a:rPr>
+              <a:t>:</a:t>
             </a:r>
           </a:p>
         </p:txBody>
@@ -7730,7 +7674,7 @@
           <p:cNvPr id="4" name="Bilde 3">
             <a:extLst>
               <a:ext uri="{FF2B5EF4-FFF2-40B4-BE49-F238E27FC236}">
-                <a16:creationId xmlns:a16="http://schemas.microsoft.com/office/drawing/2014/main" id="{1010BAAF-5858-FBD1-837B-F8969328F551}"/>
+                <a16:creationId xmlns:a16="http://schemas.microsoft.com/office/drawing/2014/main" id="{0CE12E3B-053B-78A3-752B-472FD57EE545}"/>
               </a:ext>
             </a:extLst>
           </p:cNvPr>
@@ -7747,8 +7691,8 @@
         </p:blipFill>
         <p:spPr>
           <a:xfrm>
-            <a:off x="624469" y="1554977"/>
-            <a:ext cx="9846790" cy="4377472"/>
+            <a:off x="4285973" y="8352"/>
+            <a:ext cx="6890657" cy="6858000"/>
           </a:xfrm>
           <a:prstGeom prst="rect">
             <a:avLst/>
@@ -7759,784 +7703,6 @@
     <p:extLst>
       <p:ext uri="{BB962C8B-B14F-4D97-AF65-F5344CB8AC3E}">
         <p14:creationId xmlns:p14="http://schemas.microsoft.com/office/powerpoint/2010/main" val="3928922958"/>
-      </p:ext>
-    </p:extLst>
-  </p:cSld>
-  <p:clrMapOvr>
-    <a:masterClrMapping/>
-  </p:clrMapOvr>
-</p:sld>
-</file>
-
-<file path=ppt/slides/slide8.xml><?xml version="1.0" encoding="utf-8"?>
-<p:sld xmlns:a="http://schemas.openxmlformats.org/drawingml/2006/main" xmlns:r="http://schemas.openxmlformats.org/officeDocument/2006/relationships" xmlns:p="http://schemas.openxmlformats.org/presentationml/2006/main">
-  <p:cSld>
-    <p:spTree>
-      <p:nvGrpSpPr>
-        <p:cNvPr id="1" name=""/>
-        <p:cNvGrpSpPr/>
-        <p:nvPr/>
-      </p:nvGrpSpPr>
-      <p:grpSpPr>
-        <a:xfrm>
-          <a:off x="0" y="0"/>
-          <a:ext cx="0" cy="0"/>
-          <a:chOff x="0" y="0"/>
-          <a:chExt cx="0" cy="0"/>
-        </a:xfrm>
-      </p:grpSpPr>
-      <p:sp>
-        <p:nvSpPr>
-          <p:cNvPr id="2" name="Tittel 1">
-            <a:extLst>
-              <a:ext uri="{FF2B5EF4-FFF2-40B4-BE49-F238E27FC236}">
-                <a16:creationId xmlns:a16="http://schemas.microsoft.com/office/drawing/2014/main" id="{DFBB0316-D0CD-3606-DC7C-96F54FD658B0}"/>
-              </a:ext>
-            </a:extLst>
-          </p:cNvPr>
-          <p:cNvSpPr>
-            <a:spLocks noGrp="1"/>
-          </p:cNvSpPr>
-          <p:nvPr>
-            <p:ph type="title"/>
-          </p:nvPr>
-        </p:nvSpPr>
-        <p:spPr/>
-        <p:txBody>
-          <a:bodyPr>
-            <a:normAutofit/>
-          </a:bodyPr>
-          <a:lstStyle/>
-          <a:p>
-            <a:r>
-              <a:rPr lang="nb-NO" b="1" dirty="0"/>
-              <a:t>3. </a:t>
-            </a:r>
-            <a:r>
-              <a:rPr lang="nb-NO" b="1" dirty="0" err="1"/>
-              <a:t>getfame</a:t>
-            </a:r>
-            <a:r>
-              <a:rPr lang="nb-NO" b="1" dirty="0"/>
-              <a:t> -e   </a:t>
-            </a:r>
-            <a:r>
-              <a:rPr lang="nb-NO" sz="2200" dirty="0" err="1"/>
-              <a:t>getfameexpression</a:t>
-            </a:r>
-            <a:br>
-              <a:rPr lang="nb-NO" sz="2200" dirty="0"/>
-            </a:br>
-            <a:r>
-              <a:rPr lang="nb-NO" sz="2200" dirty="0" err="1">
-                <a:highlight>
-                  <a:srgbClr val="FF0000"/>
-                </a:highlight>
-              </a:rPr>
-              <a:t>advanced</a:t>
-            </a:r>
-            <a:r>
-              <a:rPr lang="nb-NO" sz="2200" dirty="0">
-                <a:highlight>
-                  <a:srgbClr val="FF0000"/>
-                </a:highlight>
-              </a:rPr>
-              <a:t> mode</a:t>
-            </a:r>
-          </a:p>
-        </p:txBody>
-      </p:sp>
-      <p:sp>
-        <p:nvSpPr>
-          <p:cNvPr id="3" name="Plassholder for innhold 2">
-            <a:extLst>
-              <a:ext uri="{FF2B5EF4-FFF2-40B4-BE49-F238E27FC236}">
-                <a16:creationId xmlns:a16="http://schemas.microsoft.com/office/drawing/2014/main" id="{1D8DFEB6-340A-CDF1-38CC-64302108E5DC}"/>
-              </a:ext>
-            </a:extLst>
-          </p:cNvPr>
-          <p:cNvSpPr>
-            <a:spLocks noGrp="1"/>
-          </p:cNvSpPr>
-          <p:nvPr>
-            <p:ph idx="1"/>
-          </p:nvPr>
-        </p:nvSpPr>
-        <p:spPr>
-          <a:xfrm>
-            <a:off x="838199" y="1825625"/>
-            <a:ext cx="11078817" cy="4667250"/>
-          </a:xfrm>
-        </p:spPr>
-        <p:txBody>
-          <a:bodyPr>
-            <a:normAutofit lnSpcReduction="10000"/>
-          </a:bodyPr>
-          <a:lstStyle/>
-          <a:p>
-            <a:r>
-              <a:rPr lang="nb-NO" sz="2400" dirty="0"/>
-              <a:t>Data-</a:t>
-            </a:r>
-            <a:r>
-              <a:rPr lang="nb-NO" sz="2400" dirty="0" err="1"/>
-              <a:t>observations</a:t>
-            </a:r>
-            <a:r>
-              <a:rPr lang="nb-NO" sz="2400" dirty="0"/>
-              <a:t>, from FAME database(s) given </a:t>
-            </a:r>
-            <a:r>
-              <a:rPr lang="nb-NO" sz="2400" dirty="0" err="1"/>
-              <a:t>one</a:t>
-            </a:r>
-            <a:r>
-              <a:rPr lang="nb-NO" sz="2400" dirty="0"/>
-              <a:t> FAME-</a:t>
-            </a:r>
-            <a:r>
-              <a:rPr lang="nb-NO" sz="2400" b="1" dirty="0" err="1"/>
-              <a:t>expression</a:t>
-            </a:r>
-            <a:r>
-              <a:rPr lang="nb-NO" sz="2400" b="1" dirty="0"/>
-              <a:t>:</a:t>
-            </a:r>
-            <a:endParaRPr lang="nb-NO" sz="2400" dirty="0"/>
-          </a:p>
-          <a:p>
-            <a:pPr marL="0" indent="0">
-              <a:buNone/>
-            </a:pPr>
-            <a:endParaRPr lang="nb-NO" sz="2600" dirty="0">
-              <a:latin typeface="Courier New" panose="02070309020205020404" pitchFamily="49" charset="0"/>
-              <a:cs typeface="Courier New" panose="02070309020205020404" pitchFamily="49" charset="0"/>
-            </a:endParaRPr>
-          </a:p>
-          <a:p>
-            <a:pPr marL="0" indent="0">
-              <a:buNone/>
-            </a:pPr>
-            <a:endParaRPr lang="nb-NO" sz="2600" b="1" dirty="0">
-              <a:solidFill>
-                <a:schemeClr val="tx2">
-                  <a:lumMod val="75000"/>
-                  <a:lumOff val="25000"/>
-                </a:schemeClr>
-              </a:solidFill>
-              <a:latin typeface="Courier New" panose="02070309020205020404" pitchFamily="49" charset="0"/>
-              <a:cs typeface="Courier New" panose="02070309020205020404" pitchFamily="49" charset="0"/>
-            </a:endParaRPr>
-          </a:p>
-          <a:p>
-            <a:pPr marL="0" indent="0">
-              <a:buNone/>
-            </a:pPr>
-            <a:r>
-              <a:rPr lang="nb-NO" sz="1800" b="1" dirty="0" err="1">
-                <a:solidFill>
-                  <a:schemeClr val="tx2">
-                    <a:lumMod val="75000"/>
-                    <a:lumOff val="25000"/>
-                  </a:schemeClr>
-                </a:solidFill>
-                <a:cs typeface="Courier New" panose="02070309020205020404" pitchFamily="49" charset="0"/>
-              </a:rPr>
-              <a:t>getfame</a:t>
-            </a:r>
-            <a:r>
-              <a:rPr lang="nb-NO" sz="1800" b="1" dirty="0">
-                <a:solidFill>
-                  <a:schemeClr val="tx2">
-                    <a:lumMod val="75000"/>
-                    <a:lumOff val="25000"/>
-                  </a:schemeClr>
-                </a:solidFill>
-                <a:cs typeface="Courier New" panose="02070309020205020404" pitchFamily="49" charset="0"/>
-              </a:rPr>
-              <a:t> -e  "$REFERTID/data/</a:t>
-            </a:r>
-            <a:r>
-              <a:rPr lang="nb-NO" sz="1800" b="1" dirty="0" err="1">
-                <a:solidFill>
-                  <a:schemeClr val="tx2">
-                    <a:lumMod val="75000"/>
-                    <a:lumOff val="25000"/>
-                  </a:schemeClr>
-                </a:solidFill>
-                <a:cs typeface="Courier New" panose="02070309020205020404" pitchFamily="49" charset="0"/>
-              </a:rPr>
-              <a:t>fornavn.db</a:t>
-            </a:r>
-            <a:r>
-              <a:rPr lang="nb-NO" sz="1800" b="1" dirty="0">
-                <a:solidFill>
-                  <a:schemeClr val="tx2">
-                    <a:lumMod val="75000"/>
-                    <a:lumOff val="25000"/>
-                  </a:schemeClr>
-                </a:solidFill>
-                <a:cs typeface="Courier New" panose="02070309020205020404" pitchFamily="49" charset="0"/>
-              </a:rPr>
-              <a:t> "  "mave(ERIK,2)"  "date 2000 to 2010"</a:t>
-            </a:r>
-          </a:p>
-          <a:p>
-            <a:pPr marL="0" indent="0">
-              <a:buNone/>
-            </a:pPr>
-            <a:r>
-              <a:rPr lang="nb-NO" sz="1800" b="1" dirty="0" err="1">
-                <a:solidFill>
-                  <a:schemeClr val="tx2">
-                    <a:lumMod val="75000"/>
-                    <a:lumOff val="25000"/>
-                  </a:schemeClr>
-                </a:solidFill>
-                <a:cs typeface="Courier New" panose="02070309020205020404" pitchFamily="49" charset="0"/>
-              </a:rPr>
-              <a:t>getfame</a:t>
-            </a:r>
-            <a:r>
-              <a:rPr lang="nb-NO" sz="1800" b="1" dirty="0">
-                <a:solidFill>
-                  <a:schemeClr val="tx2">
-                    <a:lumMod val="75000"/>
-                    <a:lumOff val="25000"/>
-                  </a:schemeClr>
-                </a:solidFill>
-                <a:cs typeface="Courier New" panose="02070309020205020404" pitchFamily="49" charset="0"/>
-              </a:rPr>
-              <a:t> -e  "$REFERTID/data/</a:t>
-            </a:r>
-            <a:r>
-              <a:rPr lang="nb-NO" sz="1800" b="1" dirty="0" err="1">
-                <a:solidFill>
-                  <a:schemeClr val="tx2">
-                    <a:lumMod val="75000"/>
-                    <a:lumOff val="25000"/>
-                  </a:schemeClr>
-                </a:solidFill>
-                <a:cs typeface="Courier New" panose="02070309020205020404" pitchFamily="49" charset="0"/>
-              </a:rPr>
-              <a:t>fornavn.db</a:t>
-            </a:r>
-            <a:r>
-              <a:rPr lang="nb-NO" sz="1800" b="1" dirty="0">
-                <a:solidFill>
-                  <a:schemeClr val="tx2">
-                    <a:lumMod val="75000"/>
-                    <a:lumOff val="25000"/>
-                  </a:schemeClr>
-                </a:solidFill>
-                <a:cs typeface="Courier New" panose="02070309020205020404" pitchFamily="49" charset="0"/>
-              </a:rPr>
-              <a:t> "  "</a:t>
-            </a:r>
-            <a:r>
-              <a:rPr lang="nb-NO" sz="1800" b="1" dirty="0" err="1">
-                <a:solidFill>
-                  <a:schemeClr val="tx2">
-                    <a:lumMod val="75000"/>
-                    <a:lumOff val="25000"/>
-                  </a:schemeClr>
-                </a:solidFill>
-                <a:cs typeface="Courier New" panose="02070309020205020404" pitchFamily="49" charset="0"/>
-              </a:rPr>
-              <a:t>Lsum</a:t>
-            </a:r>
-            <a:r>
-              <a:rPr lang="nb-NO" sz="1800" b="1" dirty="0">
-                <a:solidFill>
-                  <a:schemeClr val="tx2">
-                    <a:lumMod val="75000"/>
-                    <a:lumOff val="25000"/>
-                  </a:schemeClr>
-                </a:solidFill>
-                <a:cs typeface="Courier New" panose="02070309020205020404" pitchFamily="49" charset="0"/>
-              </a:rPr>
-              <a:t>(ERIK,EIRIK)"  "date 2000 to *"</a:t>
-            </a:r>
-          </a:p>
-          <a:p>
-            <a:pPr marL="0" indent="0">
-              <a:buNone/>
-            </a:pPr>
-            <a:r>
-              <a:rPr lang="nb-NO" sz="1800" b="1" dirty="0" err="1">
-                <a:solidFill>
-                  <a:schemeClr val="tx2">
-                    <a:lumMod val="75000"/>
-                    <a:lumOff val="25000"/>
-                  </a:schemeClr>
-                </a:solidFill>
-                <a:cs typeface="Courier New" panose="02070309020205020404" pitchFamily="49" charset="0"/>
-              </a:rPr>
-              <a:t>getfame</a:t>
-            </a:r>
-            <a:r>
-              <a:rPr lang="nb-NO" sz="1800" b="1" dirty="0">
-                <a:solidFill>
-                  <a:schemeClr val="tx2">
-                    <a:lumMod val="75000"/>
-                    <a:lumOff val="25000"/>
-                  </a:schemeClr>
-                </a:solidFill>
-                <a:cs typeface="Courier New" panose="02070309020205020404" pitchFamily="49" charset="0"/>
-              </a:rPr>
-              <a:t> -e  "$REFERTID/data/</a:t>
-            </a:r>
-            <a:r>
-              <a:rPr lang="nb-NO" sz="1800" b="1" dirty="0" err="1">
-                <a:solidFill>
-                  <a:schemeClr val="tx2">
-                    <a:lumMod val="75000"/>
-                    <a:lumOff val="25000"/>
-                  </a:schemeClr>
-                </a:solidFill>
-                <a:cs typeface="Courier New" panose="02070309020205020404" pitchFamily="49" charset="0"/>
-              </a:rPr>
-              <a:t>fornavn.db</a:t>
-            </a:r>
-            <a:r>
-              <a:rPr lang="nb-NO" sz="1800" b="1" dirty="0">
-                <a:solidFill>
-                  <a:schemeClr val="tx2">
-                    <a:lumMod val="75000"/>
-                    <a:lumOff val="25000"/>
-                  </a:schemeClr>
-                </a:solidFill>
-                <a:cs typeface="Courier New" panose="02070309020205020404" pitchFamily="49" charset="0"/>
-              </a:rPr>
-              <a:t> "  "ERIK+EIRIK"  "date 2000 to *"</a:t>
-            </a:r>
-          </a:p>
-          <a:p>
-            <a:pPr marL="0" indent="0">
-              <a:buNone/>
-            </a:pPr>
-            <a:r>
-              <a:rPr lang="nb-NO" sz="1800" b="1" dirty="0" err="1">
-                <a:solidFill>
-                  <a:schemeClr val="tx2">
-                    <a:lumMod val="75000"/>
-                    <a:lumOff val="25000"/>
-                  </a:schemeClr>
-                </a:solidFill>
-                <a:cs typeface="Courier New" panose="02070309020205020404" pitchFamily="49" charset="0"/>
-              </a:rPr>
-              <a:t>getfame</a:t>
-            </a:r>
-            <a:r>
-              <a:rPr lang="nb-NO" sz="1800" b="1" dirty="0">
-                <a:solidFill>
-                  <a:schemeClr val="tx2">
-                    <a:lumMod val="75000"/>
-                    <a:lumOff val="25000"/>
-                  </a:schemeClr>
-                </a:solidFill>
-                <a:cs typeface="Courier New" panose="02070309020205020404" pitchFamily="49" charset="0"/>
-              </a:rPr>
-              <a:t> –e "$REFERTID/data/</a:t>
-            </a:r>
-            <a:r>
-              <a:rPr lang="nb-NO" sz="1800" b="1" dirty="0" err="1">
-                <a:solidFill>
-                  <a:schemeClr val="tx2">
-                    <a:lumMod val="75000"/>
-                    <a:lumOff val="25000"/>
-                  </a:schemeClr>
-                </a:solidFill>
-                <a:cs typeface="Courier New" panose="02070309020205020404" pitchFamily="49" charset="0"/>
-              </a:rPr>
-              <a:t>kpi_publ.db</a:t>
-            </a:r>
-            <a:r>
-              <a:rPr lang="nb-NO" sz="1800" b="1" dirty="0">
-                <a:solidFill>
-                  <a:schemeClr val="tx2">
-                    <a:lumMod val="75000"/>
-                    <a:lumOff val="25000"/>
-                  </a:schemeClr>
-                </a:solidFill>
-                <a:cs typeface="Courier New" panose="02070309020205020404" pitchFamily="49" charset="0"/>
-              </a:rPr>
-              <a:t>, </a:t>
-            </a:r>
-            <a:r>
-              <a:rPr lang="nb-NO" sz="1800" b="1" dirty="0" err="1">
-                <a:solidFill>
-                  <a:schemeClr val="tx2">
-                    <a:lumMod val="75000"/>
-                    <a:lumOff val="25000"/>
-                  </a:schemeClr>
-                </a:solidFill>
-                <a:cs typeface="Courier New" panose="02070309020205020404" pitchFamily="49" charset="0"/>
-              </a:rPr>
-              <a:t>mycpi.db</a:t>
-            </a:r>
-            <a:r>
-              <a:rPr lang="nb-NO" sz="1800" b="1" dirty="0">
-                <a:solidFill>
-                  <a:schemeClr val="tx2">
-                    <a:lumMod val="75000"/>
-                    <a:lumOff val="25000"/>
-                  </a:schemeClr>
-                </a:solidFill>
-                <a:cs typeface="Courier New" panose="02070309020205020404" pitchFamily="49" charset="0"/>
-              </a:rPr>
-              <a:t> " "</a:t>
-            </a:r>
-            <a:r>
-              <a:rPr lang="nb-NO" sz="1800" b="1" dirty="0" err="1">
-                <a:solidFill>
-                  <a:schemeClr val="tx2">
-                    <a:lumMod val="75000"/>
-                    <a:lumOff val="25000"/>
-                  </a:schemeClr>
-                </a:solidFill>
-                <a:cs typeface="Courier New" panose="02070309020205020404" pitchFamily="49" charset="0"/>
-              </a:rPr>
-              <a:t>convert</a:t>
-            </a:r>
-            <a:r>
-              <a:rPr lang="nb-NO" sz="1800" b="1" dirty="0">
-                <a:solidFill>
-                  <a:schemeClr val="tx2">
-                    <a:lumMod val="75000"/>
-                    <a:lumOff val="25000"/>
-                  </a:schemeClr>
-                </a:solidFill>
-                <a:cs typeface="Courier New" panose="02070309020205020404" pitchFamily="49" charset="0"/>
-              </a:rPr>
-              <a:t>(</a:t>
-            </a:r>
-            <a:r>
-              <a:rPr lang="nb-NO" sz="1800" b="1" dirty="0" err="1">
-                <a:solidFill>
-                  <a:schemeClr val="tx2">
-                    <a:lumMod val="75000"/>
-                    <a:lumOff val="25000"/>
-                  </a:schemeClr>
-                </a:solidFill>
-                <a:cs typeface="Courier New" panose="02070309020205020404" pitchFamily="49" charset="0"/>
-              </a:rPr>
-              <a:t>total.ipr,annual,constant</a:t>
-            </a:r>
-            <a:r>
-              <a:rPr lang="nb-NO" sz="1800" b="1" dirty="0">
-                <a:solidFill>
-                  <a:schemeClr val="tx2">
-                    <a:lumMod val="75000"/>
-                    <a:lumOff val="25000"/>
-                  </a:schemeClr>
-                </a:solidFill>
-                <a:cs typeface="Courier New" panose="02070309020205020404" pitchFamily="49" charset="0"/>
-              </a:rPr>
-              <a:t>) "  "date *; </a:t>
-            </a:r>
-            <a:r>
-              <a:rPr lang="nb-NO" sz="1800" b="1" dirty="0" err="1">
-                <a:solidFill>
-                  <a:schemeClr val="tx2">
-                    <a:lumMod val="75000"/>
-                    <a:lumOff val="25000"/>
-                  </a:schemeClr>
-                </a:solidFill>
-                <a:cs typeface="Courier New" panose="02070309020205020404" pitchFamily="49" charset="0"/>
-              </a:rPr>
-              <a:t>deci</a:t>
-            </a:r>
-            <a:r>
-              <a:rPr lang="nb-NO" sz="1800" b="1" dirty="0">
-                <a:solidFill>
-                  <a:schemeClr val="tx2">
-                    <a:lumMod val="75000"/>
-                    <a:lumOff val="25000"/>
-                  </a:schemeClr>
-                </a:solidFill>
-                <a:cs typeface="Courier New" panose="02070309020205020404" pitchFamily="49" charset="0"/>
-              </a:rPr>
-              <a:t> 1 "</a:t>
-            </a:r>
-          </a:p>
-          <a:p>
-            <a:pPr marL="0" indent="0">
-              <a:buNone/>
-            </a:pPr>
-            <a:r>
-              <a:rPr lang="nb-NO" sz="1800" b="1" dirty="0" err="1">
-                <a:solidFill>
-                  <a:schemeClr val="tx2">
-                    <a:lumMod val="75000"/>
-                    <a:lumOff val="25000"/>
-                  </a:schemeClr>
-                </a:solidFill>
-                <a:cs typeface="Courier New" panose="02070309020205020404" pitchFamily="49" charset="0"/>
-              </a:rPr>
-              <a:t>getfame</a:t>
-            </a:r>
-            <a:r>
-              <a:rPr lang="nb-NO" sz="1800" b="1" dirty="0">
-                <a:solidFill>
-                  <a:schemeClr val="tx2">
-                    <a:lumMod val="75000"/>
-                    <a:lumOff val="25000"/>
-                  </a:schemeClr>
-                </a:solidFill>
-                <a:cs typeface="Courier New" panose="02070309020205020404" pitchFamily="49" charset="0"/>
-              </a:rPr>
-              <a:t> -e  "$REFERTID/data/</a:t>
-            </a:r>
-            <a:r>
-              <a:rPr lang="nb-NO" sz="1800" b="1" dirty="0" err="1">
-                <a:solidFill>
-                  <a:schemeClr val="tx2">
-                    <a:lumMod val="75000"/>
-                    <a:lumOff val="25000"/>
-                  </a:schemeClr>
-                </a:solidFill>
-                <a:cs typeface="Courier New" panose="02070309020205020404" pitchFamily="49" charset="0"/>
-              </a:rPr>
-              <a:t>kpi_publ.db</a:t>
-            </a:r>
-            <a:r>
-              <a:rPr lang="nb-NO" sz="1800" b="1" dirty="0">
-                <a:solidFill>
-                  <a:schemeClr val="tx2">
-                    <a:lumMod val="75000"/>
-                    <a:lumOff val="25000"/>
-                  </a:schemeClr>
-                </a:solidFill>
-                <a:cs typeface="Courier New" panose="02070309020205020404" pitchFamily="49" charset="0"/>
-              </a:rPr>
-              <a:t>, </a:t>
-            </a:r>
-            <a:r>
-              <a:rPr lang="nb-NO" sz="1800" b="1" dirty="0" err="1">
-                <a:solidFill>
-                  <a:schemeClr val="tx2">
-                    <a:lumMod val="75000"/>
-                    <a:lumOff val="25000"/>
-                  </a:schemeClr>
-                </a:solidFill>
-                <a:cs typeface="Courier New" panose="02070309020205020404" pitchFamily="49" charset="0"/>
-              </a:rPr>
-              <a:t>mycpi.db</a:t>
-            </a:r>
-            <a:r>
-              <a:rPr lang="nb-NO" sz="1800" b="1" dirty="0">
-                <a:solidFill>
-                  <a:schemeClr val="tx2">
-                    <a:lumMod val="75000"/>
-                    <a:lumOff val="25000"/>
-                  </a:schemeClr>
-                </a:solidFill>
-                <a:cs typeface="Courier New" panose="02070309020205020404" pitchFamily="49" charset="0"/>
-              </a:rPr>
-              <a:t> "  "PCT(mycpi’K09.IPR)"  "date 2025; </a:t>
-            </a:r>
-            <a:r>
-              <a:rPr lang="nb-NO" sz="1800" b="1" dirty="0" err="1">
-                <a:solidFill>
-                  <a:schemeClr val="tx2">
-                    <a:lumMod val="75000"/>
-                    <a:lumOff val="25000"/>
-                  </a:schemeClr>
-                </a:solidFill>
-                <a:cs typeface="Courier New" panose="02070309020205020404" pitchFamily="49" charset="0"/>
-              </a:rPr>
-              <a:t>deci</a:t>
-            </a:r>
-            <a:r>
-              <a:rPr lang="nb-NO" sz="1800" b="1" dirty="0">
-                <a:solidFill>
-                  <a:schemeClr val="tx2">
-                    <a:lumMod val="75000"/>
-                    <a:lumOff val="25000"/>
-                  </a:schemeClr>
-                </a:solidFill>
-                <a:cs typeface="Courier New" panose="02070309020205020404" pitchFamily="49" charset="0"/>
-              </a:rPr>
-              <a:t> 1 "</a:t>
-            </a:r>
-          </a:p>
-          <a:p>
-            <a:pPr marL="0" indent="0">
-              <a:buNone/>
-            </a:pPr>
-            <a:r>
-              <a:rPr lang="nb-NO" sz="1800" b="1" dirty="0" err="1">
-                <a:solidFill>
-                  <a:schemeClr val="tx2">
-                    <a:lumMod val="75000"/>
-                    <a:lumOff val="25000"/>
-                  </a:schemeClr>
-                </a:solidFill>
-              </a:rPr>
-              <a:t>getfame</a:t>
-            </a:r>
-            <a:r>
-              <a:rPr lang="nb-NO" sz="1800" b="1" dirty="0">
-                <a:solidFill>
-                  <a:schemeClr val="tx2">
-                    <a:lumMod val="75000"/>
-                    <a:lumOff val="25000"/>
-                  </a:schemeClr>
-                </a:solidFill>
-              </a:rPr>
-              <a:t> -e   "cpi1.db,cpi2.db,cpi_form.db" "cpi1’Total.ipr"  "date 2025 ; </a:t>
-            </a:r>
-            <a:r>
-              <a:rPr lang="nb-NO" sz="1800" b="1" dirty="0" err="1">
-                <a:solidFill>
-                  <a:schemeClr val="tx2">
-                    <a:lumMod val="75000"/>
-                    <a:lumOff val="25000"/>
-                  </a:schemeClr>
-                </a:solidFill>
-              </a:rPr>
-              <a:t>deci</a:t>
-            </a:r>
-            <a:r>
-              <a:rPr lang="nb-NO" sz="1800" b="1" dirty="0">
-                <a:solidFill>
-                  <a:schemeClr val="tx2">
-                    <a:lumMod val="75000"/>
-                    <a:lumOff val="25000"/>
-                  </a:schemeClr>
-                </a:solidFill>
-              </a:rPr>
-              <a:t> 2"</a:t>
-            </a:r>
-          </a:p>
-          <a:p>
-            <a:pPr marL="0" indent="0">
-              <a:buNone/>
-            </a:pPr>
-            <a:endParaRPr lang="nb-NO" sz="1800" b="1" dirty="0">
-              <a:solidFill>
-                <a:schemeClr val="accent1"/>
-              </a:solidFill>
-              <a:cs typeface="Courier New" panose="02070309020205020404" pitchFamily="49" charset="0"/>
-            </a:endParaRPr>
-          </a:p>
-          <a:p>
-            <a:pPr marL="0" indent="0">
-              <a:buNone/>
-            </a:pPr>
-            <a:endParaRPr lang="nb-NO" sz="1400" b="1" dirty="0">
-              <a:solidFill>
-                <a:schemeClr val="accent1"/>
-              </a:solidFill>
-              <a:cs typeface="Courier New" panose="02070309020205020404" pitchFamily="49" charset="0"/>
-            </a:endParaRPr>
-          </a:p>
-          <a:p>
-            <a:pPr marL="0" indent="0">
-              <a:buNone/>
-            </a:pPr>
-            <a:r>
-              <a:rPr lang="nb-NO" sz="1800" dirty="0"/>
-              <a:t>Be </a:t>
-            </a:r>
-            <a:r>
-              <a:rPr lang="nb-NO" sz="1800" dirty="0" err="1"/>
-              <a:t>aware</a:t>
-            </a:r>
-            <a:r>
-              <a:rPr lang="nb-NO" sz="1800" dirty="0"/>
-              <a:t> to </a:t>
-            </a:r>
-            <a:r>
-              <a:rPr lang="nb-NO" sz="1800" b="1" dirty="0"/>
-              <a:t>double </a:t>
-            </a:r>
-            <a:r>
-              <a:rPr lang="nb-NO" sz="1800" b="1" dirty="0" err="1"/>
-              <a:t>quote</a:t>
-            </a:r>
-            <a:r>
-              <a:rPr lang="nb-NO" sz="1800" b="1" dirty="0"/>
-              <a:t> arguments </a:t>
-            </a:r>
-            <a:r>
-              <a:rPr lang="nb-NO" sz="1800" dirty="0" err="1"/>
-              <a:t>when</a:t>
-            </a:r>
-            <a:r>
-              <a:rPr lang="nb-NO" sz="1800" dirty="0"/>
-              <a:t> </a:t>
-            </a:r>
-            <a:r>
-              <a:rPr lang="nb-NO" sz="1800" dirty="0" err="1"/>
-              <a:t>they</a:t>
-            </a:r>
-            <a:r>
-              <a:rPr lang="nb-NO" sz="1800" dirty="0"/>
-              <a:t> </a:t>
-            </a:r>
-            <a:r>
-              <a:rPr lang="nb-NO" sz="1800" dirty="0" err="1"/>
-              <a:t>contain</a:t>
-            </a:r>
-            <a:r>
-              <a:rPr lang="nb-NO" sz="1800" dirty="0"/>
-              <a:t> </a:t>
-            </a:r>
-            <a:r>
-              <a:rPr lang="nb-NO" sz="1800" dirty="0" err="1"/>
-              <a:t>special</a:t>
-            </a:r>
-            <a:r>
-              <a:rPr lang="nb-NO" sz="1800" dirty="0"/>
-              <a:t> </a:t>
-            </a:r>
-            <a:r>
-              <a:rPr lang="nb-NO" sz="1800" dirty="0" err="1"/>
-              <a:t>char</a:t>
-            </a:r>
-            <a:r>
-              <a:rPr lang="nb-NO" sz="1800" dirty="0"/>
-              <a:t> like : ,  (  ‘ ; </a:t>
-            </a:r>
-          </a:p>
-        </p:txBody>
-      </p:sp>
-      <p:pic>
-        <p:nvPicPr>
-          <p:cNvPr id="4" name="Bilde 3">
-            <a:extLst>
-              <a:ext uri="{FF2B5EF4-FFF2-40B4-BE49-F238E27FC236}">
-                <a16:creationId xmlns:a16="http://schemas.microsoft.com/office/drawing/2014/main" id="{97A7F2F8-A445-0AFB-C8D6-92CFC42C317C}"/>
-              </a:ext>
-            </a:extLst>
-          </p:cNvPr>
-          <p:cNvPicPr>
-            <a:picLocks noChangeAspect="1"/>
-          </p:cNvPicPr>
-          <p:nvPr/>
-        </p:nvPicPr>
-        <p:blipFill>
-          <a:blip r:embed="rId2"/>
-          <a:stretch>
-            <a:fillRect/>
-          </a:stretch>
-        </p:blipFill>
-        <p:spPr>
-          <a:xfrm>
-            <a:off x="0" y="0"/>
-            <a:ext cx="12192000" cy="480665"/>
-          </a:xfrm>
-          <a:prstGeom prst="rect">
-            <a:avLst/>
-          </a:prstGeom>
-        </p:spPr>
-      </p:pic>
-    </p:spTree>
-    <p:extLst>
-      <p:ext uri="{BB962C8B-B14F-4D97-AF65-F5344CB8AC3E}">
-        <p14:creationId xmlns:p14="http://schemas.microsoft.com/office/powerpoint/2010/main" val="3213616286"/>
       </p:ext>
     </p:extLst>
   </p:cSld>
@@ -8563,12 +7729,842 @@
           <a:chExt cx="0" cy="0"/>
         </a:xfrm>
       </p:grpSpPr>
+      <p:sp>
+        <p:nvSpPr>
+          <p:cNvPr id="2" name="Tittel 1">
+            <a:extLst>
+              <a:ext uri="{FF2B5EF4-FFF2-40B4-BE49-F238E27FC236}">
+                <a16:creationId xmlns:a16="http://schemas.microsoft.com/office/drawing/2014/main" id="{DFBB0316-D0CD-3606-DC7C-96F54FD658B0}"/>
+              </a:ext>
+            </a:extLst>
+          </p:cNvPr>
+          <p:cNvSpPr>
+            <a:spLocks noGrp="1"/>
+          </p:cNvSpPr>
+          <p:nvPr>
+            <p:ph type="title"/>
+          </p:nvPr>
+        </p:nvSpPr>
+        <p:spPr>
+          <a:xfrm>
+            <a:off x="516367" y="365125"/>
+            <a:ext cx="11675633" cy="1334583"/>
+          </a:xfrm>
+        </p:spPr>
+        <p:txBody>
+          <a:bodyPr>
+            <a:normAutofit/>
+          </a:bodyPr>
+          <a:lstStyle/>
+          <a:p>
+            <a:r>
+              <a:rPr lang="nb-NO" b="1" dirty="0"/>
+              <a:t>3. </a:t>
+            </a:r>
+            <a:r>
+              <a:rPr lang="nb-NO" b="1" dirty="0" err="1"/>
+              <a:t>getfame</a:t>
+            </a:r>
+            <a:r>
+              <a:rPr lang="nb-NO" b="1" dirty="0"/>
+              <a:t> -e   </a:t>
+            </a:r>
+            <a:r>
+              <a:rPr lang="nb-NO" sz="2200" b="1" dirty="0" err="1">
+                <a:solidFill>
+                  <a:schemeClr val="bg2">
+                    <a:lumMod val="50000"/>
+                  </a:schemeClr>
+                </a:solidFill>
+              </a:rPr>
+              <a:t>getfameexpression</a:t>
+            </a:r>
+            <a:r>
+              <a:rPr lang="nb-NO" sz="2200" b="1" dirty="0">
+                <a:solidFill>
+                  <a:schemeClr val="bg2">
+                    <a:lumMod val="50000"/>
+                  </a:schemeClr>
+                </a:solidFill>
+              </a:rPr>
+              <a:t> </a:t>
+            </a:r>
+            <a:r>
+              <a:rPr lang="nb-NO" sz="2200" b="1" dirty="0" err="1">
+                <a:solidFill>
+                  <a:schemeClr val="bg2">
+                    <a:lumMod val="50000"/>
+                  </a:schemeClr>
+                </a:solidFill>
+              </a:rPr>
+              <a:t>using</a:t>
+            </a:r>
+            <a:r>
+              <a:rPr lang="nb-NO" sz="2200" b="1" dirty="0">
+                <a:solidFill>
+                  <a:schemeClr val="bg2">
+                    <a:lumMod val="50000"/>
+                  </a:schemeClr>
+                </a:solidFill>
+              </a:rPr>
+              <a:t> FAME as </a:t>
+            </a:r>
+            <a:r>
+              <a:rPr lang="nb-NO" sz="2200" b="1" dirty="0" err="1">
+                <a:solidFill>
+                  <a:schemeClr val="bg2">
+                    <a:lumMod val="50000"/>
+                  </a:schemeClr>
+                </a:solidFill>
+              </a:rPr>
+              <a:t>the</a:t>
+            </a:r>
+            <a:r>
+              <a:rPr lang="nb-NO" sz="2200" b="1" dirty="0">
+                <a:solidFill>
+                  <a:schemeClr val="bg2">
+                    <a:lumMod val="50000"/>
+                  </a:schemeClr>
+                </a:solidFill>
+              </a:rPr>
+              <a:t> </a:t>
+            </a:r>
+            <a:r>
+              <a:rPr lang="nb-NO" sz="2200" b="1" dirty="0" err="1">
+                <a:solidFill>
+                  <a:schemeClr val="bg2">
+                    <a:lumMod val="50000"/>
+                  </a:schemeClr>
+                </a:solidFill>
+              </a:rPr>
+              <a:t>engine</a:t>
+            </a:r>
+            <a:r>
+              <a:rPr lang="nb-NO" sz="2200" b="1" dirty="0">
+                <a:solidFill>
+                  <a:schemeClr val="bg2">
+                    <a:lumMod val="50000"/>
+                  </a:schemeClr>
+                </a:solidFill>
+              </a:rPr>
+              <a:t> for </a:t>
+            </a:r>
+            <a:r>
+              <a:rPr lang="nb-NO" sz="2200" b="1" dirty="0" err="1">
+                <a:solidFill>
+                  <a:schemeClr val="bg2">
+                    <a:lumMod val="50000"/>
+                  </a:schemeClr>
+                </a:solidFill>
+              </a:rPr>
+              <a:t>calculation</a:t>
+            </a:r>
+            <a:r>
+              <a:rPr lang="nb-NO" sz="2200" b="1" dirty="0">
+                <a:solidFill>
+                  <a:schemeClr val="bg2">
+                    <a:lumMod val="50000"/>
+                  </a:schemeClr>
+                </a:solidFill>
+              </a:rPr>
+              <a:t> </a:t>
+            </a:r>
+            <a:br>
+              <a:rPr lang="nb-NO" sz="2200" dirty="0"/>
+            </a:br>
+            <a:r>
+              <a:rPr lang="nb-NO" sz="2200" dirty="0" err="1">
+                <a:highlight>
+                  <a:srgbClr val="FF0000"/>
+                </a:highlight>
+              </a:rPr>
+              <a:t>advanced</a:t>
+            </a:r>
+            <a:r>
+              <a:rPr lang="nb-NO" sz="2200" dirty="0">
+                <a:highlight>
+                  <a:srgbClr val="FF0000"/>
+                </a:highlight>
+              </a:rPr>
+              <a:t> mode</a:t>
+            </a:r>
+          </a:p>
+        </p:txBody>
+      </p:sp>
+      <p:sp>
+        <p:nvSpPr>
+          <p:cNvPr id="3" name="Plassholder for innhold 2">
+            <a:extLst>
+              <a:ext uri="{FF2B5EF4-FFF2-40B4-BE49-F238E27FC236}">
+                <a16:creationId xmlns:a16="http://schemas.microsoft.com/office/drawing/2014/main" id="{1D8DFEB6-340A-CDF1-38CC-64302108E5DC}"/>
+              </a:ext>
+            </a:extLst>
+          </p:cNvPr>
+          <p:cNvSpPr>
+            <a:spLocks noGrp="1"/>
+          </p:cNvSpPr>
+          <p:nvPr>
+            <p:ph idx="1"/>
+          </p:nvPr>
+        </p:nvSpPr>
+        <p:spPr>
+          <a:xfrm>
+            <a:off x="398033" y="1825625"/>
+            <a:ext cx="11793967" cy="4667250"/>
+          </a:xfrm>
+        </p:spPr>
+        <p:txBody>
+          <a:bodyPr>
+            <a:normAutofit/>
+          </a:bodyPr>
+          <a:lstStyle/>
+          <a:p>
+            <a:r>
+              <a:rPr lang="nb-NO" sz="2400" dirty="0"/>
+              <a:t>Data-</a:t>
+            </a:r>
+            <a:r>
+              <a:rPr lang="nb-NO" sz="2400" dirty="0" err="1"/>
+              <a:t>observations</a:t>
+            </a:r>
+            <a:r>
+              <a:rPr lang="nb-NO" sz="2400" dirty="0"/>
+              <a:t>, from FAME database(s) given </a:t>
+            </a:r>
+            <a:r>
+              <a:rPr lang="nb-NO" sz="2400" dirty="0" err="1"/>
+              <a:t>one</a:t>
+            </a:r>
+            <a:r>
+              <a:rPr lang="nb-NO" sz="2400" dirty="0"/>
+              <a:t> or more  FAME-</a:t>
+            </a:r>
+            <a:r>
+              <a:rPr lang="nb-NO" sz="2400" b="1" dirty="0" err="1"/>
+              <a:t>expression</a:t>
+            </a:r>
+            <a:r>
+              <a:rPr lang="nb-NO" sz="2400" b="1" dirty="0"/>
+              <a:t>:</a:t>
+            </a:r>
+            <a:endParaRPr lang="nb-NO" sz="2600" dirty="0">
+              <a:latin typeface="Courier New" panose="02070309020205020404" pitchFamily="49" charset="0"/>
+              <a:cs typeface="Courier New" panose="02070309020205020404" pitchFamily="49" charset="0"/>
+            </a:endParaRPr>
+          </a:p>
+          <a:p>
+            <a:pPr marL="0" indent="0">
+              <a:buNone/>
+            </a:pPr>
+            <a:endParaRPr lang="nb-NO" sz="1900" b="1" dirty="0">
+              <a:solidFill>
+                <a:schemeClr val="tx2">
+                  <a:lumMod val="75000"/>
+                  <a:lumOff val="25000"/>
+                </a:schemeClr>
+              </a:solidFill>
+              <a:latin typeface="Courier New" panose="02070309020205020404" pitchFamily="49" charset="0"/>
+              <a:cs typeface="Courier New" panose="02070309020205020404" pitchFamily="49" charset="0"/>
+            </a:endParaRPr>
+          </a:p>
+          <a:p>
+            <a:pPr marL="0" indent="0">
+              <a:buNone/>
+            </a:pPr>
+            <a:r>
+              <a:rPr lang="nb-NO" sz="1900" b="1" dirty="0" err="1">
+                <a:solidFill>
+                  <a:schemeClr val="tx2">
+                    <a:lumMod val="75000"/>
+                    <a:lumOff val="25000"/>
+                  </a:schemeClr>
+                </a:solidFill>
+                <a:cs typeface="Courier New" panose="02070309020205020404" pitchFamily="49" charset="0"/>
+              </a:rPr>
+              <a:t>getfame</a:t>
+            </a:r>
+            <a:r>
+              <a:rPr lang="nb-NO" sz="1900" b="1" dirty="0">
+                <a:solidFill>
+                  <a:schemeClr val="tx2">
+                    <a:lumMod val="75000"/>
+                    <a:lumOff val="25000"/>
+                  </a:schemeClr>
+                </a:solidFill>
+                <a:cs typeface="Courier New" panose="02070309020205020404" pitchFamily="49" charset="0"/>
+              </a:rPr>
+              <a:t> -e  "$REFERTID/data/</a:t>
+            </a:r>
+            <a:r>
+              <a:rPr lang="nb-NO" sz="1900" b="1" dirty="0" err="1">
+                <a:solidFill>
+                  <a:schemeClr val="tx2">
+                    <a:lumMod val="75000"/>
+                    <a:lumOff val="25000"/>
+                  </a:schemeClr>
+                </a:solidFill>
+                <a:cs typeface="Courier New" panose="02070309020205020404" pitchFamily="49" charset="0"/>
+              </a:rPr>
+              <a:t>fornavn.db</a:t>
+            </a:r>
+            <a:r>
+              <a:rPr lang="nb-NO" sz="1900" b="1" dirty="0">
+                <a:solidFill>
+                  <a:schemeClr val="tx2">
+                    <a:lumMod val="75000"/>
+                    <a:lumOff val="25000"/>
+                  </a:schemeClr>
+                </a:solidFill>
+                <a:cs typeface="Courier New" panose="02070309020205020404" pitchFamily="49" charset="0"/>
+              </a:rPr>
+              <a:t> "  "mave(JIMMY,2); mave(LINN,3)" "date 2000 to 2010"</a:t>
+            </a:r>
+          </a:p>
+          <a:p>
+            <a:pPr marL="0" indent="0">
+              <a:buNone/>
+            </a:pPr>
+            <a:r>
+              <a:rPr lang="nb-NO" sz="1900" b="1" dirty="0" err="1">
+                <a:solidFill>
+                  <a:schemeClr val="tx2">
+                    <a:lumMod val="75000"/>
+                    <a:lumOff val="25000"/>
+                  </a:schemeClr>
+                </a:solidFill>
+                <a:cs typeface="Courier New" panose="02070309020205020404" pitchFamily="49" charset="0"/>
+              </a:rPr>
+              <a:t>getfame</a:t>
+            </a:r>
+            <a:r>
+              <a:rPr lang="nb-NO" sz="1900" b="1" dirty="0">
+                <a:solidFill>
+                  <a:schemeClr val="tx2">
+                    <a:lumMod val="75000"/>
+                    <a:lumOff val="25000"/>
+                  </a:schemeClr>
+                </a:solidFill>
+                <a:cs typeface="Courier New" panose="02070309020205020404" pitchFamily="49" charset="0"/>
+              </a:rPr>
+              <a:t> -e  "$REFERTID/data/</a:t>
+            </a:r>
+            <a:r>
+              <a:rPr lang="nb-NO" sz="1900" b="1" dirty="0" err="1">
+                <a:solidFill>
+                  <a:schemeClr val="tx2">
+                    <a:lumMod val="75000"/>
+                    <a:lumOff val="25000"/>
+                  </a:schemeClr>
+                </a:solidFill>
+                <a:cs typeface="Courier New" panose="02070309020205020404" pitchFamily="49" charset="0"/>
+              </a:rPr>
+              <a:t>fornavn.db</a:t>
+            </a:r>
+            <a:r>
+              <a:rPr lang="nb-NO" sz="1900" b="1" dirty="0">
+                <a:solidFill>
+                  <a:schemeClr val="tx2">
+                    <a:lumMod val="75000"/>
+                    <a:lumOff val="25000"/>
+                  </a:schemeClr>
+                </a:solidFill>
+                <a:cs typeface="Courier New" panose="02070309020205020404" pitchFamily="49" charset="0"/>
+              </a:rPr>
+              <a:t> "  "</a:t>
+            </a:r>
+            <a:r>
+              <a:rPr lang="nb-NO" sz="1900" b="1" dirty="0" err="1">
+                <a:solidFill>
+                  <a:schemeClr val="tx2">
+                    <a:lumMod val="75000"/>
+                    <a:lumOff val="25000"/>
+                  </a:schemeClr>
+                </a:solidFill>
+                <a:cs typeface="Courier New" panose="02070309020205020404" pitchFamily="49" charset="0"/>
+              </a:rPr>
+              <a:t>Lsum</a:t>
+            </a:r>
+            <a:r>
+              <a:rPr lang="nb-NO" sz="1900" b="1" dirty="0">
+                <a:solidFill>
+                  <a:schemeClr val="tx2">
+                    <a:lumMod val="75000"/>
+                    <a:lumOff val="25000"/>
+                  </a:schemeClr>
+                </a:solidFill>
+                <a:cs typeface="Courier New" panose="02070309020205020404" pitchFamily="49" charset="0"/>
+              </a:rPr>
+              <a:t>(ERIK,EIRIK)"  "date 2000 to *"</a:t>
+            </a:r>
+          </a:p>
+          <a:p>
+            <a:pPr marL="0" indent="0">
+              <a:buNone/>
+            </a:pPr>
+            <a:r>
+              <a:rPr lang="nb-NO" sz="1900" b="1" dirty="0" err="1">
+                <a:solidFill>
+                  <a:schemeClr val="tx2">
+                    <a:lumMod val="75000"/>
+                    <a:lumOff val="25000"/>
+                  </a:schemeClr>
+                </a:solidFill>
+                <a:cs typeface="Courier New" panose="02070309020205020404" pitchFamily="49" charset="0"/>
+              </a:rPr>
+              <a:t>getfame</a:t>
+            </a:r>
+            <a:r>
+              <a:rPr lang="nb-NO" sz="1900" b="1" dirty="0">
+                <a:solidFill>
+                  <a:schemeClr val="tx2">
+                    <a:lumMod val="75000"/>
+                    <a:lumOff val="25000"/>
+                  </a:schemeClr>
+                </a:solidFill>
+                <a:cs typeface="Courier New" panose="02070309020205020404" pitchFamily="49" charset="0"/>
+              </a:rPr>
+              <a:t> -e  "$REFERTID/data/</a:t>
+            </a:r>
+            <a:r>
+              <a:rPr lang="nb-NO" sz="1900" b="1" dirty="0" err="1">
+                <a:solidFill>
+                  <a:schemeClr val="tx2">
+                    <a:lumMod val="75000"/>
+                    <a:lumOff val="25000"/>
+                  </a:schemeClr>
+                </a:solidFill>
+                <a:cs typeface="Courier New" panose="02070309020205020404" pitchFamily="49" charset="0"/>
+              </a:rPr>
+              <a:t>fornavn.db</a:t>
+            </a:r>
+            <a:r>
+              <a:rPr lang="nb-NO" sz="1900" b="1" dirty="0">
+                <a:solidFill>
+                  <a:schemeClr val="tx2">
+                    <a:lumMod val="75000"/>
+                    <a:lumOff val="25000"/>
+                  </a:schemeClr>
+                </a:solidFill>
+                <a:cs typeface="Courier New" panose="02070309020205020404" pitchFamily="49" charset="0"/>
+              </a:rPr>
+              <a:t> "  «SOLVEIG+PETER"  "date 2000 to 2012"</a:t>
+            </a:r>
+          </a:p>
+          <a:p>
+            <a:pPr marL="0" indent="0">
+              <a:buNone/>
+            </a:pPr>
+            <a:r>
+              <a:rPr lang="nb-NO" sz="1900" b="1" dirty="0" err="1">
+                <a:solidFill>
+                  <a:schemeClr val="tx2">
+                    <a:lumMod val="75000"/>
+                    <a:lumOff val="25000"/>
+                  </a:schemeClr>
+                </a:solidFill>
+                <a:cs typeface="Courier New" panose="02070309020205020404" pitchFamily="49" charset="0"/>
+              </a:rPr>
+              <a:t>getfame</a:t>
+            </a:r>
+            <a:r>
+              <a:rPr lang="nb-NO" sz="1900" b="1" dirty="0">
+                <a:solidFill>
+                  <a:schemeClr val="tx2">
+                    <a:lumMod val="75000"/>
+                    <a:lumOff val="25000"/>
+                  </a:schemeClr>
+                </a:solidFill>
+                <a:cs typeface="Courier New" panose="02070309020205020404" pitchFamily="49" charset="0"/>
+              </a:rPr>
+              <a:t> –e "$REFERTID/data/</a:t>
+            </a:r>
+            <a:r>
+              <a:rPr lang="nb-NO" sz="1900" b="1" dirty="0" err="1">
+                <a:solidFill>
+                  <a:schemeClr val="tx2">
+                    <a:lumMod val="75000"/>
+                    <a:lumOff val="25000"/>
+                  </a:schemeClr>
+                </a:solidFill>
+                <a:cs typeface="Courier New" panose="02070309020205020404" pitchFamily="49" charset="0"/>
+              </a:rPr>
+              <a:t>kpi_publ.db;mycpi.db</a:t>
+            </a:r>
+            <a:r>
+              <a:rPr lang="nb-NO" sz="1900" b="1" dirty="0">
+                <a:solidFill>
+                  <a:schemeClr val="tx2">
+                    <a:lumMod val="75000"/>
+                    <a:lumOff val="25000"/>
+                  </a:schemeClr>
+                </a:solidFill>
+                <a:cs typeface="Courier New" panose="02070309020205020404" pitchFamily="49" charset="0"/>
+              </a:rPr>
+              <a:t> " "</a:t>
+            </a:r>
+            <a:r>
+              <a:rPr lang="nb-NO" sz="1900" b="1" dirty="0" err="1">
+                <a:solidFill>
+                  <a:schemeClr val="tx2">
+                    <a:lumMod val="75000"/>
+                    <a:lumOff val="25000"/>
+                  </a:schemeClr>
+                </a:solidFill>
+                <a:cs typeface="Courier New" panose="02070309020205020404" pitchFamily="49" charset="0"/>
+              </a:rPr>
+              <a:t>convert</a:t>
+            </a:r>
+            <a:r>
+              <a:rPr lang="nb-NO" sz="1900" b="1" dirty="0">
+                <a:solidFill>
+                  <a:schemeClr val="tx2">
+                    <a:lumMod val="75000"/>
+                    <a:lumOff val="25000"/>
+                  </a:schemeClr>
+                </a:solidFill>
+                <a:cs typeface="Courier New" panose="02070309020205020404" pitchFamily="49" charset="0"/>
+              </a:rPr>
+              <a:t>(</a:t>
+            </a:r>
+            <a:r>
+              <a:rPr lang="nb-NO" sz="1900" b="1" dirty="0" err="1">
+                <a:solidFill>
+                  <a:schemeClr val="tx2">
+                    <a:lumMod val="75000"/>
+                    <a:lumOff val="25000"/>
+                  </a:schemeClr>
+                </a:solidFill>
+                <a:cs typeface="Courier New" panose="02070309020205020404" pitchFamily="49" charset="0"/>
+              </a:rPr>
+              <a:t>total.ipr,annual,constant</a:t>
+            </a:r>
+            <a:r>
+              <a:rPr lang="nb-NO" sz="1900" b="1" dirty="0">
+                <a:solidFill>
+                  <a:schemeClr val="tx2">
+                    <a:lumMod val="75000"/>
+                    <a:lumOff val="25000"/>
+                  </a:schemeClr>
+                </a:solidFill>
+                <a:cs typeface="Courier New" panose="02070309020205020404" pitchFamily="49" charset="0"/>
+              </a:rPr>
+              <a:t>) "  "date *; </a:t>
+            </a:r>
+            <a:r>
+              <a:rPr lang="nb-NO" sz="1900" b="1" dirty="0" err="1">
+                <a:solidFill>
+                  <a:schemeClr val="tx2">
+                    <a:lumMod val="75000"/>
+                    <a:lumOff val="25000"/>
+                  </a:schemeClr>
+                </a:solidFill>
+                <a:cs typeface="Courier New" panose="02070309020205020404" pitchFamily="49" charset="0"/>
+              </a:rPr>
+              <a:t>deci</a:t>
+            </a:r>
+            <a:r>
+              <a:rPr lang="nb-NO" sz="1900" b="1" dirty="0">
+                <a:solidFill>
+                  <a:schemeClr val="tx2">
+                    <a:lumMod val="75000"/>
+                    <a:lumOff val="25000"/>
+                  </a:schemeClr>
+                </a:solidFill>
+                <a:cs typeface="Courier New" panose="02070309020205020404" pitchFamily="49" charset="0"/>
+              </a:rPr>
+              <a:t> 1 "</a:t>
+            </a:r>
+          </a:p>
+          <a:p>
+            <a:pPr marL="0" indent="0">
+              <a:buNone/>
+            </a:pPr>
+            <a:r>
+              <a:rPr lang="nb-NO" sz="1900" b="1" dirty="0" err="1">
+                <a:solidFill>
+                  <a:schemeClr val="tx2">
+                    <a:lumMod val="75000"/>
+                    <a:lumOff val="25000"/>
+                  </a:schemeClr>
+                </a:solidFill>
+                <a:cs typeface="Courier New" panose="02070309020205020404" pitchFamily="49" charset="0"/>
+              </a:rPr>
+              <a:t>getfame</a:t>
+            </a:r>
+            <a:r>
+              <a:rPr lang="nb-NO" sz="1900" b="1" dirty="0">
+                <a:solidFill>
+                  <a:schemeClr val="tx2">
+                    <a:lumMod val="75000"/>
+                    <a:lumOff val="25000"/>
+                  </a:schemeClr>
+                </a:solidFill>
+                <a:cs typeface="Courier New" panose="02070309020205020404" pitchFamily="49" charset="0"/>
+              </a:rPr>
+              <a:t> -e  "$REFERTID/data/</a:t>
+            </a:r>
+            <a:r>
+              <a:rPr lang="nb-NO" sz="1900" b="1" dirty="0" err="1">
+                <a:solidFill>
+                  <a:schemeClr val="tx2">
+                    <a:lumMod val="75000"/>
+                    <a:lumOff val="25000"/>
+                  </a:schemeClr>
+                </a:solidFill>
+                <a:cs typeface="Courier New" panose="02070309020205020404" pitchFamily="49" charset="0"/>
+              </a:rPr>
+              <a:t>kpi_publ.db</a:t>
+            </a:r>
+            <a:r>
+              <a:rPr lang="nb-NO" sz="1900" b="1" dirty="0">
+                <a:solidFill>
+                  <a:schemeClr val="tx2">
+                    <a:lumMod val="75000"/>
+                    <a:lumOff val="25000"/>
+                  </a:schemeClr>
+                </a:solidFill>
+                <a:cs typeface="Courier New" panose="02070309020205020404" pitchFamily="49" charset="0"/>
+              </a:rPr>
+              <a:t>; </a:t>
+            </a:r>
+            <a:r>
+              <a:rPr lang="nb-NO" sz="1900" b="1" dirty="0" err="1">
+                <a:solidFill>
+                  <a:schemeClr val="tx2">
+                    <a:lumMod val="75000"/>
+                    <a:lumOff val="25000"/>
+                  </a:schemeClr>
+                </a:solidFill>
+                <a:cs typeface="Courier New" panose="02070309020205020404" pitchFamily="49" charset="0"/>
+              </a:rPr>
+              <a:t>mycpi.db</a:t>
+            </a:r>
+            <a:r>
+              <a:rPr lang="nb-NO" sz="1900" b="1" dirty="0">
+                <a:solidFill>
+                  <a:schemeClr val="tx2">
+                    <a:lumMod val="75000"/>
+                    <a:lumOff val="25000"/>
+                  </a:schemeClr>
+                </a:solidFill>
+                <a:cs typeface="Courier New" panose="02070309020205020404" pitchFamily="49" charset="0"/>
+              </a:rPr>
+              <a:t> "  "PCT(mycpi’K09.IPR)"  "date 2025; </a:t>
+            </a:r>
+            <a:r>
+              <a:rPr lang="nb-NO" sz="1900" b="1" dirty="0" err="1">
+                <a:solidFill>
+                  <a:schemeClr val="tx2">
+                    <a:lumMod val="75000"/>
+                    <a:lumOff val="25000"/>
+                  </a:schemeClr>
+                </a:solidFill>
+                <a:cs typeface="Courier New" panose="02070309020205020404" pitchFamily="49" charset="0"/>
+              </a:rPr>
+              <a:t>deci</a:t>
+            </a:r>
+            <a:r>
+              <a:rPr lang="nb-NO" sz="1900" b="1" dirty="0">
+                <a:solidFill>
+                  <a:schemeClr val="tx2">
+                    <a:lumMod val="75000"/>
+                    <a:lumOff val="25000"/>
+                  </a:schemeClr>
+                </a:solidFill>
+                <a:cs typeface="Courier New" panose="02070309020205020404" pitchFamily="49" charset="0"/>
+              </a:rPr>
+              <a:t> 1 "</a:t>
+            </a:r>
+          </a:p>
+          <a:p>
+            <a:pPr marL="0" indent="0">
+              <a:buNone/>
+            </a:pPr>
+            <a:r>
+              <a:rPr lang="nb-NO" sz="1900" b="1" dirty="0" err="1">
+                <a:solidFill>
+                  <a:schemeClr val="tx2">
+                    <a:lumMod val="75000"/>
+                    <a:lumOff val="25000"/>
+                  </a:schemeClr>
+                </a:solidFill>
+              </a:rPr>
+              <a:t>getfame</a:t>
+            </a:r>
+            <a:r>
+              <a:rPr lang="nb-NO" sz="1900" b="1" dirty="0">
+                <a:solidFill>
+                  <a:schemeClr val="tx2">
+                    <a:lumMod val="75000"/>
+                    <a:lumOff val="25000"/>
+                  </a:schemeClr>
+                </a:solidFill>
+              </a:rPr>
+              <a:t> -e   "cpi1.db;cpi2.db;cpi_form.db" "cpi1’Total.ipr"  "date 2025 ; </a:t>
+            </a:r>
+            <a:r>
+              <a:rPr lang="nb-NO" sz="1900" b="1" dirty="0" err="1">
+                <a:solidFill>
+                  <a:schemeClr val="tx2">
+                    <a:lumMod val="75000"/>
+                    <a:lumOff val="25000"/>
+                  </a:schemeClr>
+                </a:solidFill>
+              </a:rPr>
+              <a:t>deci</a:t>
+            </a:r>
+            <a:r>
+              <a:rPr lang="nb-NO" sz="1900" b="1" dirty="0">
+                <a:solidFill>
+                  <a:schemeClr val="tx2">
+                    <a:lumMod val="75000"/>
+                    <a:lumOff val="25000"/>
+                  </a:schemeClr>
+                </a:solidFill>
+              </a:rPr>
+              <a:t> 2"</a:t>
+            </a:r>
+          </a:p>
+          <a:p>
+            <a:pPr marL="0" indent="0">
+              <a:buNone/>
+            </a:pPr>
+            <a:endParaRPr lang="nb-NO" sz="1800" b="1" dirty="0">
+              <a:solidFill>
+                <a:schemeClr val="accent1"/>
+              </a:solidFill>
+              <a:cs typeface="Courier New" panose="02070309020205020404" pitchFamily="49" charset="0"/>
+            </a:endParaRPr>
+          </a:p>
+          <a:p>
+            <a:pPr marL="0" indent="0">
+              <a:buNone/>
+            </a:pPr>
+            <a:endParaRPr lang="nb-NO" sz="1400" b="1" dirty="0">
+              <a:solidFill>
+                <a:schemeClr val="accent1"/>
+              </a:solidFill>
+              <a:cs typeface="Courier New" panose="02070309020205020404" pitchFamily="49" charset="0"/>
+            </a:endParaRPr>
+          </a:p>
+          <a:p>
+            <a:pPr marL="0" indent="0">
+              <a:buNone/>
+            </a:pPr>
+            <a:r>
+              <a:rPr lang="nb-NO" sz="1800" dirty="0"/>
+              <a:t>Be </a:t>
+            </a:r>
+            <a:r>
+              <a:rPr lang="nb-NO" sz="1800" dirty="0" err="1"/>
+              <a:t>aware</a:t>
+            </a:r>
+            <a:r>
+              <a:rPr lang="nb-NO" sz="1800" dirty="0"/>
+              <a:t> to </a:t>
+            </a:r>
+            <a:r>
+              <a:rPr lang="nb-NO" sz="1800" b="1" dirty="0"/>
+              <a:t>double </a:t>
+            </a:r>
+            <a:r>
+              <a:rPr lang="nb-NO" sz="1800" b="1" dirty="0" err="1"/>
+              <a:t>quote</a:t>
+            </a:r>
+            <a:r>
+              <a:rPr lang="nb-NO" sz="1800" b="1" dirty="0"/>
+              <a:t> arguments </a:t>
+            </a:r>
+            <a:r>
+              <a:rPr lang="nb-NO" sz="1800" dirty="0" err="1"/>
+              <a:t>when</a:t>
+            </a:r>
+            <a:r>
+              <a:rPr lang="nb-NO" sz="1800" dirty="0"/>
+              <a:t> </a:t>
+            </a:r>
+            <a:r>
+              <a:rPr lang="nb-NO" sz="1800" dirty="0" err="1"/>
+              <a:t>they</a:t>
+            </a:r>
+            <a:r>
+              <a:rPr lang="nb-NO" sz="1800" dirty="0"/>
+              <a:t> </a:t>
+            </a:r>
+            <a:r>
+              <a:rPr lang="nb-NO" sz="1800" dirty="0" err="1"/>
+              <a:t>contain</a:t>
+            </a:r>
+            <a:r>
+              <a:rPr lang="nb-NO" sz="1800" dirty="0"/>
+              <a:t> </a:t>
+            </a:r>
+            <a:r>
+              <a:rPr lang="nb-NO" sz="1800" dirty="0" err="1"/>
+              <a:t>special</a:t>
+            </a:r>
+            <a:r>
+              <a:rPr lang="nb-NO" sz="1800" dirty="0"/>
+              <a:t> </a:t>
+            </a:r>
+            <a:r>
+              <a:rPr lang="nb-NO" sz="1800" dirty="0" err="1"/>
+              <a:t>char</a:t>
+            </a:r>
+            <a:r>
+              <a:rPr lang="nb-NO" sz="1800" dirty="0"/>
+              <a:t> like : ,  (  ‘ ;  or more </a:t>
+            </a:r>
+            <a:r>
+              <a:rPr lang="nb-NO" sz="1800" dirty="0" err="1"/>
+              <a:t>expressions</a:t>
+            </a:r>
+            <a:r>
+              <a:rPr lang="nb-NO" sz="1800" dirty="0"/>
+              <a:t> </a:t>
+            </a:r>
+            <a:r>
+              <a:rPr lang="nb-NO" sz="1800" dirty="0" err="1"/>
+              <a:t>are</a:t>
+            </a:r>
+            <a:r>
+              <a:rPr lang="nb-NO" sz="1800" dirty="0"/>
+              <a:t> used.</a:t>
+            </a:r>
+          </a:p>
+          <a:p>
+            <a:pPr marL="0" indent="0">
+              <a:buNone/>
+            </a:pPr>
+            <a:r>
+              <a:rPr lang="nb-NO" sz="1800" dirty="0"/>
+              <a:t>Fame </a:t>
+            </a:r>
+            <a:r>
+              <a:rPr lang="nb-NO" sz="1800" dirty="0" err="1"/>
+              <a:t>names</a:t>
+            </a:r>
+            <a:r>
+              <a:rPr lang="nb-NO" sz="1800" dirty="0"/>
+              <a:t> </a:t>
+            </a:r>
+            <a:r>
+              <a:rPr lang="nb-NO" sz="1800" dirty="0" err="1"/>
+              <a:t>are</a:t>
+            </a:r>
+            <a:r>
+              <a:rPr lang="nb-NO" sz="1800" dirty="0"/>
+              <a:t> NOT case sensitive.</a:t>
+            </a:r>
+          </a:p>
+        </p:txBody>
+      </p:sp>
       <p:pic>
         <p:nvPicPr>
-          <p:cNvPr id="6" name="Bilde 5">
-            <a:extLst>
-              <a:ext uri="{FF2B5EF4-FFF2-40B4-BE49-F238E27FC236}">
-                <a16:creationId xmlns:a16="http://schemas.microsoft.com/office/drawing/2014/main" id="{1794A1B9-8DCE-9482-B646-E116785D6B93}"/>
+          <p:cNvPr id="4" name="Bilde 3">
+            <a:extLst>
+              <a:ext uri="{FF2B5EF4-FFF2-40B4-BE49-F238E27FC236}">
+                <a16:creationId xmlns:a16="http://schemas.microsoft.com/office/drawing/2014/main" id="{97A7F2F8-A445-0AFB-C8D6-92CFC42C317C}"/>
               </a:ext>
             </a:extLst>
           </p:cNvPr>
@@ -8593,92 +8589,10 @@
           </a:prstGeom>
         </p:spPr>
       </p:pic>
-      <p:sp>
-        <p:nvSpPr>
-          <p:cNvPr id="2" name="Tittel 1">
-            <a:extLst>
-              <a:ext uri="{FF2B5EF4-FFF2-40B4-BE49-F238E27FC236}">
-                <a16:creationId xmlns:a16="http://schemas.microsoft.com/office/drawing/2014/main" id="{F7C9CB55-F147-6224-AF03-5DF84EF49653}"/>
-              </a:ext>
-            </a:extLst>
-          </p:cNvPr>
-          <p:cNvSpPr>
-            <a:spLocks noGrp="1"/>
-          </p:cNvSpPr>
-          <p:nvPr>
-            <p:ph type="title"/>
-          </p:nvPr>
-        </p:nvSpPr>
-        <p:spPr>
-          <a:xfrm>
-            <a:off x="838200" y="365125"/>
-            <a:ext cx="10515600" cy="1325563"/>
-          </a:xfrm>
-        </p:spPr>
-        <p:txBody>
-          <a:bodyPr>
-            <a:normAutofit/>
-          </a:bodyPr>
-          <a:lstStyle/>
-          <a:p>
-            <a:r>
-              <a:rPr lang="nb-NO" sz="4000" b="1" dirty="0" err="1"/>
-              <a:t>getfame</a:t>
-            </a:r>
-            <a:r>
-              <a:rPr lang="nb-NO" sz="4000" b="1" dirty="0"/>
-              <a:t> –e  </a:t>
-            </a:r>
-            <a:r>
-              <a:rPr lang="nb-NO" sz="2800" b="1" dirty="0" err="1"/>
-              <a:t>gets</a:t>
-            </a:r>
-            <a:r>
-              <a:rPr lang="nb-NO" sz="2800" b="1" dirty="0"/>
-              <a:t> a </a:t>
-            </a:r>
-            <a:r>
-              <a:rPr lang="nb-NO" sz="2800" b="1" dirty="0" err="1"/>
-              <a:t>fame-expression</a:t>
-            </a:r>
-            <a:endParaRPr lang="nb-NO" sz="2800" dirty="0"/>
-          </a:p>
-        </p:txBody>
-      </p:sp>
-      <p:pic>
-        <p:nvPicPr>
-          <p:cNvPr id="4" name="Bilde 3">
-            <a:extLst>
-              <a:ext uri="{FF2B5EF4-FFF2-40B4-BE49-F238E27FC236}">
-                <a16:creationId xmlns:a16="http://schemas.microsoft.com/office/drawing/2014/main" id="{8783EA3C-0810-9F1A-E488-E744FFCE3BF5}"/>
-              </a:ext>
-            </a:extLst>
-          </p:cNvPr>
-          <p:cNvPicPr>
-            <a:picLocks noChangeAspect="1"/>
-          </p:cNvPicPr>
-          <p:nvPr/>
-        </p:nvPicPr>
-        <p:blipFill>
-          <a:blip r:embed="rId3"/>
-          <a:stretch>
-            <a:fillRect/>
-          </a:stretch>
-        </p:blipFill>
-        <p:spPr>
-          <a:xfrm>
-            <a:off x="974671" y="1449122"/>
-            <a:ext cx="10261176" cy="5284678"/>
-          </a:xfrm>
-          <a:prstGeom prst="rect">
-            <a:avLst/>
-          </a:prstGeom>
-        </p:spPr>
-      </p:pic>
     </p:spTree>
     <p:extLst>
       <p:ext uri="{BB962C8B-B14F-4D97-AF65-F5344CB8AC3E}">
-        <p14:creationId xmlns:p14="http://schemas.microsoft.com/office/powerpoint/2010/main" val="3607782396"/>
+        <p14:creationId xmlns:p14="http://schemas.microsoft.com/office/powerpoint/2010/main" val="3213616286"/>
       </p:ext>
     </p:extLst>
   </p:cSld>
@@ -9001,4 +8915,319 @@
     </a:ext>
   </a:extLst>
 </a:theme>
+</file>
+
+<file path=ppt/theme/theme2.xml><?xml version="1.0" encoding="utf-8"?>
+<a:theme xmlns:a="http://schemas.openxmlformats.org/drawingml/2006/main" name="Office-tema">
+  <a:themeElements>
+    <a:clrScheme name="Office">
+      <a:dk1>
+        <a:sysClr val="windowText" lastClr="000000"/>
+      </a:dk1>
+      <a:lt1>
+        <a:sysClr val="window" lastClr="FFFFFF"/>
+      </a:lt1>
+      <a:dk2>
+        <a:srgbClr val="0E2841"/>
+      </a:dk2>
+      <a:lt2>
+        <a:srgbClr val="E8E8E8"/>
+      </a:lt2>
+      <a:accent1>
+        <a:srgbClr val="156082"/>
+      </a:accent1>
+      <a:accent2>
+        <a:srgbClr val="E97132"/>
+      </a:accent2>
+      <a:accent3>
+        <a:srgbClr val="196B24"/>
+      </a:accent3>
+      <a:accent4>
+        <a:srgbClr val="0F9ED5"/>
+      </a:accent4>
+      <a:accent5>
+        <a:srgbClr val="A02B93"/>
+      </a:accent5>
+      <a:accent6>
+        <a:srgbClr val="4EA72E"/>
+      </a:accent6>
+      <a:hlink>
+        <a:srgbClr val="467886"/>
+      </a:hlink>
+      <a:folHlink>
+        <a:srgbClr val="96607D"/>
+      </a:folHlink>
+    </a:clrScheme>
+    <a:fontScheme name="Office">
+      <a:majorFont>
+        <a:latin typeface="Aptos Display" panose="02110004020202020204"/>
+        <a:ea typeface=""/>
+        <a:cs typeface=""/>
+        <a:font script="Jpan" typeface="游ゴシック Light"/>
+        <a:font script="Hang" typeface="맑은 고딕"/>
+        <a:font script="Hans" typeface="等线 Light"/>
+        <a:font script="Hant" typeface="新細明體"/>
+        <a:font script="Arab" typeface="Times New Roman"/>
+        <a:font script="Hebr" typeface="Times New Roman"/>
+        <a:font script="Thai" typeface="Angsana New"/>
+        <a:font script="Ethi" typeface="Nyala"/>
+        <a:font script="Beng" typeface="Vrinda"/>
+        <a:font script="Gujr" typeface="Shruti"/>
+        <a:font script="Khmr" typeface="MoolBoran"/>
+        <a:font script="Knda" typeface="Tunga"/>
+        <a:font script="Guru" typeface="Raavi"/>
+        <a:font script="Cans" typeface="Euphemia"/>
+        <a:font script="Cher" typeface="Plantagenet Cherokee"/>
+        <a:font script="Yiii" typeface="Microsoft Yi Baiti"/>
+        <a:font script="Tibt" typeface="Microsoft Himalaya"/>
+        <a:font script="Thaa" typeface="MV Boli"/>
+        <a:font script="Deva" typeface="Mangal"/>
+        <a:font script="Telu" typeface="Gautami"/>
+        <a:font script="Taml" typeface="Latha"/>
+        <a:font script="Syrc" typeface="Estrangelo Edessa"/>
+        <a:font script="Orya" typeface="Kalinga"/>
+        <a:font script="Mlym" typeface="Kartika"/>
+        <a:font script="Laoo" typeface="DokChampa"/>
+        <a:font script="Sinh" typeface="Iskoola Pota"/>
+        <a:font script="Mong" typeface="Mongolian Baiti"/>
+        <a:font script="Viet" typeface="Times New Roman"/>
+        <a:font script="Uigh" typeface="Microsoft Uighur"/>
+        <a:font script="Geor" typeface="Sylfaen"/>
+        <a:font script="Armn" typeface="Arial"/>
+        <a:font script="Bugi" typeface="Leelawadee UI"/>
+        <a:font script="Bopo" typeface="Microsoft JhengHei"/>
+        <a:font script="Java" typeface="Javanese Text"/>
+        <a:font script="Lisu" typeface="Segoe UI"/>
+        <a:font script="Mymr" typeface="Myanmar Text"/>
+        <a:font script="Nkoo" typeface="Ebrima"/>
+        <a:font script="Olck" typeface="Nirmala UI"/>
+        <a:font script="Osma" typeface="Ebrima"/>
+        <a:font script="Phag" typeface="Phagspa"/>
+        <a:font script="Syrn" typeface="Estrangelo Edessa"/>
+        <a:font script="Syrj" typeface="Estrangelo Edessa"/>
+        <a:font script="Syre" typeface="Estrangelo Edessa"/>
+        <a:font script="Sora" typeface="Nirmala UI"/>
+        <a:font script="Tale" typeface="Microsoft Tai Le"/>
+        <a:font script="Talu" typeface="Microsoft New Tai Lue"/>
+        <a:font script="Tfng" typeface="Ebrima"/>
+      </a:majorFont>
+      <a:minorFont>
+        <a:latin typeface="Aptos" panose="02110004020202020204"/>
+        <a:ea typeface=""/>
+        <a:cs typeface=""/>
+        <a:font script="Jpan" typeface="游ゴシック"/>
+        <a:font script="Hang" typeface="맑은 고딕"/>
+        <a:font script="Hans" typeface="等线"/>
+        <a:font script="Hant" typeface="新細明體"/>
+        <a:font script="Arab" typeface="Arial"/>
+        <a:font script="Hebr" typeface="Arial"/>
+        <a:font script="Thai" typeface="Cordia New"/>
+        <a:font script="Ethi" typeface="Nyala"/>
+        <a:font script="Beng" typeface="Vrinda"/>
+        <a:font script="Gujr" typeface="Shruti"/>
+        <a:font script="Khmr" typeface="DaunPenh"/>
+        <a:font script="Knda" typeface="Tunga"/>
+        <a:font script="Guru" typeface="Raavi"/>
+        <a:font script="Cans" typeface="Euphemia"/>
+        <a:font script="Cher" typeface="Plantagenet Cherokee"/>
+        <a:font script="Yiii" typeface="Microsoft Yi Baiti"/>
+        <a:font script="Tibt" typeface="Microsoft Himalaya"/>
+        <a:font script="Thaa" typeface="MV Boli"/>
+        <a:font script="Deva" typeface="Mangal"/>
+        <a:font script="Telu" typeface="Gautami"/>
+        <a:font script="Taml" typeface="Latha"/>
+        <a:font script="Syrc" typeface="Estrangelo Edessa"/>
+        <a:font script="Orya" typeface="Kalinga"/>
+        <a:font script="Mlym" typeface="Kartika"/>
+        <a:font script="Laoo" typeface="DokChampa"/>
+        <a:font script="Sinh" typeface="Iskoola Pota"/>
+        <a:font script="Mong" typeface="Mongolian Baiti"/>
+        <a:font script="Viet" typeface="Arial"/>
+        <a:font script="Uigh" typeface="Microsoft Uighur"/>
+        <a:font script="Geor" typeface="Sylfaen"/>
+        <a:font script="Armn" typeface="Arial"/>
+        <a:font script="Bugi" typeface="Leelawadee UI"/>
+        <a:font script="Bopo" typeface="Microsoft JhengHei"/>
+        <a:font script="Java" typeface="Javanese Text"/>
+        <a:font script="Lisu" typeface="Segoe UI"/>
+        <a:font script="Mymr" typeface="Myanmar Text"/>
+        <a:font script="Nkoo" typeface="Ebrima"/>
+        <a:font script="Olck" typeface="Nirmala UI"/>
+        <a:font script="Osma" typeface="Ebrima"/>
+        <a:font script="Phag" typeface="Phagspa"/>
+        <a:font script="Syrn" typeface="Estrangelo Edessa"/>
+        <a:font script="Syrj" typeface="Estrangelo Edessa"/>
+        <a:font script="Syre" typeface="Estrangelo Edessa"/>
+        <a:font script="Sora" typeface="Nirmala UI"/>
+        <a:font script="Tale" typeface="Microsoft Tai Le"/>
+        <a:font script="Talu" typeface="Microsoft New Tai Lue"/>
+        <a:font script="Tfng" typeface="Ebrima"/>
+      </a:minorFont>
+    </a:fontScheme>
+    <a:fmtScheme name="Office">
+      <a:fillStyleLst>
+        <a:solidFill>
+          <a:schemeClr val="phClr"/>
+        </a:solidFill>
+        <a:gradFill rotWithShape="1">
+          <a:gsLst>
+            <a:gs pos="0">
+              <a:schemeClr val="phClr">
+                <a:lumMod val="110000"/>
+                <a:satMod val="105000"/>
+                <a:tint val="67000"/>
+              </a:schemeClr>
+            </a:gs>
+            <a:gs pos="50000">
+              <a:schemeClr val="phClr">
+                <a:lumMod val="105000"/>
+                <a:satMod val="103000"/>
+                <a:tint val="73000"/>
+              </a:schemeClr>
+            </a:gs>
+            <a:gs pos="100000">
+              <a:schemeClr val="phClr">
+                <a:lumMod val="105000"/>
+                <a:satMod val="109000"/>
+                <a:tint val="81000"/>
+              </a:schemeClr>
+            </a:gs>
+          </a:gsLst>
+          <a:lin ang="5400000" scaled="0"/>
+        </a:gradFill>
+        <a:gradFill rotWithShape="1">
+          <a:gsLst>
+            <a:gs pos="0">
+              <a:schemeClr val="phClr">
+                <a:satMod val="103000"/>
+                <a:lumMod val="102000"/>
+                <a:tint val="94000"/>
+              </a:schemeClr>
+            </a:gs>
+            <a:gs pos="50000">
+              <a:schemeClr val="phClr">
+                <a:satMod val="110000"/>
+                <a:lumMod val="100000"/>
+                <a:shade val="100000"/>
+              </a:schemeClr>
+            </a:gs>
+            <a:gs pos="100000">
+              <a:schemeClr val="phClr">
+                <a:lumMod val="99000"/>
+                <a:satMod val="120000"/>
+                <a:shade val="78000"/>
+              </a:schemeClr>
+            </a:gs>
+          </a:gsLst>
+          <a:lin ang="5400000" scaled="0"/>
+        </a:gradFill>
+      </a:fillStyleLst>
+      <a:lnStyleLst>
+        <a:ln w="12700" cap="flat" cmpd="sng" algn="ctr">
+          <a:solidFill>
+            <a:schemeClr val="phClr"/>
+          </a:solidFill>
+          <a:prstDash val="solid"/>
+          <a:miter lim="800000"/>
+        </a:ln>
+        <a:ln w="19050" cap="flat" cmpd="sng" algn="ctr">
+          <a:solidFill>
+            <a:schemeClr val="phClr"/>
+          </a:solidFill>
+          <a:prstDash val="solid"/>
+          <a:miter lim="800000"/>
+        </a:ln>
+        <a:ln w="25400" cap="flat" cmpd="sng" algn="ctr">
+          <a:solidFill>
+            <a:schemeClr val="phClr"/>
+          </a:solidFill>
+          <a:prstDash val="solid"/>
+          <a:miter lim="800000"/>
+        </a:ln>
+      </a:lnStyleLst>
+      <a:effectStyleLst>
+        <a:effectStyle>
+          <a:effectLst/>
+        </a:effectStyle>
+        <a:effectStyle>
+          <a:effectLst/>
+        </a:effectStyle>
+        <a:effectStyle>
+          <a:effectLst>
+            <a:outerShdw blurRad="57150" dist="19050" dir="5400000" algn="ctr" rotWithShape="0">
+              <a:srgbClr val="000000">
+                <a:alpha val="63000"/>
+              </a:srgbClr>
+            </a:outerShdw>
+          </a:effectLst>
+        </a:effectStyle>
+      </a:effectStyleLst>
+      <a:bgFillStyleLst>
+        <a:solidFill>
+          <a:schemeClr val="phClr"/>
+        </a:solidFill>
+        <a:solidFill>
+          <a:schemeClr val="phClr">
+            <a:tint val="95000"/>
+            <a:satMod val="170000"/>
+          </a:schemeClr>
+        </a:solidFill>
+        <a:gradFill rotWithShape="1">
+          <a:gsLst>
+            <a:gs pos="0">
+              <a:schemeClr val="phClr">
+                <a:tint val="93000"/>
+                <a:satMod val="150000"/>
+                <a:shade val="98000"/>
+                <a:lumMod val="102000"/>
+              </a:schemeClr>
+            </a:gs>
+            <a:gs pos="50000">
+              <a:schemeClr val="phClr">
+                <a:tint val="98000"/>
+                <a:satMod val="130000"/>
+                <a:shade val="90000"/>
+                <a:lumMod val="103000"/>
+              </a:schemeClr>
+            </a:gs>
+            <a:gs pos="100000">
+              <a:schemeClr val="phClr">
+                <a:shade val="63000"/>
+                <a:satMod val="120000"/>
+              </a:schemeClr>
+            </a:gs>
+          </a:gsLst>
+          <a:lin ang="5400000" scaled="0"/>
+        </a:gradFill>
+      </a:bgFillStyleLst>
+    </a:fmtScheme>
+  </a:themeElements>
+  <a:objectDefaults>
+    <a:lnDef>
+      <a:spPr/>
+      <a:bodyPr/>
+      <a:lstStyle/>
+      <a:style>
+        <a:lnRef idx="2">
+          <a:schemeClr val="accent1"/>
+        </a:lnRef>
+        <a:fillRef idx="0">
+          <a:schemeClr val="accent1"/>
+        </a:fillRef>
+        <a:effectRef idx="1">
+          <a:schemeClr val="accent1"/>
+        </a:effectRef>
+        <a:fontRef idx="minor">
+          <a:schemeClr val="tx1"/>
+        </a:fontRef>
+      </a:style>
+    </a:lnDef>
+  </a:objectDefaults>
+  <a:extraClrSchemeLst/>
+  <a:extLst>
+    <a:ext uri="{05A4C25C-085E-4340-85A3-A5531E510DB2}">
+      <thm15:themeFamily xmlns:thm15="http://schemas.microsoft.com/office/thememl/2012/main" name="Office Theme" id="{2E142A2C-CD16-42D6-873A-C26D2A0506FA}" vid="{1BDDFF52-6CD6-40A5-AB3C-68EB2F1E4D0A}"/>
+    </a:ext>
+  </a:extLst>
+</a:theme>
 </file>